--- a/Year3/Semester5/PPK/4-3_Fajl sistemi na operativnom sistemu Windows.pptx
+++ b/Year3/Semester5/PPK/4-3_Fajl sistemi na operativnom sistemu Windows.pptx
@@ -4949,6 +4949,7 @@
                     <a:lumMod val="75000"/>
                   </a:schemeClr>
                 </a:solidFill>
+                <a:latin typeface="Calibri (Body)"/>
               </a:rPr>
               <a:t>Univerzitet u Beogradu </a:t>
             </a:r>
@@ -4959,6 +4960,7 @@
                     <a:lumMod val="75000"/>
                   </a:schemeClr>
                 </a:solidFill>
+                <a:latin typeface="Calibri (Body)"/>
               </a:rPr>
               <a:t>– </a:t>
             </a:r>
@@ -4969,6 +4971,7 @@
                     <a:lumMod val="75000"/>
                   </a:schemeClr>
                 </a:solidFill>
+                <a:latin typeface="Calibri (Body)"/>
               </a:rPr>
               <a:t>Elektrotehni</a:t>
             </a:r>
@@ -4979,6 +4982,7 @@
                     <a:lumMod val="75000"/>
                   </a:schemeClr>
                 </a:solidFill>
+                <a:latin typeface="Calibri (Body)"/>
               </a:rPr>
               <a:t>čki fakultet</a:t>
             </a:r>
@@ -4988,6 +4992,7 @@
                   <a:lumMod val="75000"/>
                 </a:schemeClr>
               </a:solidFill>
+              <a:latin typeface="Calibri (Body)"/>
             </a:endParaRPr>
           </a:p>
         </p:txBody>
@@ -10688,30 +10693,14 @@
             <a:pPr lvl="1"/>
             <a:r>
               <a:rPr lang="sr-Latn-RS" dirty="0" smtClean="0"/>
-              <a:t>ima </a:t>
-            </a:r>
+              <a:t>ima ulaza koliko i blokova na disku</a:t>
+            </a:r>
+          </a:p>
+          <a:p>
+            <a:pPr lvl="1"/>
             <a:r>
               <a:rPr lang="sr-Latn-RS" dirty="0" smtClean="0"/>
-              <a:t>ulaza koliko i blokova na </a:t>
-            </a:r>
-            <a:r>
-              <a:rPr lang="sr-Latn-RS" dirty="0" smtClean="0"/>
-              <a:t>disku</a:t>
-            </a:r>
-          </a:p>
-          <a:p>
-            <a:pPr lvl="1"/>
-            <a:r>
-              <a:rPr lang="sr-Latn-RS" dirty="0" smtClean="0"/>
-              <a:t>u</a:t>
-            </a:r>
-            <a:r>
-              <a:rPr lang="sr-Latn-RS" dirty="0" smtClean="0"/>
-              <a:t>lazi </a:t>
-            </a:r>
-            <a:r>
-              <a:rPr lang="sr-Latn-RS" dirty="0" smtClean="0"/>
-              <a:t>su </a:t>
+              <a:t>ulazi su </a:t>
             </a:r>
             <a:r>
               <a:rPr lang="sr-Latn-RS" b="1" dirty="0" smtClean="0"/>
@@ -10719,13 +10708,8 @@
             </a:r>
             <a:r>
               <a:rPr lang="sr-Latn-RS" dirty="0" smtClean="0"/>
-              <a:t> koristeći </a:t>
-            </a:r>
-            <a:r>
-              <a:rPr lang="sr-Latn-RS" dirty="0" smtClean="0"/>
-              <a:t>indekse</a:t>
-            </a:r>
-            <a:endParaRPr lang="sr-Latn-RS" dirty="0" smtClean="0"/>
+              <a:t> koristeći indekse</a:t>
+            </a:r>
           </a:p>
           <a:p>
             <a:pPr marL="0" indent="0">
@@ -15766,11 +15750,7 @@
             </a:r>
             <a:r>
               <a:rPr lang="en-US" dirty="0" smtClean="0"/>
-              <a:t> </a:t>
-            </a:r>
-            <a:r>
-              <a:rPr lang="en-US" dirty="0" smtClean="0"/>
-              <a:t>(vi</a:t>
+              <a:t> (vi</a:t>
             </a:r>
             <a:r>
               <a:rPr lang="sr-Latn-RS" dirty="0" smtClean="0"/>
@@ -15778,11 +15758,7 @@
             </a:r>
             <a:r>
               <a:rPr lang="en-US" dirty="0" smtClean="0"/>
-              <a:t> </a:t>
-            </a:r>
-            <a:r>
-              <a:rPr lang="en-US" dirty="0" smtClean="0"/>
-              <a:t>4b</a:t>
+              <a:t> 4b</a:t>
             </a:r>
             <a:r>
               <a:rPr lang="en-US" dirty="0"/>
@@ -16679,11 +16655,7 @@
           <a:p>
             <a:r>
               <a:rPr lang="en-US" b="1" dirty="0" smtClean="0"/>
-              <a:t>Allocation </a:t>
-            </a:r>
-            <a:r>
-              <a:rPr lang="en-US" b="1" dirty="0" smtClean="0"/>
-              <a:t>Bitmap [11111000</a:t>
+              <a:t>Allocation Bitmap [11111000</a:t>
             </a:r>
             <a:r>
               <a:rPr lang="en-US" b="1" baseline="-25000" dirty="0" smtClean="0"/>
@@ -16726,11 +16698,7 @@
             <a:pPr lvl="1"/>
             <a:r>
               <a:rPr lang="sr-Latn-RS" dirty="0" smtClean="0"/>
-              <a:t>u </a:t>
-            </a:r>
-            <a:r>
-              <a:rPr lang="sr-Latn-RS" dirty="0" smtClean="0"/>
-              <a:t>prethodnim FAT verzijama </a:t>
+              <a:t>u prethodnim FAT verzijama </a:t>
             </a:r>
             <a:r>
               <a:rPr lang="en-US" dirty="0" smtClean="0"/>
@@ -16750,15 +16718,7 @@
             </a:r>
             <a:r>
               <a:rPr lang="en-US" dirty="0" smtClean="0"/>
-              <a:t> FAT (</a:t>
-            </a:r>
-            <a:r>
-              <a:rPr lang="en-US" dirty="0" smtClean="0"/>
-              <a:t>0/-1 </a:t>
-            </a:r>
-            <a:r>
-              <a:rPr lang="en-US" dirty="0" smtClean="0"/>
-              <a:t>– free)</a:t>
+              <a:t> FAT (0/-1 – free)</a:t>
             </a:r>
             <a:endParaRPr lang="en-US" dirty="0"/>
           </a:p>
@@ -17444,7 +17404,6 @@
               <a:rPr lang="sr-Latn-RS" dirty="0" smtClean="0"/>
               <a:t>šanja</a:t>
             </a:r>
-            <a:endParaRPr lang="sr-Latn-RS" dirty="0" smtClean="0"/>
           </a:p>
           <a:p>
             <a:pPr lvl="1"/>
@@ -18561,9 +18520,6 @@
                 </a:rPr>
                 <a:t>D</a:t>
               </a:r>
-              <a:endParaRPr lang="en-US" sz="1350" dirty="0">
-                <a:latin typeface="Calibri (Body)"/>
-              </a:endParaRPr>
             </a:p>
           </p:txBody>
         </p:sp>
@@ -18609,9 +18565,6 @@
                 </a:rPr>
                 <a:t>T</a:t>
               </a:r>
-              <a:endParaRPr lang="en-US" sz="1350" dirty="0">
-                <a:latin typeface="Calibri (Body)"/>
-              </a:endParaRPr>
             </a:p>
           </p:txBody>
         </p:sp>
@@ -18702,9 +18655,6 @@
                 </a:rPr>
                 <a:t>B</a:t>
               </a:r>
-              <a:endParaRPr lang="en-US" sz="1350" dirty="0">
-                <a:latin typeface="Calibri (Body)"/>
-              </a:endParaRPr>
             </a:p>
           </p:txBody>
         </p:sp>
@@ -18750,9 +18700,6 @@
                 </a:rPr>
                 <a:t>D</a:t>
               </a:r>
-              <a:endParaRPr lang="en-US" sz="1350" dirty="0">
-                <a:latin typeface="Calibri (Body)"/>
-              </a:endParaRPr>
             </a:p>
           </p:txBody>
         </p:sp>
@@ -20317,11 +20264,11 @@
   <p:clrMapOvr>
     <a:masterClrMapping/>
   </p:clrMapOvr>
-  <mc:AlternateContent xmlns:mc="http://schemas.openxmlformats.org/markup-compatibility/2006">
-    <mc:Choice xmlns:p14="http://schemas.microsoft.com/office/powerpoint/2010/main" Requires="p14">
+  <mc:AlternateContent xmlns:mc="http://schemas.openxmlformats.org/markup-compatibility/2006" xmlns:p14="http://schemas.microsoft.com/office/powerpoint/2010/main">
+    <mc:Choice Requires="p14">
       <p:transition p14:dur="10"/>
     </mc:Choice>
-    <mc:Fallback>
+    <mc:Fallback xmlns="">
       <p:transition/>
     </mc:Fallback>
   </mc:AlternateContent>
@@ -22611,38 +22558,22 @@
             <a:pPr lvl="1"/>
             <a:r>
               <a:rPr lang="sr-Latn-RS" dirty="0" smtClean="0"/>
-              <a:t>čuvanje </a:t>
-            </a:r>
+              <a:t>čuvanje sadržaja i </a:t>
+            </a:r>
+            <a:endParaRPr lang="en-US" dirty="0" smtClean="0"/>
+          </a:p>
+          <a:p>
+            <a:pPr lvl="1"/>
             <a:r>
               <a:rPr lang="sr-Latn-RS" dirty="0" smtClean="0"/>
-              <a:t>sadržaja i </a:t>
+              <a:t>pristup sadržaju nezavisno od uređaja</a:t>
             </a:r>
             <a:endParaRPr lang="en-US" dirty="0" smtClean="0"/>
           </a:p>
           <a:p>
-            <a:pPr lvl="1"/>
             <a:r>
               <a:rPr lang="sr-Latn-RS" dirty="0" smtClean="0"/>
-              <a:t>pristup sadržaju </a:t>
-            </a:r>
-            <a:r>
-              <a:rPr lang="sr-Latn-RS" dirty="0" smtClean="0"/>
-              <a:t>nezavisno od </a:t>
-            </a:r>
-            <a:r>
-              <a:rPr lang="sr-Latn-RS" dirty="0" smtClean="0"/>
-              <a:t>uređaja</a:t>
-            </a:r>
-            <a:endParaRPr lang="en-US" dirty="0" smtClean="0"/>
-          </a:p>
-          <a:p>
-            <a:r>
-              <a:rPr lang="sr-Latn-RS" dirty="0" smtClean="0"/>
-              <a:t>Fajl </a:t>
-            </a:r>
-            <a:r>
-              <a:rPr lang="sr-Latn-RS" dirty="0" smtClean="0"/>
-              <a:t>je osmišljen da bi programe učinio </a:t>
+              <a:t>Fajl je osmišljen da bi programe učinio </a:t>
             </a:r>
             <a:r>
               <a:rPr lang="sr-Latn-RS" b="1" dirty="0" smtClean="0"/>
@@ -22835,11 +22766,7 @@
             <a:pPr lvl="1"/>
             <a:r>
               <a:rPr lang="sr-Latn-RS" dirty="0" smtClean="0"/>
-              <a:t>grupisanje </a:t>
-            </a:r>
-            <a:r>
-              <a:rPr lang="sr-Latn-RS" dirty="0" smtClean="0"/>
-              <a:t>fajlova </a:t>
+              <a:t>grupisanje fajlova </a:t>
             </a:r>
             <a:endParaRPr lang="en-US" dirty="0" smtClean="0"/>
           </a:p>
@@ -22877,11 +22804,7 @@
             <a:pPr lvl="1"/>
             <a:r>
               <a:rPr lang="sr-Latn-RS" dirty="0" smtClean="0"/>
-              <a:t>logičko </a:t>
-            </a:r>
-            <a:r>
-              <a:rPr lang="sr-Latn-RS" dirty="0" smtClean="0"/>
-              <a:t>ime fajla </a:t>
+              <a:t>logičko ime fajla </a:t>
             </a:r>
             <a:r>
               <a:rPr lang="en-US" dirty="0" smtClean="0"/>
@@ -22891,16 +22814,11 @@
               <a:rPr lang="en-US" b="1" dirty="0" smtClean="0"/>
               <a:t>FCB</a:t>
             </a:r>
-            <a:endParaRPr lang="en-US" b="1" dirty="0" smtClean="0"/>
           </a:p>
           <a:p>
             <a:r>
               <a:rPr lang="en-US" b="1" dirty="0" smtClean="0"/>
-              <a:t>FCB </a:t>
-            </a:r>
-            <a:r>
-              <a:rPr lang="en-US" b="1" dirty="0" smtClean="0"/>
-              <a:t>(File Control Block)</a:t>
+              <a:t>FCB (File Control Block)</a:t>
             </a:r>
           </a:p>
           <a:p>
@@ -22930,24 +22848,15 @@
             <a:pPr lvl="1"/>
             <a:r>
               <a:rPr lang="sr-Latn-RS" dirty="0" smtClean="0"/>
-              <a:t>pomoću </a:t>
-            </a:r>
-            <a:r>
-              <a:rPr lang="sr-Latn-RS" dirty="0" smtClean="0"/>
-              <a:t>njega, operativni sistem obavlja operacije sa fajlom</a:t>
+              <a:t>pomoću njega, operativni sistem obavlja operacije sa fajlom</a:t>
             </a:r>
             <a:br>
               <a:rPr lang="sr-Latn-RS" dirty="0" smtClean="0"/>
             </a:br>
             <a:r>
               <a:rPr lang="sr-Latn-RS" dirty="0" smtClean="0"/>
-              <a:t>(čitanje, upis, menjanje privilegija</a:t>
-            </a:r>
-            <a:r>
-              <a:rPr lang="sr-Latn-RS" dirty="0" smtClean="0"/>
-              <a:t>...)</a:t>
-            </a:r>
-            <a:endParaRPr lang="sr-Latn-RS" dirty="0" smtClean="0"/>
+              <a:t>(čitanje, upis, menjanje privilegija...)</a:t>
+            </a:r>
           </a:p>
         </p:txBody>
       </p:sp>
@@ -24879,7 +24788,6 @@
               <a:rPr lang="sr-Latn-RS" dirty="0" smtClean="0"/>
               <a:t>upis u blok</a:t>
             </a:r>
-            <a:endParaRPr lang="sr-Latn-RS" dirty="0" smtClean="0"/>
           </a:p>
         </p:txBody>
       </p:sp>
@@ -27251,23 +27159,15 @@
             <a:pPr lvl="1"/>
             <a:r>
               <a:rPr lang="sr-Latn-RS" b="1" dirty="0" smtClean="0"/>
-              <a:t>ulančana </a:t>
-            </a:r>
+              <a:t>ulančana alokacija</a:t>
+            </a:r>
+            <a:endParaRPr lang="en-US" b="1" dirty="0" smtClean="0"/>
+          </a:p>
+          <a:p>
+            <a:pPr lvl="1"/>
             <a:r>
               <a:rPr lang="sr-Latn-RS" b="1" dirty="0" smtClean="0"/>
-              <a:t>alokacija</a:t>
-            </a:r>
-            <a:endParaRPr lang="en-US" b="1" dirty="0" smtClean="0"/>
-          </a:p>
-          <a:p>
-            <a:pPr lvl="1"/>
-            <a:r>
-              <a:rPr lang="sr-Latn-RS" b="1" dirty="0" smtClean="0"/>
-              <a:t>indeksna </a:t>
-            </a:r>
-            <a:r>
-              <a:rPr lang="sr-Latn-RS" b="1" dirty="0" smtClean="0"/>
-              <a:t>alokacija</a:t>
+              <a:t>indeksna alokacija</a:t>
             </a:r>
           </a:p>
           <a:p>
@@ -27276,7 +27176,6 @@
               <a:rPr lang="sr-Latn-RS" b="1" dirty="0" smtClean="0"/>
               <a:t>kombinovana alokacija</a:t>
             </a:r>
-            <a:endParaRPr lang="sr-Latn-RS" b="1" dirty="0" smtClean="0"/>
           </a:p>
         </p:txBody>
       </p:sp>

--- a/Year3/Semester5/PPK/4-3_Fajl sistemi na operativnom sistemu Windows.pptx
+++ b/Year3/Semester5/PPK/4-3_Fajl sistemi na operativnom sistemu Windows.pptx
@@ -2,7 +2,7 @@
 <file path=ppt/presentation.xml><?xml version="1.0" encoding="utf-8"?>
 <p:presentation xmlns:a="http://schemas.openxmlformats.org/drawingml/2006/main" xmlns:r="http://schemas.openxmlformats.org/officeDocument/2006/relationships" xmlns:p="http://schemas.openxmlformats.org/presentationml/2006/main" showSpecialPlsOnTitleSld="0" saveSubsetFonts="1">
   <p:sldMasterIdLst>
-    <p:sldMasterId id="2147483672" r:id="rId1"/>
+    <p:sldMasterId id="2147483685" r:id="rId1"/>
   </p:sldMasterIdLst>
   <p:notesMasterIdLst>
     <p:notesMasterId r:id="rId19"/>
@@ -29,7 +29,7 @@
     <p:sldId id="272" r:id="rId17"/>
     <p:sldId id="273" r:id="rId18"/>
   </p:sldIdLst>
-  <p:sldSz cx="9144000" cy="6858000" type="screen4x3"/>
+  <p:sldSz cx="12192000" cy="6858000"/>
   <p:notesSz cx="6858000" cy="9144000"/>
   <p:defaultTextStyle>
     <a:defPPr>
@@ -219,7 +219,7 @@
           <a:p>
             <a:fld id="{252D97EF-130B-42E0-9B98-4D244BF14443}" type="datetimeFigureOut">
               <a:rPr lang="en-US" smtClean="0"/>
-              <a:t>12/13/2024</a:t>
+              <a:t>7/26/2025</a:t>
             </a:fld>
             <a:endParaRPr lang="en-US" dirty="0"/>
           </a:p>
@@ -384,7 +384,7 @@
           <a:p>
             <a:fld id="{6E16CF5D-F655-440A-BE65-76D6779DA5FA}" type="datetimeFigureOut">
               <a:rPr lang="en-US" smtClean="0"/>
-              <a:t>12/13/2024</a:t>
+              <a:t>7/26/2025</a:t>
             </a:fld>
             <a:endParaRPr lang="en-US" dirty="0"/>
           </a:p>
@@ -402,8 +402,8 @@
         </p:nvSpPr>
         <p:spPr>
           <a:xfrm>
-            <a:off x="1371600" y="1143000"/>
-            <a:ext cx="4114800" cy="3086100"/>
+            <a:off x="685800" y="1143000"/>
+            <a:ext cx="5486400" cy="3086100"/>
           </a:xfrm>
           <a:prstGeom prst="rect">
             <a:avLst/>
@@ -691,8 +691,8 @@
         </p:nvSpPr>
         <p:spPr>
           <a:xfrm>
-            <a:off x="946404" y="758952"/>
-            <a:ext cx="7063740" cy="4041648"/>
+            <a:off x="1261872" y="758952"/>
+            <a:ext cx="9418320" cy="4041648"/>
           </a:xfrm>
         </p:spPr>
         <p:txBody>
@@ -704,7 +704,7 @@
               <a:lnSpc>
                 <a:spcPct val="85000"/>
               </a:lnSpc>
-              <a:defRPr sz="6600" baseline="0">
+              <a:defRPr sz="7200" baseline="0">
                 <a:solidFill>
                   <a:schemeClr val="tx1"/>
                 </a:solidFill>
@@ -713,7 +713,7 @@
           </a:lstStyle>
           <a:p>
             <a:r>
-              <a:rPr lang="en-US" dirty="0" smtClean="0"/>
+              <a:rPr lang="en-US" smtClean="0"/>
               <a:t>Click to edit Master title style</a:t>
             </a:r>
             <a:endParaRPr lang="en-US" dirty="0"/>
@@ -732,8 +732,8 @@
         </p:nvSpPr>
         <p:spPr>
           <a:xfrm>
-            <a:off x="946404" y="4800600"/>
-            <a:ext cx="7063740" cy="1691640"/>
+            <a:off x="1261872" y="4800600"/>
+            <a:ext cx="9418320" cy="1691640"/>
           </a:xfrm>
         </p:spPr>
         <p:txBody>
@@ -743,43 +743,43 @@
           <a:lstStyle>
             <a:lvl1pPr marL="0" indent="0" algn="l">
               <a:buNone/>
-              <a:defRPr sz="2000" baseline="0">
+              <a:defRPr sz="2200" baseline="0">
                 <a:solidFill>
                   <a:schemeClr val="tx1">
-                    <a:lumMod val="85000"/>
+                    <a:lumMod val="75000"/>
                   </a:schemeClr>
                 </a:solidFill>
               </a:defRPr>
             </a:lvl1pPr>
-            <a:lvl2pPr marL="457200" indent="0" algn="ctr">
+            <a:lvl2pPr marL="457189" indent="0" algn="ctr">
               <a:buNone/>
-              <a:defRPr sz="2000"/>
+              <a:defRPr sz="2200"/>
             </a:lvl2pPr>
-            <a:lvl3pPr marL="914400" indent="0" algn="ctr">
+            <a:lvl3pPr marL="914377" indent="0" algn="ctr">
               <a:buNone/>
-              <a:defRPr sz="2000"/>
+              <a:defRPr sz="2200"/>
             </a:lvl3pPr>
-            <a:lvl4pPr marL="1371600" indent="0" algn="ctr">
+            <a:lvl4pPr marL="1371566" indent="0" algn="ctr">
               <a:buNone/>
               <a:defRPr sz="2000"/>
             </a:lvl4pPr>
-            <a:lvl5pPr marL="1828800" indent="0" algn="ctr">
+            <a:lvl5pPr marL="1828754" indent="0" algn="ctr">
               <a:buNone/>
               <a:defRPr sz="2000"/>
             </a:lvl5pPr>
-            <a:lvl6pPr marL="2286000" indent="0" algn="ctr">
+            <a:lvl6pPr marL="2285943" indent="0" algn="ctr">
               <a:buNone/>
               <a:defRPr sz="2000"/>
             </a:lvl6pPr>
-            <a:lvl7pPr marL="2743200" indent="0" algn="ctr">
+            <a:lvl7pPr marL="2743131" indent="0" algn="ctr">
               <a:buNone/>
               <a:defRPr sz="2000"/>
             </a:lvl7pPr>
-            <a:lvl8pPr marL="3200400" indent="0" algn="ctr">
+            <a:lvl8pPr marL="3200320" indent="0" algn="ctr">
               <a:buNone/>
               <a:defRPr sz="2000"/>
             </a:lvl8pPr>
-            <a:lvl9pPr marL="3657600" indent="0" algn="ctr">
+            <a:lvl9pPr marL="3657509" indent="0" algn="ctr">
               <a:buNone/>
               <a:defRPr sz="2000"/>
             </a:lvl9pPr>
@@ -789,6 +789,101 @@
               <a:rPr lang="en-US" smtClean="0"/>
               <a:t>Click to edit Master subtitle style</a:t>
             </a:r>
+            <a:endParaRPr lang="en-US" dirty="0"/>
+          </a:p>
+        </p:txBody>
+      </p:sp>
+      <p:sp>
+        <p:nvSpPr>
+          <p:cNvPr id="4" name="Date Placeholder 3"/>
+          <p:cNvSpPr>
+            <a:spLocks noGrp="1"/>
+          </p:cNvSpPr>
+          <p:nvPr>
+            <p:ph type="dt" sz="half" idx="10"/>
+          </p:nvPr>
+        </p:nvSpPr>
+        <p:spPr/>
+        <p:txBody>
+          <a:bodyPr/>
+          <a:lstStyle>
+            <a:lvl1pPr>
+              <a:defRPr>
+                <a:solidFill>
+                  <a:schemeClr val="tx1">
+                    <a:lumMod val="50000"/>
+                  </a:schemeClr>
+                </a:solidFill>
+              </a:defRPr>
+            </a:lvl1pPr>
+          </a:lstStyle>
+          <a:p>
+            <a:fld id="{CA992A70-0495-4565-A6DB-B874848B3D22}" type="datetime1">
+              <a:rPr lang="en-US" smtClean="0"/>
+              <a:t>7/26/2025</a:t>
+            </a:fld>
+            <a:endParaRPr lang="en-US" dirty="0"/>
+          </a:p>
+        </p:txBody>
+      </p:sp>
+      <p:sp>
+        <p:nvSpPr>
+          <p:cNvPr id="5" name="Footer Placeholder 4"/>
+          <p:cNvSpPr>
+            <a:spLocks noGrp="1"/>
+          </p:cNvSpPr>
+          <p:nvPr>
+            <p:ph type="ftr" sz="quarter" idx="11"/>
+          </p:nvPr>
+        </p:nvSpPr>
+        <p:spPr/>
+        <p:txBody>
+          <a:bodyPr/>
+          <a:lstStyle>
+            <a:lvl1pPr>
+              <a:defRPr>
+                <a:solidFill>
+                  <a:schemeClr val="tx1">
+                    <a:lumMod val="65000"/>
+                  </a:schemeClr>
+                </a:solidFill>
+              </a:defRPr>
+            </a:lvl1pPr>
+          </a:lstStyle>
+          <a:p>
+            <a:endParaRPr lang="en-US" dirty="0"/>
+          </a:p>
+        </p:txBody>
+      </p:sp>
+      <p:sp>
+        <p:nvSpPr>
+          <p:cNvPr id="6" name="Slide Number Placeholder 5"/>
+          <p:cNvSpPr>
+            <a:spLocks noGrp="1"/>
+          </p:cNvSpPr>
+          <p:nvPr>
+            <p:ph type="sldNum" sz="quarter" idx="12"/>
+          </p:nvPr>
+        </p:nvSpPr>
+        <p:spPr/>
+        <p:txBody>
+          <a:bodyPr/>
+          <a:lstStyle>
+            <a:lvl1pPr>
+              <a:defRPr>
+                <a:solidFill>
+                  <a:schemeClr val="tx1">
+                    <a:lumMod val="65000"/>
+                  </a:schemeClr>
+                </a:solidFill>
+              </a:defRPr>
+            </a:lvl1pPr>
+          </a:lstStyle>
+          <a:p>
+            <a:fld id="{516B7588-0C4F-49E0-B1AB-2BC6867C93B8}" type="slidenum">
+              <a:rPr lang="en-US" smtClean="0"/>
+              <a:t>‹#›</a:t>
+            </a:fld>
             <a:endParaRPr lang="en-US" dirty="0"/>
           </a:p>
         </p:txBody>
@@ -802,7 +897,7 @@
         <p:spPr>
           <a:xfrm>
             <a:off x="0" y="0"/>
-            <a:ext cx="342900" cy="6858000"/>
+            <a:ext cx="457200" cy="6858000"/>
           </a:xfrm>
           <a:prstGeom prst="rect">
             <a:avLst/>
@@ -831,108 +926,10 @@
           </a:fontRef>
         </p:style>
       </p:sp>
-      <p:sp>
-        <p:nvSpPr>
-          <p:cNvPr id="8" name="Date Placeholder 7"/>
-          <p:cNvSpPr>
-            <a:spLocks noGrp="1"/>
-          </p:cNvSpPr>
-          <p:nvPr>
-            <p:ph type="dt" sz="half" idx="10"/>
-          </p:nvPr>
-        </p:nvSpPr>
-        <p:spPr/>
-        <p:txBody>
-          <a:bodyPr/>
-          <a:lstStyle>
-            <a:lvl1pPr>
-              <a:defRPr>
-                <a:solidFill>
-                  <a:schemeClr val="bg2">
-                    <a:lumMod val="20000"/>
-                    <a:lumOff val="80000"/>
-                  </a:schemeClr>
-                </a:solidFill>
-              </a:defRPr>
-            </a:lvl1pPr>
-          </a:lstStyle>
-          <a:p>
-            <a:fld id="{CA992A70-0495-4565-A6DB-B874848B3D22}" type="datetime1">
-              <a:rPr lang="en-US" smtClean="0"/>
-              <a:t>12/13/2024</a:t>
-            </a:fld>
-            <a:endParaRPr lang="en-US" dirty="0"/>
-          </a:p>
-        </p:txBody>
-      </p:sp>
-      <p:sp>
-        <p:nvSpPr>
-          <p:cNvPr id="9" name="Footer Placeholder 8"/>
-          <p:cNvSpPr>
-            <a:spLocks noGrp="1"/>
-          </p:cNvSpPr>
-          <p:nvPr>
-            <p:ph type="ftr" sz="quarter" idx="11"/>
-          </p:nvPr>
-        </p:nvSpPr>
-        <p:spPr/>
-        <p:txBody>
-          <a:bodyPr/>
-          <a:lstStyle>
-            <a:lvl1pPr>
-              <a:defRPr>
-                <a:solidFill>
-                  <a:schemeClr val="bg2">
-                    <a:lumMod val="20000"/>
-                    <a:lumOff val="80000"/>
-                  </a:schemeClr>
-                </a:solidFill>
-              </a:defRPr>
-            </a:lvl1pPr>
-          </a:lstStyle>
-          <a:p>
-            <a:endParaRPr lang="en-US" dirty="0"/>
-          </a:p>
-        </p:txBody>
-      </p:sp>
-      <p:sp>
-        <p:nvSpPr>
-          <p:cNvPr id="10" name="Slide Number Placeholder 9"/>
-          <p:cNvSpPr>
-            <a:spLocks noGrp="1"/>
-          </p:cNvSpPr>
-          <p:nvPr>
-            <p:ph type="sldNum" sz="quarter" idx="12"/>
-          </p:nvPr>
-        </p:nvSpPr>
-        <p:spPr/>
-        <p:txBody>
-          <a:bodyPr/>
-          <a:lstStyle>
-            <a:lvl1pPr>
-              <a:defRPr>
-                <a:solidFill>
-                  <a:schemeClr val="bg2">
-                    <a:lumMod val="60000"/>
-                    <a:lumOff val="40000"/>
-                  </a:schemeClr>
-                </a:solidFill>
-              </a:defRPr>
-            </a:lvl1pPr>
-          </a:lstStyle>
-          <a:p>
-            <a:fld id="{516B7588-0C4F-49E0-B1AB-2BC6867C93B8}" type="slidenum">
-              <a:rPr lang="en-US" smtClean="0"/>
-              <a:t>‹#›</a:t>
-            </a:fld>
-            <a:endParaRPr lang="en-US" dirty="0"/>
-          </a:p>
-        </p:txBody>
-      </p:sp>
     </p:spTree>
     <p:extLst>
       <p:ext uri="{BB962C8B-B14F-4D97-AF65-F5344CB8AC3E}">
-        <p14:creationId xmlns:p14="http://schemas.microsoft.com/office/powerpoint/2010/main" val="1592876867"/>
+        <p14:creationId xmlns:p14="http://schemas.microsoft.com/office/powerpoint/2010/main" val="2141683099"/>
       </p:ext>
     </p:extLst>
   </p:cSld>
@@ -1058,7 +1055,7 @@
           <a:p>
             <a:fld id="{FC8DCCA6-14D2-42B1-A93D-8648F47F5231}" type="datetime1">
               <a:rPr lang="en-US" smtClean="0"/>
-              <a:t>12/13/2024</a:t>
+              <a:t>7/26/2025</a:t>
             </a:fld>
             <a:endParaRPr lang="en-US" dirty="0"/>
           </a:p>
@@ -1109,7 +1106,7 @@
     </p:spTree>
     <p:extLst>
       <p:ext uri="{BB962C8B-B14F-4D97-AF65-F5344CB8AC3E}">
-        <p14:creationId xmlns:p14="http://schemas.microsoft.com/office/powerpoint/2010/main" val="349936063"/>
+        <p14:creationId xmlns:p14="http://schemas.microsoft.com/office/powerpoint/2010/main" val="3111279233"/>
       </p:ext>
     </p:extLst>
   </p:cSld>
@@ -1148,8 +1145,8 @@
         </p:nvSpPr>
         <p:spPr>
           <a:xfrm>
-            <a:off x="6486525" y="381000"/>
-            <a:ext cx="1857375" cy="5897562"/>
+            <a:off x="8648701" y="381000"/>
+            <a:ext cx="2476500" cy="5897562"/>
           </a:xfrm>
         </p:spPr>
         <p:txBody>
@@ -1176,8 +1173,8 @@
         </p:nvSpPr>
         <p:spPr>
           <a:xfrm>
-            <a:off x="571500" y="381000"/>
-            <a:ext cx="5800725" cy="5897562"/>
+            <a:off x="762001" y="381000"/>
+            <a:ext cx="7734300" cy="5897562"/>
           </a:xfrm>
         </p:spPr>
         <p:txBody>
@@ -1238,7 +1235,7 @@
           <a:p>
             <a:fld id="{CAC5071B-74B2-4761-AB72-0EF409C7D494}" type="datetime1">
               <a:rPr lang="en-US" smtClean="0"/>
-              <a:t>12/13/2024</a:t>
+              <a:t>7/26/2025</a:t>
             </a:fld>
             <a:endParaRPr lang="en-US" dirty="0"/>
           </a:p>
@@ -1289,493 +1286,17 @@
     </p:spTree>
     <p:extLst>
       <p:ext uri="{BB962C8B-B14F-4D97-AF65-F5344CB8AC3E}">
-        <p14:creationId xmlns:p14="http://schemas.microsoft.com/office/powerpoint/2010/main" val="3572526433"/>
+        <p14:creationId xmlns:p14="http://schemas.microsoft.com/office/powerpoint/2010/main" val="1216591127"/>
       </p:ext>
     </p:extLst>
   </p:cSld>
   <p:clrMapOvr>
     <a:masterClrMapping/>
   </p:clrMapOvr>
-  <p:timing>
-    <p:tnLst>
-      <p:par>
-        <p:cTn id="1" dur="indefinite" restart="never" nodeType="tmRoot"/>
-      </p:par>
-    </p:tnLst>
-  </p:timing>
 </p:sldLayout>
 </file>
 
 <file path=ppt/slideLayouts/slideLayout12.xml><?xml version="1.0" encoding="utf-8"?>
-<p:sldLayout xmlns:a="http://schemas.openxmlformats.org/drawingml/2006/main" xmlns:r="http://schemas.openxmlformats.org/officeDocument/2006/relationships" xmlns:p="http://schemas.openxmlformats.org/presentationml/2006/main" type="twoTxTwoObj">
-  <p:cSld name="1_Comparison">
-    <p:spTree>
-      <p:nvGrpSpPr>
-        <p:cNvPr id="1" name=""/>
-        <p:cNvGrpSpPr/>
-        <p:nvPr/>
-      </p:nvGrpSpPr>
-      <p:grpSpPr>
-        <a:xfrm>
-          <a:off x="0" y="0"/>
-          <a:ext cx="0" cy="0"/>
-          <a:chOff x="0" y="0"/>
-          <a:chExt cx="0" cy="0"/>
-        </a:xfrm>
-      </p:grpSpPr>
-      <p:sp>
-        <p:nvSpPr>
-          <p:cNvPr id="10" name="Title 9"/>
-          <p:cNvSpPr>
-            <a:spLocks noGrp="1"/>
-          </p:cNvSpPr>
-          <p:nvPr>
-            <p:ph type="title"/>
-          </p:nvPr>
-        </p:nvSpPr>
-        <p:spPr/>
-        <p:txBody>
-          <a:bodyPr/>
-          <a:lstStyle/>
-          <a:p>
-            <a:r>
-              <a:rPr lang="en-US" smtClean="0"/>
-              <a:t>Click to edit Master title style</a:t>
-            </a:r>
-            <a:endParaRPr lang="en-US" dirty="0"/>
-          </a:p>
-        </p:txBody>
-      </p:sp>
-      <p:sp>
-        <p:nvSpPr>
-          <p:cNvPr id="3" name="Text Placeholder 2"/>
-          <p:cNvSpPr>
-            <a:spLocks noGrp="1"/>
-          </p:cNvSpPr>
-          <p:nvPr>
-            <p:ph type="body" idx="1"/>
-          </p:nvPr>
-        </p:nvSpPr>
-        <p:spPr>
-          <a:xfrm>
-            <a:off x="946404" y="1713655"/>
-            <a:ext cx="3360420" cy="731520"/>
-          </a:xfrm>
-        </p:spPr>
-        <p:txBody>
-          <a:bodyPr anchor="b">
-            <a:normAutofit/>
-          </a:bodyPr>
-          <a:lstStyle>
-            <a:lvl1pPr marL="0" indent="0">
-              <a:spcBef>
-                <a:spcPts val="0"/>
-              </a:spcBef>
-              <a:buNone/>
-              <a:defRPr sz="1500" b="0">
-                <a:solidFill>
-                  <a:schemeClr val="tx2"/>
-                </a:solidFill>
-              </a:defRPr>
-            </a:lvl1pPr>
-            <a:lvl2pPr marL="342892" indent="0">
-              <a:buNone/>
-              <a:defRPr sz="1500" b="1"/>
-            </a:lvl2pPr>
-            <a:lvl3pPr marL="685783" indent="0">
-              <a:buNone/>
-              <a:defRPr sz="1350" b="1"/>
-            </a:lvl3pPr>
-            <a:lvl4pPr marL="1028675" indent="0">
-              <a:buNone/>
-              <a:defRPr sz="1200" b="1"/>
-            </a:lvl4pPr>
-            <a:lvl5pPr marL="1371566" indent="0">
-              <a:buNone/>
-              <a:defRPr sz="1200" b="1"/>
-            </a:lvl5pPr>
-            <a:lvl6pPr marL="1714457" indent="0">
-              <a:buNone/>
-              <a:defRPr sz="1200" b="1"/>
-            </a:lvl6pPr>
-            <a:lvl7pPr marL="2057348" indent="0">
-              <a:buNone/>
-              <a:defRPr sz="1200" b="1"/>
-            </a:lvl7pPr>
-            <a:lvl8pPr marL="2400240" indent="0">
-              <a:buNone/>
-              <a:defRPr sz="1200" b="1"/>
-            </a:lvl8pPr>
-            <a:lvl9pPr marL="2743132" indent="0">
-              <a:buNone/>
-              <a:defRPr sz="1200" b="1"/>
-            </a:lvl9pPr>
-          </a:lstStyle>
-          <a:p>
-            <a:pPr lvl="0"/>
-            <a:r>
-              <a:rPr lang="en-US" smtClean="0"/>
-              <a:t>Edit Master text styles</a:t>
-            </a:r>
-          </a:p>
-        </p:txBody>
-      </p:sp>
-      <p:sp>
-        <p:nvSpPr>
-          <p:cNvPr id="4" name="Content Placeholder 3"/>
-          <p:cNvSpPr>
-            <a:spLocks noGrp="1"/>
-          </p:cNvSpPr>
-          <p:nvPr>
-            <p:ph sz="half" idx="2"/>
-          </p:nvPr>
-        </p:nvSpPr>
-        <p:spPr>
-          <a:xfrm>
-            <a:off x="946404" y="2507550"/>
-            <a:ext cx="3360420" cy="3664650"/>
-          </a:xfrm>
-        </p:spPr>
-        <p:txBody>
-          <a:bodyPr/>
-          <a:lstStyle>
-            <a:lvl1pPr>
-              <a:defRPr sz="1350"/>
-            </a:lvl1pPr>
-            <a:lvl2pPr>
-              <a:defRPr sz="1200"/>
-            </a:lvl2pPr>
-            <a:lvl3pPr>
-              <a:defRPr sz="1050"/>
-            </a:lvl3pPr>
-            <a:lvl4pPr>
-              <a:defRPr sz="1050"/>
-            </a:lvl4pPr>
-            <a:lvl5pPr>
-              <a:defRPr sz="1050"/>
-            </a:lvl5pPr>
-            <a:lvl6pPr>
-              <a:defRPr sz="1050"/>
-            </a:lvl6pPr>
-            <a:lvl7pPr>
-              <a:defRPr sz="1050"/>
-            </a:lvl7pPr>
-            <a:lvl8pPr>
-              <a:defRPr sz="1050"/>
-            </a:lvl8pPr>
-            <a:lvl9pPr>
-              <a:defRPr sz="1050"/>
-            </a:lvl9pPr>
-          </a:lstStyle>
-          <a:p>
-            <a:pPr lvl="0"/>
-            <a:r>
-              <a:rPr lang="en-US" smtClean="0"/>
-              <a:t>Edit Master text styles</a:t>
-            </a:r>
-          </a:p>
-          <a:p>
-            <a:pPr lvl="1"/>
-            <a:r>
-              <a:rPr lang="en-US" smtClean="0"/>
-              <a:t>Second level</a:t>
-            </a:r>
-          </a:p>
-          <a:p>
-            <a:pPr lvl="2"/>
-            <a:r>
-              <a:rPr lang="en-US" smtClean="0"/>
-              <a:t>Third level</a:t>
-            </a:r>
-          </a:p>
-          <a:p>
-            <a:pPr lvl="3"/>
-            <a:r>
-              <a:rPr lang="en-US" smtClean="0"/>
-              <a:t>Fourth level</a:t>
-            </a:r>
-          </a:p>
-          <a:p>
-            <a:pPr lvl="4"/>
-            <a:r>
-              <a:rPr lang="en-US" smtClean="0"/>
-              <a:t>Fifth level</a:t>
-            </a:r>
-            <a:endParaRPr lang="en-US" dirty="0"/>
-          </a:p>
-        </p:txBody>
-      </p:sp>
-      <p:sp>
-        <p:nvSpPr>
-          <p:cNvPr id="5" name="Text Placeholder 4"/>
-          <p:cNvSpPr>
-            <a:spLocks noGrp="1"/>
-          </p:cNvSpPr>
-          <p:nvPr>
-            <p:ph type="body" sz="quarter" idx="3"/>
-          </p:nvPr>
-        </p:nvSpPr>
-        <p:spPr>
-          <a:xfrm>
-            <a:off x="4594860" y="1713655"/>
-            <a:ext cx="3360420" cy="731520"/>
-          </a:xfrm>
-        </p:spPr>
-        <p:txBody>
-          <a:bodyPr anchor="b">
-            <a:normAutofit/>
-          </a:bodyPr>
-          <a:lstStyle>
-            <a:lvl1pPr marL="0" indent="0">
-              <a:lnSpc>
-                <a:spcPct val="95000"/>
-              </a:lnSpc>
-              <a:spcBef>
-                <a:spcPts val="0"/>
-              </a:spcBef>
-              <a:buNone/>
-              <a:defRPr lang="en-US" sz="1500" b="0" kern="1200" dirty="0">
-                <a:solidFill>
-                  <a:schemeClr val="tx2"/>
-                </a:solidFill>
-                <a:latin typeface="+mn-lt"/>
-                <a:ea typeface="+mn-ea"/>
-                <a:cs typeface="+mn-cs"/>
-              </a:defRPr>
-            </a:lvl1pPr>
-            <a:lvl2pPr marL="342892" indent="0">
-              <a:buNone/>
-              <a:defRPr sz="1500" b="1"/>
-            </a:lvl2pPr>
-            <a:lvl3pPr marL="685783" indent="0">
-              <a:buNone/>
-              <a:defRPr sz="1350" b="1"/>
-            </a:lvl3pPr>
-            <a:lvl4pPr marL="1028675" indent="0">
-              <a:buNone/>
-              <a:defRPr sz="1200" b="1"/>
-            </a:lvl4pPr>
-            <a:lvl5pPr marL="1371566" indent="0">
-              <a:buNone/>
-              <a:defRPr sz="1200" b="1"/>
-            </a:lvl5pPr>
-            <a:lvl6pPr marL="1714457" indent="0">
-              <a:buNone/>
-              <a:defRPr sz="1200" b="1"/>
-            </a:lvl6pPr>
-            <a:lvl7pPr marL="2057348" indent="0">
-              <a:buNone/>
-              <a:defRPr sz="1200" b="1"/>
-            </a:lvl7pPr>
-            <a:lvl8pPr marL="2400240" indent="0">
-              <a:buNone/>
-              <a:defRPr sz="1200" b="1"/>
-            </a:lvl8pPr>
-            <a:lvl9pPr marL="2743132" indent="0">
-              <a:buNone/>
-              <a:defRPr sz="1200" b="1"/>
-            </a:lvl9pPr>
-          </a:lstStyle>
-          <a:p>
-            <a:pPr marL="0" lvl="0" indent="0" algn="l" defTabSz="685783" rtl="0" eaLnBrk="1" latinLnBrk="0" hangingPunct="1">
-              <a:lnSpc>
-                <a:spcPct val="90000"/>
-              </a:lnSpc>
-              <a:spcBef>
-                <a:spcPts val="1500"/>
-              </a:spcBef>
-              <a:buFontTx/>
-              <a:buNone/>
-            </a:pPr>
-            <a:r>
-              <a:rPr lang="en-US" smtClean="0"/>
-              <a:t>Edit Master text styles</a:t>
-            </a:r>
-          </a:p>
-        </p:txBody>
-      </p:sp>
-      <p:sp>
-        <p:nvSpPr>
-          <p:cNvPr id="6" name="Content Placeholder 5"/>
-          <p:cNvSpPr>
-            <a:spLocks noGrp="1"/>
-          </p:cNvSpPr>
-          <p:nvPr>
-            <p:ph sz="quarter" idx="4"/>
-          </p:nvPr>
-        </p:nvSpPr>
-        <p:spPr>
-          <a:xfrm>
-            <a:off x="4594860" y="2507550"/>
-            <a:ext cx="3360420" cy="3664650"/>
-          </a:xfrm>
-        </p:spPr>
-        <p:txBody>
-          <a:bodyPr/>
-          <a:lstStyle>
-            <a:lvl1pPr>
-              <a:defRPr sz="1350"/>
-            </a:lvl1pPr>
-            <a:lvl2pPr>
-              <a:defRPr sz="1200"/>
-            </a:lvl2pPr>
-            <a:lvl3pPr>
-              <a:defRPr sz="1050"/>
-            </a:lvl3pPr>
-            <a:lvl4pPr>
-              <a:defRPr sz="1050"/>
-            </a:lvl4pPr>
-            <a:lvl5pPr>
-              <a:defRPr sz="1050"/>
-            </a:lvl5pPr>
-            <a:lvl6pPr>
-              <a:defRPr sz="1050"/>
-            </a:lvl6pPr>
-            <a:lvl7pPr>
-              <a:defRPr sz="1050"/>
-            </a:lvl7pPr>
-            <a:lvl8pPr>
-              <a:defRPr sz="1050"/>
-            </a:lvl8pPr>
-            <a:lvl9pPr>
-              <a:defRPr sz="1050"/>
-            </a:lvl9pPr>
-          </a:lstStyle>
-          <a:p>
-            <a:pPr lvl="0"/>
-            <a:r>
-              <a:rPr lang="en-US" smtClean="0"/>
-              <a:t>Edit Master text styles</a:t>
-            </a:r>
-          </a:p>
-          <a:p>
-            <a:pPr lvl="1"/>
-            <a:r>
-              <a:rPr lang="en-US" smtClean="0"/>
-              <a:t>Second level</a:t>
-            </a:r>
-          </a:p>
-          <a:p>
-            <a:pPr lvl="2"/>
-            <a:r>
-              <a:rPr lang="en-US" smtClean="0"/>
-              <a:t>Third level</a:t>
-            </a:r>
-          </a:p>
-          <a:p>
-            <a:pPr lvl="3"/>
-            <a:r>
-              <a:rPr lang="en-US" smtClean="0"/>
-              <a:t>Fourth level</a:t>
-            </a:r>
-          </a:p>
-          <a:p>
-            <a:pPr lvl="4"/>
-            <a:r>
-              <a:rPr lang="en-US" smtClean="0"/>
-              <a:t>Fifth level</a:t>
-            </a:r>
-            <a:endParaRPr lang="en-US" dirty="0"/>
-          </a:p>
-        </p:txBody>
-      </p:sp>
-      <p:sp>
-        <p:nvSpPr>
-          <p:cNvPr id="7" name="Date Placeholder 6"/>
-          <p:cNvSpPr>
-            <a:spLocks noGrp="1"/>
-          </p:cNvSpPr>
-          <p:nvPr>
-            <p:ph type="dt" sz="half" idx="10"/>
-          </p:nvPr>
-        </p:nvSpPr>
-        <p:spPr/>
-        <p:txBody>
-          <a:bodyPr/>
-          <a:lstStyle/>
-          <a:p>
-            <a:fld id="{3554C018-218A-4B4E-B732-3A23696258F5}" type="datetime1">
-              <a:rPr lang="en-US" smtClean="0"/>
-              <a:t>12/13/2024</a:t>
-            </a:fld>
-            <a:endParaRPr lang="en-US" dirty="0"/>
-          </a:p>
-        </p:txBody>
-      </p:sp>
-      <p:sp>
-        <p:nvSpPr>
-          <p:cNvPr id="8" name="Footer Placeholder 7"/>
-          <p:cNvSpPr>
-            <a:spLocks noGrp="1"/>
-          </p:cNvSpPr>
-          <p:nvPr>
-            <p:ph type="ftr" sz="quarter" idx="11"/>
-          </p:nvPr>
-        </p:nvSpPr>
-        <p:spPr/>
-        <p:txBody>
-          <a:bodyPr/>
-          <a:lstStyle/>
-          <a:p>
-            <a:endParaRPr lang="en-US" dirty="0"/>
-          </a:p>
-        </p:txBody>
-      </p:sp>
-      <p:sp>
-        <p:nvSpPr>
-          <p:cNvPr id="9" name="Slide Number Placeholder 8"/>
-          <p:cNvSpPr>
-            <a:spLocks noGrp="1"/>
-          </p:cNvSpPr>
-          <p:nvPr>
-            <p:ph type="sldNum" sz="quarter" idx="12"/>
-          </p:nvPr>
-        </p:nvSpPr>
-        <p:spPr/>
-        <p:txBody>
-          <a:bodyPr>
-            <a:normAutofit/>
-          </a:bodyPr>
-          <a:lstStyle>
-            <a:lvl1pPr>
-              <a:defRPr sz="1800"/>
-            </a:lvl1pPr>
-          </a:lstStyle>
-          <a:p>
-            <a:fld id="{516B7588-0C4F-49E0-B1AB-2BC6867C93B8}" type="slidenum">
-              <a:rPr lang="en-US" smtClean="0"/>
-              <a:pPr/>
-              <a:t>‹#›</a:t>
-            </a:fld>
-            <a:r>
-              <a:rPr lang="en-US" dirty="0" smtClean="0"/>
-              <a:t>/17</a:t>
-            </a:r>
-            <a:endParaRPr lang="en-US" dirty="0"/>
-          </a:p>
-        </p:txBody>
-      </p:sp>
-    </p:spTree>
-    <p:extLst>
-      <p:ext uri="{BB962C8B-B14F-4D97-AF65-F5344CB8AC3E}">
-        <p14:creationId xmlns:p14="http://schemas.microsoft.com/office/powerpoint/2010/main" val="2762796596"/>
-      </p:ext>
-    </p:extLst>
-  </p:cSld>
-  <p:clrMapOvr>
-    <a:masterClrMapping/>
-  </p:clrMapOvr>
-  <p:timing>
-    <p:tnLst>
-      <p:par>
-        <p:cTn id="1" dur="indefinite" restart="never" nodeType="tmRoot"/>
-      </p:par>
-    </p:tnLst>
-  </p:timing>
-</p:sldLayout>
-</file>
-
-<file path=ppt/slideLayouts/slideLayout13.xml><?xml version="1.0" encoding="utf-8"?>
 <p:sldLayout xmlns:a="http://schemas.openxmlformats.org/drawingml/2006/main" xmlns:r="http://schemas.openxmlformats.org/officeDocument/2006/relationships" xmlns:p="http://schemas.openxmlformats.org/presentationml/2006/main" preserve="1" userDrawn="1">
   <p:cSld name="1_Title and Content">
     <p:spTree>
@@ -1829,22 +1350,22 @@
         <p:txBody>
           <a:bodyPr/>
           <a:lstStyle>
-            <a:lvl2pPr marL="342892" indent="-137156">
+            <a:lvl2pPr marL="342883" indent="-137153">
               <a:buFont typeface="Wingdings" panose="05000000000000000000" pitchFamily="2" charset="2"/>
               <a:buChar char="Ø"/>
               <a:defRPr/>
             </a:lvl2pPr>
-            <a:lvl3pPr marL="548627" indent="-137156">
+            <a:lvl3pPr marL="548613" indent="-137153">
               <a:buFont typeface="Wingdings" panose="05000000000000000000" pitchFamily="2" charset="2"/>
               <a:buChar char="Ø"/>
               <a:defRPr/>
             </a:lvl3pPr>
-            <a:lvl4pPr marL="754361" indent="-137156">
+            <a:lvl4pPr marL="754342" indent="-137153">
               <a:buFont typeface="Wingdings" panose="05000000000000000000" pitchFamily="2" charset="2"/>
               <a:buChar char="Ø"/>
               <a:defRPr/>
             </a:lvl4pPr>
-            <a:lvl5pPr marL="960096" indent="-137156">
+            <a:lvl5pPr marL="960072" indent="-137153">
               <a:buFont typeface="Wingdings" panose="05000000000000000000" pitchFamily="2" charset="2"/>
               <a:buChar char="Ø"/>
               <a:defRPr/>
@@ -1905,7 +1426,7 @@
           <a:p>
             <a:fld id="{74A09805-5BAE-4231-913A-7CDC83C02E89}" type="datetime1">
               <a:rPr lang="en-US" smtClean="0"/>
-              <a:t>12/13/2024</a:t>
+              <a:t>7/26/2025</a:t>
             </a:fld>
             <a:endParaRPr lang="en-US" dirty="0"/>
           </a:p>
@@ -2040,22 +1561,22 @@
         <p:txBody>
           <a:bodyPr/>
           <a:lstStyle>
-            <a:lvl2pPr marL="457200" indent="-182880">
+            <a:lvl2pPr marL="457189" indent="-182875">
               <a:buFont typeface="Wingdings" panose="05000000000000000000" pitchFamily="2" charset="2"/>
               <a:buChar char="Ø"/>
               <a:defRPr/>
             </a:lvl2pPr>
-            <a:lvl3pPr marL="731520" indent="-182880">
+            <a:lvl3pPr marL="731502" indent="-182875">
               <a:buFont typeface="Wingdings" panose="05000000000000000000" pitchFamily="2" charset="2"/>
               <a:buChar char="Ø"/>
               <a:defRPr/>
             </a:lvl3pPr>
-            <a:lvl4pPr marL="1005840" indent="-182880">
+            <a:lvl4pPr marL="1005815" indent="-182875">
               <a:buFont typeface="Wingdings" panose="05000000000000000000" pitchFamily="2" charset="2"/>
               <a:buChar char="Ø"/>
               <a:defRPr/>
             </a:lvl4pPr>
-            <a:lvl5pPr marL="1280160" indent="-182880">
+            <a:lvl5pPr marL="1280128" indent="-182875">
               <a:buFont typeface="Wingdings" panose="05000000000000000000" pitchFamily="2" charset="2"/>
               <a:buChar char="Ø"/>
               <a:defRPr/>
@@ -2116,7 +1637,7 @@
           <a:p>
             <a:fld id="{D3D280A0-C88D-4BB7-93A6-6B5821787001}" type="datetime1">
               <a:rPr lang="en-US" smtClean="0"/>
-              <a:t>12/13/2024</a:t>
+              <a:t>7/26/2025</a:t>
             </a:fld>
             <a:endParaRPr lang="en-US" dirty="0"/>
           </a:p>
@@ -2153,14 +1674,8 @@
         </p:nvSpPr>
         <p:spPr/>
         <p:txBody>
-          <a:bodyPr>
-            <a:noAutofit/>
-          </a:bodyPr>
-          <a:lstStyle>
-            <a:lvl1pPr>
-              <a:defRPr sz="1800"/>
-            </a:lvl1pPr>
-          </a:lstStyle>
+          <a:bodyPr/>
+          <a:lstStyle/>
           <a:p>
             <a:fld id="{49F83D39-FACF-43C7-9C4E-3C002A13A54D}" type="slidenum">
               <a:rPr lang="en-US" smtClean="0"/>
@@ -2168,7 +1683,7 @@
               <a:t>‹#›</a:t>
             </a:fld>
             <a:r>
-              <a:rPr lang="en-US" dirty="0" smtClean="0"/>
+              <a:rPr lang="en-US" smtClean="0"/>
               <a:t>/17</a:t>
             </a:r>
             <a:endParaRPr lang="en-US" dirty="0"/>
@@ -2178,7 +1693,7 @@
     </p:spTree>
     <p:extLst>
       <p:ext uri="{BB962C8B-B14F-4D97-AF65-F5344CB8AC3E}">
-        <p14:creationId xmlns:p14="http://schemas.microsoft.com/office/powerpoint/2010/main" val="724922775"/>
+        <p14:creationId xmlns:p14="http://schemas.microsoft.com/office/powerpoint/2010/main" val="2295100363"/>
       </p:ext>
     </p:extLst>
   </p:cSld>
@@ -2224,8 +1739,8 @@
         </p:nvSpPr>
         <p:spPr>
           <a:xfrm>
-            <a:off x="946404" y="758952"/>
-            <a:ext cx="7063740" cy="4041648"/>
+            <a:off x="1261872" y="758952"/>
+            <a:ext cx="9418320" cy="4041648"/>
           </a:xfrm>
         </p:spPr>
         <p:txBody>
@@ -2237,7 +1752,7 @@
               <a:lnSpc>
                 <a:spcPct val="85000"/>
               </a:lnSpc>
-              <a:defRPr sz="6600" b="0"/>
+              <a:defRPr sz="7200" b="0"/>
             </a:lvl1pPr>
           </a:lstStyle>
           <a:p>
@@ -2261,8 +1776,8 @@
         </p:nvSpPr>
         <p:spPr>
           <a:xfrm>
-            <a:off x="946404" y="4800600"/>
-            <a:ext cx="7063740" cy="1691640"/>
+            <a:off x="1261872" y="4800600"/>
+            <a:ext cx="9418320" cy="1691640"/>
           </a:xfrm>
         </p:spPr>
         <p:txBody>
@@ -2272,16 +1787,16 @@
           <a:lstStyle>
             <a:lvl1pPr marL="0" indent="0">
               <a:buNone/>
-              <a:defRPr sz="2000">
+              <a:defRPr sz="2200">
                 <a:solidFill>
                   <a:schemeClr val="tx1">
-                    <a:lumMod val="75000"/>
-                    <a:lumOff val="25000"/>
+                    <a:lumMod val="65000"/>
+                    <a:lumOff val="35000"/>
                   </a:schemeClr>
                 </a:solidFill>
               </a:defRPr>
             </a:lvl1pPr>
-            <a:lvl2pPr marL="457200" indent="0">
+            <a:lvl2pPr marL="457189" indent="0">
               <a:buNone/>
               <a:defRPr sz="1800">
                 <a:solidFill>
@@ -2291,7 +1806,7 @@
                 </a:solidFill>
               </a:defRPr>
             </a:lvl2pPr>
-            <a:lvl3pPr marL="914400" indent="0">
+            <a:lvl3pPr marL="914377" indent="0">
               <a:buNone/>
               <a:defRPr sz="1600">
                 <a:solidFill>
@@ -2301,7 +1816,7 @@
                 </a:solidFill>
               </a:defRPr>
             </a:lvl3pPr>
-            <a:lvl4pPr marL="1371600" indent="0">
+            <a:lvl4pPr marL="1371566" indent="0">
               <a:buNone/>
               <a:defRPr sz="1400">
                 <a:solidFill>
@@ -2311,7 +1826,7 @@
                 </a:solidFill>
               </a:defRPr>
             </a:lvl4pPr>
-            <a:lvl5pPr marL="1828800" indent="0">
+            <a:lvl5pPr marL="1828754" indent="0">
               <a:buNone/>
               <a:defRPr sz="1400">
                 <a:solidFill>
@@ -2321,7 +1836,7 @@
                 </a:solidFill>
               </a:defRPr>
             </a:lvl5pPr>
-            <a:lvl6pPr marL="2286000" indent="0">
+            <a:lvl6pPr marL="2285943" indent="0">
               <a:buNone/>
               <a:defRPr sz="1400">
                 <a:solidFill>
@@ -2331,7 +1846,7 @@
                 </a:solidFill>
               </a:defRPr>
             </a:lvl6pPr>
-            <a:lvl7pPr marL="2743200" indent="0">
+            <a:lvl7pPr marL="2743131" indent="0">
               <a:buNone/>
               <a:defRPr sz="1400">
                 <a:solidFill>
@@ -2341,7 +1856,7 @@
                 </a:solidFill>
               </a:defRPr>
             </a:lvl7pPr>
-            <a:lvl8pPr marL="3200400" indent="0">
+            <a:lvl8pPr marL="3200320" indent="0">
               <a:buNone/>
               <a:defRPr sz="1400">
                 <a:solidFill>
@@ -2351,7 +1866,7 @@
                 </a:solidFill>
               </a:defRPr>
             </a:lvl8pPr>
-            <a:lvl9pPr marL="3657600" indent="0">
+            <a:lvl9pPr marL="3657509" indent="0">
               <a:buNone/>
               <a:defRPr sz="1400">
                 <a:solidFill>
@@ -2388,7 +1903,7 @@
           <a:p>
             <a:fld id="{CE7F1823-93C8-4CD8-AFDB-96A5F28229EE}" type="datetime1">
               <a:rPr lang="en-US" smtClean="0"/>
-              <a:t>12/13/2024</a:t>
+              <a:t>7/26/2025</a:t>
             </a:fld>
             <a:endParaRPr lang="en-US" dirty="0"/>
           </a:p>
@@ -2425,14 +1940,8 @@
         </p:nvSpPr>
         <p:spPr/>
         <p:txBody>
-          <a:bodyPr>
-            <a:noAutofit/>
-          </a:bodyPr>
-          <a:lstStyle>
-            <a:lvl1pPr>
-              <a:defRPr sz="1800"/>
-            </a:lvl1pPr>
-          </a:lstStyle>
+          <a:bodyPr/>
+          <a:lstStyle/>
           <a:p>
             <a:fld id="{55C7D454-9F4F-4B3E-9E94-B0A69F152E47}" type="slidenum">
               <a:rPr lang="en-US" smtClean="0"/>
@@ -2440,7 +1949,7 @@
               <a:t>‹#›</a:t>
             </a:fld>
             <a:r>
-              <a:rPr lang="en-US" dirty="0" smtClean="0"/>
+              <a:rPr lang="en-US" smtClean="0"/>
               <a:t>/17</a:t>
             </a:r>
             <a:endParaRPr lang="en-US" dirty="0"/>
@@ -2456,7 +1965,7 @@
         <p:spPr>
           <a:xfrm>
             <a:off x="0" y="0"/>
-            <a:ext cx="342900" cy="6858000"/>
+            <a:ext cx="457200" cy="6858000"/>
           </a:xfrm>
           <a:prstGeom prst="rect">
             <a:avLst/>
@@ -2488,7 +1997,7 @@
     </p:spTree>
     <p:extLst>
       <p:ext uri="{BB962C8B-B14F-4D97-AF65-F5344CB8AC3E}">
-        <p14:creationId xmlns:p14="http://schemas.microsoft.com/office/powerpoint/2010/main" val="1739702202"/>
+        <p14:creationId xmlns:p14="http://schemas.microsoft.com/office/powerpoint/2010/main" val="736530282"/>
       </p:ext>
     </p:extLst>
   </p:cSld>
@@ -2557,8 +2066,8 @@
         </p:nvSpPr>
         <p:spPr>
           <a:xfrm>
-            <a:off x="946404" y="1828801"/>
-            <a:ext cx="3360420" cy="4351337"/>
+            <a:off x="1261872" y="1828802"/>
+            <a:ext cx="4480560" cy="4351337"/>
           </a:xfrm>
         </p:spPr>
         <p:txBody>
@@ -2567,16 +2076,24 @@
             <a:lvl1pPr>
               <a:defRPr sz="1800"/>
             </a:lvl1pPr>
-            <a:lvl2pPr>
+            <a:lvl2pPr marL="457189" indent="-182875">
+              <a:buFont typeface="Wingdings" panose="05000000000000000000" pitchFamily="2" charset="2"/>
+              <a:buChar char="Ø"/>
               <a:defRPr sz="1600"/>
             </a:lvl2pPr>
-            <a:lvl3pPr>
+            <a:lvl3pPr marL="731502" indent="-182875">
+              <a:buFont typeface="Wingdings" panose="05000000000000000000" pitchFamily="2" charset="2"/>
+              <a:buChar char="Ø"/>
               <a:defRPr sz="1400"/>
             </a:lvl3pPr>
-            <a:lvl4pPr>
+            <a:lvl4pPr marL="1005815" indent="-182875">
+              <a:buFont typeface="Wingdings" panose="05000000000000000000" pitchFamily="2" charset="2"/>
+              <a:buChar char="Ø"/>
               <a:defRPr sz="1400"/>
             </a:lvl4pPr>
-            <a:lvl5pPr>
+            <a:lvl5pPr marL="1280128" indent="-182875">
+              <a:buFont typeface="Wingdings" panose="05000000000000000000" pitchFamily="2" charset="2"/>
+              <a:buChar char="Ø"/>
               <a:defRPr sz="1400"/>
             </a:lvl5pPr>
             <a:lvl6pPr>
@@ -2595,35 +2112,35 @@
           <a:p>
             <a:pPr lvl="0"/>
             <a:r>
-              <a:rPr lang="en-US" smtClean="0"/>
+              <a:rPr lang="en-US" dirty="0" smtClean="0"/>
               <a:t>Edit Master text styles</a:t>
             </a:r>
           </a:p>
           <a:p>
             <a:pPr lvl="1"/>
             <a:r>
-              <a:rPr lang="en-US" smtClean="0"/>
+              <a:rPr lang="en-US" dirty="0" smtClean="0"/>
               <a:t>Second level</a:t>
             </a:r>
           </a:p>
           <a:p>
             <a:pPr lvl="2"/>
             <a:r>
-              <a:rPr lang="en-US" smtClean="0"/>
+              <a:rPr lang="en-US" dirty="0" smtClean="0"/>
               <a:t>Third level</a:t>
             </a:r>
           </a:p>
           <a:p>
             <a:pPr lvl="3"/>
             <a:r>
-              <a:rPr lang="en-US" smtClean="0"/>
+              <a:rPr lang="en-US" dirty="0" smtClean="0"/>
               <a:t>Fourth level</a:t>
             </a:r>
           </a:p>
           <a:p>
             <a:pPr lvl="4"/>
             <a:r>
-              <a:rPr lang="en-US" smtClean="0"/>
+              <a:rPr lang="en-US" dirty="0" smtClean="0"/>
               <a:t>Fifth level</a:t>
             </a:r>
             <a:endParaRPr lang="en-US" dirty="0"/>
@@ -2642,8 +2159,8 @@
         </p:nvSpPr>
         <p:spPr>
           <a:xfrm>
-            <a:off x="4594860" y="1828801"/>
-            <a:ext cx="3360420" cy="4351337"/>
+            <a:off x="6126480" y="1828802"/>
+            <a:ext cx="4480560" cy="4351337"/>
           </a:xfrm>
         </p:spPr>
         <p:txBody>
@@ -2652,16 +2169,24 @@
             <a:lvl1pPr>
               <a:defRPr sz="1800"/>
             </a:lvl1pPr>
-            <a:lvl2pPr>
+            <a:lvl2pPr marL="457189" indent="-182875">
+              <a:buFont typeface="Wingdings" panose="05000000000000000000" pitchFamily="2" charset="2"/>
+              <a:buChar char="Ø"/>
               <a:defRPr sz="1600"/>
             </a:lvl2pPr>
-            <a:lvl3pPr>
+            <a:lvl3pPr marL="731502" indent="-182875">
+              <a:buFont typeface="Wingdings" panose="05000000000000000000" pitchFamily="2" charset="2"/>
+              <a:buChar char="Ø"/>
               <a:defRPr sz="1400"/>
             </a:lvl3pPr>
-            <a:lvl4pPr>
+            <a:lvl4pPr marL="1005815" indent="-182875">
+              <a:buFont typeface="Wingdings" panose="05000000000000000000" pitchFamily="2" charset="2"/>
+              <a:buChar char="Ø"/>
               <a:defRPr sz="1400"/>
             </a:lvl4pPr>
-            <a:lvl5pPr>
+            <a:lvl5pPr marL="1280128" indent="-182875">
+              <a:buFont typeface="Wingdings" panose="05000000000000000000" pitchFamily="2" charset="2"/>
+              <a:buChar char="Ø"/>
               <a:defRPr sz="1400"/>
             </a:lvl5pPr>
             <a:lvl6pPr>
@@ -2680,35 +2205,35 @@
           <a:p>
             <a:pPr lvl="0"/>
             <a:r>
-              <a:rPr lang="en-US" smtClean="0"/>
+              <a:rPr lang="en-US" dirty="0" smtClean="0"/>
               <a:t>Edit Master text styles</a:t>
             </a:r>
           </a:p>
           <a:p>
             <a:pPr lvl="1"/>
             <a:r>
-              <a:rPr lang="en-US" smtClean="0"/>
+              <a:rPr lang="en-US" dirty="0" smtClean="0"/>
               <a:t>Second level</a:t>
             </a:r>
           </a:p>
           <a:p>
             <a:pPr lvl="2"/>
             <a:r>
-              <a:rPr lang="en-US" smtClean="0"/>
+              <a:rPr lang="en-US" dirty="0" smtClean="0"/>
               <a:t>Third level</a:t>
             </a:r>
           </a:p>
           <a:p>
             <a:pPr lvl="3"/>
             <a:r>
-              <a:rPr lang="en-US" smtClean="0"/>
+              <a:rPr lang="en-US" dirty="0" smtClean="0"/>
               <a:t>Fourth level</a:t>
             </a:r>
           </a:p>
           <a:p>
             <a:pPr lvl="4"/>
             <a:r>
-              <a:rPr lang="en-US" smtClean="0"/>
+              <a:rPr lang="en-US" dirty="0" smtClean="0"/>
               <a:t>Fifth level</a:t>
             </a:r>
             <a:endParaRPr lang="en-US" dirty="0"/>
@@ -2732,7 +2257,7 @@
           <a:p>
             <a:fld id="{C740F891-2FDB-40A1-AC14-E93AE7DB3A9C}" type="datetime1">
               <a:rPr lang="en-US" smtClean="0"/>
-              <a:t>12/13/2024</a:t>
+              <a:t>7/26/2025</a:t>
             </a:fld>
             <a:endParaRPr lang="en-US" dirty="0"/>
           </a:p>
@@ -2783,7 +2308,7 @@
     </p:spTree>
     <p:extLst>
       <p:ext uri="{BB962C8B-B14F-4D97-AF65-F5344CB8AC3E}">
-        <p14:creationId xmlns:p14="http://schemas.microsoft.com/office/powerpoint/2010/main" val="1417720910"/>
+        <p14:creationId xmlns:p14="http://schemas.microsoft.com/office/powerpoint/2010/main" val="741468827"/>
       </p:ext>
     </p:extLst>
   </p:cSld>
@@ -2852,8 +2377,8 @@
         </p:nvSpPr>
         <p:spPr>
           <a:xfrm>
-            <a:off x="946404" y="1717185"/>
-            <a:ext cx="3360420" cy="731520"/>
+            <a:off x="1261872" y="1713655"/>
+            <a:ext cx="4480560" cy="731520"/>
           </a:xfrm>
         </p:spPr>
         <p:txBody>
@@ -2866,41 +2391,41 @@
                 <a:spcPts val="0"/>
               </a:spcBef>
               <a:buNone/>
-              <a:defRPr sz="1800" b="0">
+              <a:defRPr sz="2000" b="0">
                 <a:solidFill>
                   <a:schemeClr val="tx2"/>
                 </a:solidFill>
               </a:defRPr>
             </a:lvl1pPr>
-            <a:lvl2pPr marL="457200" indent="0">
+            <a:lvl2pPr marL="457189" indent="0">
               <a:buNone/>
-              <a:defRPr sz="1800" b="1"/>
+              <a:defRPr sz="2000" b="1"/>
             </a:lvl2pPr>
-            <a:lvl3pPr marL="914400" indent="0">
+            <a:lvl3pPr marL="914377" indent="0">
               <a:buNone/>
               <a:defRPr sz="1800" b="1"/>
             </a:lvl3pPr>
-            <a:lvl4pPr marL="1371600" indent="0">
+            <a:lvl4pPr marL="1371566" indent="0">
               <a:buNone/>
               <a:defRPr sz="1600" b="1"/>
             </a:lvl4pPr>
-            <a:lvl5pPr marL="1828800" indent="0">
+            <a:lvl5pPr marL="1828754" indent="0">
               <a:buNone/>
               <a:defRPr sz="1600" b="1"/>
             </a:lvl5pPr>
-            <a:lvl6pPr marL="2286000" indent="0">
+            <a:lvl6pPr marL="2285943" indent="0">
               <a:buNone/>
               <a:defRPr sz="1600" b="1"/>
             </a:lvl6pPr>
-            <a:lvl7pPr marL="2743200" indent="0">
+            <a:lvl7pPr marL="2743131" indent="0">
               <a:buNone/>
               <a:defRPr sz="1600" b="1"/>
             </a:lvl7pPr>
-            <a:lvl8pPr marL="3200400" indent="0">
+            <a:lvl8pPr marL="3200320" indent="0">
               <a:buNone/>
               <a:defRPr sz="1600" b="1"/>
             </a:lvl8pPr>
-            <a:lvl9pPr marL="3657600" indent="0">
+            <a:lvl9pPr marL="3657509" indent="0">
               <a:buNone/>
               <a:defRPr sz="1600" b="1"/>
             </a:lvl9pPr>
@@ -2926,8 +2451,8 @@
         </p:nvSpPr>
         <p:spPr>
           <a:xfrm>
-            <a:off x="946404" y="2507550"/>
-            <a:ext cx="3360420" cy="3664650"/>
+            <a:off x="1261872" y="2507550"/>
+            <a:ext cx="4480560" cy="3664650"/>
           </a:xfrm>
         </p:spPr>
         <p:txBody>
@@ -2936,16 +2461,24 @@
             <a:lvl1pPr>
               <a:defRPr sz="1800"/>
             </a:lvl1pPr>
-            <a:lvl2pPr>
+            <a:lvl2pPr marL="457189" indent="-182875">
+              <a:buFont typeface="Wingdings" panose="05000000000000000000" pitchFamily="2" charset="2"/>
+              <a:buChar char="Ø"/>
               <a:defRPr sz="1600"/>
             </a:lvl2pPr>
-            <a:lvl3pPr>
+            <a:lvl3pPr marL="731502" indent="-182875">
+              <a:buFont typeface="Wingdings" panose="05000000000000000000" pitchFamily="2" charset="2"/>
+              <a:buChar char="Ø"/>
               <a:defRPr sz="1400"/>
             </a:lvl3pPr>
-            <a:lvl4pPr>
+            <a:lvl4pPr marL="1005815" indent="-182875">
+              <a:buFont typeface="Wingdings" panose="05000000000000000000" pitchFamily="2" charset="2"/>
+              <a:buChar char="Ø"/>
               <a:defRPr sz="1400"/>
             </a:lvl4pPr>
-            <a:lvl5pPr>
+            <a:lvl5pPr marL="1280128" indent="-182875">
+              <a:buFont typeface="Wingdings" panose="05000000000000000000" pitchFamily="2" charset="2"/>
+              <a:buChar char="Ø"/>
               <a:defRPr sz="1400"/>
             </a:lvl5pPr>
             <a:lvl6pPr>
@@ -2964,35 +2497,35 @@
           <a:p>
             <a:pPr lvl="0"/>
             <a:r>
-              <a:rPr lang="en-US" smtClean="0"/>
+              <a:rPr lang="en-US" dirty="0" smtClean="0"/>
               <a:t>Edit Master text styles</a:t>
             </a:r>
           </a:p>
           <a:p>
             <a:pPr lvl="1"/>
             <a:r>
-              <a:rPr lang="en-US" smtClean="0"/>
+              <a:rPr lang="en-US" dirty="0" smtClean="0"/>
               <a:t>Second level</a:t>
             </a:r>
           </a:p>
           <a:p>
             <a:pPr lvl="2"/>
             <a:r>
-              <a:rPr lang="en-US" smtClean="0"/>
+              <a:rPr lang="en-US" dirty="0" smtClean="0"/>
               <a:t>Third level</a:t>
             </a:r>
           </a:p>
           <a:p>
             <a:pPr lvl="3"/>
             <a:r>
-              <a:rPr lang="en-US" smtClean="0"/>
+              <a:rPr lang="en-US" dirty="0" smtClean="0"/>
               <a:t>Fourth level</a:t>
             </a:r>
           </a:p>
           <a:p>
             <a:pPr lvl="4"/>
             <a:r>
-              <a:rPr lang="en-US" smtClean="0"/>
+              <a:rPr lang="en-US" dirty="0" smtClean="0"/>
               <a:t>Fifth level</a:t>
             </a:r>
             <a:endParaRPr lang="en-US" dirty="0"/>
@@ -3001,18 +2534,18 @@
       </p:sp>
       <p:sp>
         <p:nvSpPr>
-          <p:cNvPr id="11" name="Text Placeholder 10"/>
+          <p:cNvPr id="5" name="Text Placeholder 4"/>
           <p:cNvSpPr>
             <a:spLocks noGrp="1"/>
           </p:cNvSpPr>
           <p:nvPr>
-            <p:ph type="body" sz="quarter" idx="13"/>
+            <p:ph type="body" sz="quarter" idx="3"/>
           </p:nvPr>
         </p:nvSpPr>
         <p:spPr>
           <a:xfrm>
-            <a:off x="4599432" y="1717185"/>
-            <a:ext cx="3364992" cy="731520"/>
+            <a:off x="6126480" y="1713655"/>
+            <a:ext cx="4480560" cy="731520"/>
           </a:xfrm>
         </p:spPr>
         <p:txBody>
@@ -3021,9 +2554,14 @@
           </a:bodyPr>
           <a:lstStyle>
             <a:lvl1pPr marL="0" indent="0">
-              <a:buFontTx/>
+              <a:lnSpc>
+                <a:spcPct val="95000"/>
+              </a:lnSpc>
+              <a:spcBef>
+                <a:spcPts val="0"/>
+              </a:spcBef>
               <a:buNone/>
-              <a:defRPr lang="en-US" sz="1800" b="0" kern="1200" spc="10" baseline="0" dirty="0">
+              <a:defRPr lang="en-US" sz="2000" b="0" kern="1200" dirty="0">
                 <a:solidFill>
                   <a:schemeClr val="tx2"/>
                 </a:solidFill>
@@ -3032,22 +2570,48 @@
                 <a:cs typeface="+mn-cs"/>
               </a:defRPr>
             </a:lvl1pPr>
+            <a:lvl2pPr marL="457189" indent="0">
+              <a:buNone/>
+              <a:defRPr sz="2000" b="1"/>
+            </a:lvl2pPr>
+            <a:lvl3pPr marL="914377" indent="0">
+              <a:buNone/>
+              <a:defRPr sz="1800" b="1"/>
+            </a:lvl3pPr>
+            <a:lvl4pPr marL="1371566" indent="0">
+              <a:buNone/>
+              <a:defRPr sz="1600" b="1"/>
+            </a:lvl4pPr>
+            <a:lvl5pPr marL="1828754" indent="0">
+              <a:buNone/>
+              <a:defRPr sz="1600" b="1"/>
+            </a:lvl5pPr>
+            <a:lvl6pPr marL="2285943" indent="0">
+              <a:buNone/>
+              <a:defRPr sz="1600" b="1"/>
+            </a:lvl6pPr>
+            <a:lvl7pPr marL="2743131" indent="0">
+              <a:buNone/>
+              <a:defRPr sz="1600" b="1"/>
+            </a:lvl7pPr>
+            <a:lvl8pPr marL="3200320" indent="0">
+              <a:buNone/>
+              <a:defRPr sz="1600" b="1"/>
+            </a:lvl8pPr>
+            <a:lvl9pPr marL="3657509" indent="0">
+              <a:buNone/>
+              <a:defRPr sz="1600" b="1"/>
+            </a:lvl9pPr>
           </a:lstStyle>
           <a:p>
-            <a:pPr marL="0" lvl="0" indent="0" algn="l" defTabSz="914400" rtl="0" eaLnBrk="1" latinLnBrk="0" hangingPunct="1">
+            <a:pPr marL="0" lvl="0" indent="0" algn="l" defTabSz="914377" rtl="0" eaLnBrk="1" latinLnBrk="0" hangingPunct="1">
               <a:lnSpc>
-                <a:spcPct val="95000"/>
+                <a:spcPct val="90000"/>
               </a:lnSpc>
               <a:spcBef>
-                <a:spcPts val="0"/>
+                <a:spcPts val="2000"/>
               </a:spcBef>
-              <a:spcAft>
-                <a:spcPts val="200"/>
-              </a:spcAft>
-              <a:buClr>
-                <a:schemeClr val="accent1"/>
-              </a:buClr>
-              <a:buSzPct val="80000"/>
+              <a:buFontTx/>
               <a:buNone/>
             </a:pPr>
             <a:r>
@@ -3069,8 +2633,8 @@
         </p:nvSpPr>
         <p:spPr>
           <a:xfrm>
-            <a:off x="4594860" y="2507550"/>
-            <a:ext cx="3360420" cy="3664650"/>
+            <a:off x="6126480" y="2507550"/>
+            <a:ext cx="4480560" cy="3664650"/>
           </a:xfrm>
         </p:spPr>
         <p:txBody>
@@ -3079,16 +2643,24 @@
             <a:lvl1pPr>
               <a:defRPr sz="1800"/>
             </a:lvl1pPr>
-            <a:lvl2pPr>
+            <a:lvl2pPr marL="457189" indent="-182875">
+              <a:buFont typeface="Wingdings" panose="05000000000000000000" pitchFamily="2" charset="2"/>
+              <a:buChar char="Ø"/>
               <a:defRPr sz="1600"/>
             </a:lvl2pPr>
-            <a:lvl3pPr>
+            <a:lvl3pPr marL="731502" indent="-182875">
+              <a:buFont typeface="Wingdings" panose="05000000000000000000" pitchFamily="2" charset="2"/>
+              <a:buChar char="Ø"/>
               <a:defRPr sz="1400"/>
             </a:lvl3pPr>
-            <a:lvl4pPr>
+            <a:lvl4pPr marL="1005815" indent="-182875">
+              <a:buFont typeface="Wingdings" panose="05000000000000000000" pitchFamily="2" charset="2"/>
+              <a:buChar char="Ø"/>
               <a:defRPr sz="1400"/>
             </a:lvl4pPr>
-            <a:lvl5pPr>
+            <a:lvl5pPr marL="1280128" indent="-182875">
+              <a:buFont typeface="Wingdings" panose="05000000000000000000" pitchFamily="2" charset="2"/>
+              <a:buChar char="Ø"/>
               <a:defRPr sz="1400"/>
             </a:lvl5pPr>
             <a:lvl6pPr>
@@ -3107,35 +2679,35 @@
           <a:p>
             <a:pPr lvl="0"/>
             <a:r>
-              <a:rPr lang="en-US" smtClean="0"/>
+              <a:rPr lang="en-US" dirty="0" smtClean="0"/>
               <a:t>Edit Master text styles</a:t>
             </a:r>
           </a:p>
           <a:p>
             <a:pPr lvl="1"/>
             <a:r>
-              <a:rPr lang="en-US" smtClean="0"/>
+              <a:rPr lang="en-US" dirty="0" smtClean="0"/>
               <a:t>Second level</a:t>
             </a:r>
           </a:p>
           <a:p>
             <a:pPr lvl="2"/>
             <a:r>
-              <a:rPr lang="en-US" smtClean="0"/>
+              <a:rPr lang="en-US" dirty="0" smtClean="0"/>
               <a:t>Third level</a:t>
             </a:r>
           </a:p>
           <a:p>
             <a:pPr lvl="3"/>
             <a:r>
-              <a:rPr lang="en-US" smtClean="0"/>
+              <a:rPr lang="en-US" dirty="0" smtClean="0"/>
               <a:t>Fourth level</a:t>
             </a:r>
           </a:p>
           <a:p>
             <a:pPr lvl="4"/>
             <a:r>
-              <a:rPr lang="en-US" smtClean="0"/>
+              <a:rPr lang="en-US" dirty="0" smtClean="0"/>
               <a:t>Fifth level</a:t>
             </a:r>
             <a:endParaRPr lang="en-US" dirty="0"/>
@@ -3157,9 +2729,9 @@
           <a:bodyPr/>
           <a:lstStyle/>
           <a:p>
-            <a:fld id="{9B317E28-D053-4A97-BD88-6FDFCC61F2F0}" type="datetime1">
+            <a:fld id="{8324E863-7ABD-42A2-A07C-84399F3DD86D}" type="datetime1">
               <a:rPr lang="en-US" smtClean="0"/>
-              <a:t>12/13/2024</a:t>
+              <a:t>7/26/2025</a:t>
             </a:fld>
             <a:endParaRPr lang="en-US" dirty="0"/>
           </a:p>
@@ -3211,7 +2783,7 @@
     </p:spTree>
     <p:extLst>
       <p:ext uri="{BB962C8B-B14F-4D97-AF65-F5344CB8AC3E}">
-        <p14:creationId xmlns:p14="http://schemas.microsoft.com/office/powerpoint/2010/main" val="648955643"/>
+        <p14:creationId xmlns:p14="http://schemas.microsoft.com/office/powerpoint/2010/main" val="3578569174"/>
       </p:ext>
     </p:extLst>
   </p:cSld>
@@ -3225,6 +2797,7 @@
       </p:par>
     </p:tnLst>
   </p:timing>
+  <p:hf hdr="0" ftr="0" dt="0"/>
 </p:sldLayout>
 </file>
 
@@ -3285,7 +2858,7 @@
           <a:p>
             <a:fld id="{C1B9BD51-D857-45E4-9A4C-E67441BA17EB}" type="datetime1">
               <a:rPr lang="en-US" smtClean="0"/>
-              <a:t>12/13/2024</a:t>
+              <a:t>7/26/2025</a:t>
             </a:fld>
             <a:endParaRPr lang="en-US" dirty="0"/>
           </a:p>
@@ -3336,7 +2909,7 @@
     </p:spTree>
     <p:extLst>
       <p:ext uri="{BB962C8B-B14F-4D97-AF65-F5344CB8AC3E}">
-        <p14:creationId xmlns:p14="http://schemas.microsoft.com/office/powerpoint/2010/main" val="1024499341"/>
+        <p14:creationId xmlns:p14="http://schemas.microsoft.com/office/powerpoint/2010/main" val="729655209"/>
       </p:ext>
     </p:extLst>
   </p:cSld>
@@ -3380,7 +2953,7 @@
           <a:p>
             <a:fld id="{9F3ABAC2-8B7B-47B4-B9CC-B57AD690121B}" type="datetime1">
               <a:rPr lang="en-US" smtClean="0"/>
-              <a:t>12/13/2024</a:t>
+              <a:t>7/26/2025</a:t>
             </a:fld>
             <a:endParaRPr lang="en-US" dirty="0"/>
           </a:p>
@@ -3431,7 +3004,7 @@
     </p:spTree>
     <p:extLst>
       <p:ext uri="{BB962C8B-B14F-4D97-AF65-F5344CB8AC3E}">
-        <p14:creationId xmlns:p14="http://schemas.microsoft.com/office/powerpoint/2010/main" val="3176557446"/>
+        <p14:creationId xmlns:p14="http://schemas.microsoft.com/office/powerpoint/2010/main" val="731116875"/>
       </p:ext>
     </p:extLst>
   </p:cSld>
@@ -3470,8 +3043,8 @@
         </p:nvSpPr>
         <p:spPr>
           <a:xfrm>
-            <a:off x="630936" y="457201"/>
-            <a:ext cx="2400300" cy="1600197"/>
+            <a:off x="841248" y="457202"/>
+            <a:ext cx="3200400" cy="1600197"/>
           </a:xfrm>
         </p:spPr>
         <p:txBody>
@@ -3480,7 +3053,7 @@
           </a:bodyPr>
           <a:lstStyle>
             <a:lvl1pPr>
-              <a:defRPr sz="2800" b="0" baseline="0"/>
+              <a:defRPr sz="3200" b="0" baseline="0"/>
             </a:lvl1pPr>
           </a:lstStyle>
           <a:p>
@@ -3504,21 +3077,21 @@
         </p:nvSpPr>
         <p:spPr>
           <a:xfrm>
-            <a:off x="3378200" y="685800"/>
-            <a:ext cx="4559300" cy="5486400"/>
+            <a:off x="4504267" y="685800"/>
+            <a:ext cx="6079067" cy="5486400"/>
           </a:xfrm>
         </p:spPr>
         <p:txBody>
           <a:bodyPr/>
           <a:lstStyle>
             <a:lvl1pPr>
-              <a:defRPr sz="1800"/>
+              <a:defRPr sz="2000"/>
             </a:lvl1pPr>
             <a:lvl2pPr>
-              <a:defRPr sz="1600"/>
+              <a:defRPr sz="1800"/>
             </a:lvl2pPr>
             <a:lvl3pPr>
-              <a:defRPr sz="1400"/>
+              <a:defRPr sz="1600"/>
             </a:lvl3pPr>
             <a:lvl4pPr>
               <a:defRPr sz="1400"/>
@@ -3589,8 +3162,8 @@
         </p:nvSpPr>
         <p:spPr>
           <a:xfrm>
-            <a:off x="630936" y="2099735"/>
-            <a:ext cx="2400300" cy="3810001"/>
+            <a:off x="841248" y="2099736"/>
+            <a:ext cx="3200400" cy="3810001"/>
           </a:xfrm>
         </p:spPr>
         <p:txBody>
@@ -3608,35 +3181,35 @@
               <a:buNone/>
               <a:defRPr sz="1300"/>
             </a:lvl1pPr>
-            <a:lvl2pPr marL="457200" indent="0">
+            <a:lvl2pPr marL="457189" indent="0">
               <a:buNone/>
               <a:defRPr sz="1200"/>
             </a:lvl2pPr>
-            <a:lvl3pPr marL="914400" indent="0">
+            <a:lvl3pPr marL="914377" indent="0">
               <a:buNone/>
               <a:defRPr sz="1000"/>
             </a:lvl3pPr>
-            <a:lvl4pPr marL="1371600" indent="0">
+            <a:lvl4pPr marL="1371566" indent="0">
               <a:buNone/>
               <a:defRPr sz="900"/>
             </a:lvl4pPr>
-            <a:lvl5pPr marL="1828800" indent="0">
+            <a:lvl5pPr marL="1828754" indent="0">
               <a:buNone/>
               <a:defRPr sz="900"/>
             </a:lvl5pPr>
-            <a:lvl6pPr marL="2286000" indent="0">
+            <a:lvl6pPr marL="2285943" indent="0">
               <a:buNone/>
               <a:defRPr sz="900"/>
             </a:lvl6pPr>
-            <a:lvl7pPr marL="2743200" indent="0">
+            <a:lvl7pPr marL="2743131" indent="0">
               <a:buNone/>
               <a:defRPr sz="900"/>
             </a:lvl7pPr>
-            <a:lvl8pPr marL="3200400" indent="0">
+            <a:lvl8pPr marL="3200320" indent="0">
               <a:buNone/>
               <a:defRPr sz="900"/>
             </a:lvl8pPr>
-            <a:lvl9pPr marL="3657600" indent="0">
+            <a:lvl9pPr marL="3657509" indent="0">
               <a:buNone/>
               <a:defRPr sz="900"/>
             </a:lvl9pPr>
@@ -3667,7 +3240,7 @@
           <a:p>
             <a:fld id="{12C2BDF8-A84E-4F85-8F71-B0B174481437}" type="datetime1">
               <a:rPr lang="en-US" smtClean="0"/>
-              <a:t>12/13/2024</a:t>
+              <a:t>7/26/2025</a:t>
             </a:fld>
             <a:endParaRPr lang="en-US" dirty="0"/>
           </a:p>
@@ -3718,7 +3291,7 @@
     </p:spTree>
     <p:extLst>
       <p:ext uri="{BB962C8B-B14F-4D97-AF65-F5344CB8AC3E}">
-        <p14:creationId xmlns:p14="http://schemas.microsoft.com/office/powerpoint/2010/main" val="218505810"/>
+        <p14:creationId xmlns:p14="http://schemas.microsoft.com/office/powerpoint/2010/main" val="2104833204"/>
       </p:ext>
     </p:extLst>
   </p:cSld>
@@ -3754,7 +3327,7 @@
         <p:spPr>
           <a:xfrm>
             <a:off x="0" y="5105400"/>
-            <a:ext cx="8469630" cy="1752600"/>
+            <a:ext cx="11292840" cy="1752600"/>
           </a:xfrm>
           <a:prstGeom prst="rect">
             <a:avLst/>
@@ -3795,8 +3368,8 @@
         </p:nvSpPr>
         <p:spPr>
           <a:xfrm>
-            <a:off x="685800" y="5257800"/>
-            <a:ext cx="7486650" cy="914400"/>
+            <a:off x="914400" y="5257800"/>
+            <a:ext cx="9982200" cy="914400"/>
           </a:xfrm>
         </p:spPr>
         <p:txBody>
@@ -3833,8 +3406,8 @@
         </p:nvSpPr>
         <p:spPr>
           <a:xfrm>
-            <a:off x="0" y="1"/>
-            <a:ext cx="8469630" cy="5128923"/>
+            <a:off x="0" y="2"/>
+            <a:ext cx="11292840" cy="5128923"/>
           </a:xfrm>
           <a:solidFill>
             <a:schemeClr val="accent1"/>
@@ -3851,35 +3424,35 @@
                 </a:solidFill>
               </a:defRPr>
             </a:lvl1pPr>
-            <a:lvl2pPr marL="457200" indent="0">
+            <a:lvl2pPr marL="457189" indent="0">
               <a:buNone/>
               <a:defRPr sz="2800"/>
             </a:lvl2pPr>
-            <a:lvl3pPr marL="914400" indent="0">
+            <a:lvl3pPr marL="914377" indent="0">
               <a:buNone/>
               <a:defRPr sz="2400"/>
             </a:lvl3pPr>
-            <a:lvl4pPr marL="1371600" indent="0">
+            <a:lvl4pPr marL="1371566" indent="0">
               <a:buNone/>
               <a:defRPr sz="2000"/>
             </a:lvl4pPr>
-            <a:lvl5pPr marL="1828800" indent="0">
+            <a:lvl5pPr marL="1828754" indent="0">
               <a:buNone/>
               <a:defRPr sz="2000"/>
             </a:lvl5pPr>
-            <a:lvl6pPr marL="2286000" indent="0">
+            <a:lvl6pPr marL="2285943" indent="0">
               <a:buNone/>
               <a:defRPr sz="2000"/>
             </a:lvl6pPr>
-            <a:lvl7pPr marL="2743200" indent="0">
+            <a:lvl7pPr marL="2743131" indent="0">
               <a:buNone/>
               <a:defRPr sz="2000"/>
             </a:lvl7pPr>
-            <a:lvl8pPr marL="3200400" indent="0">
+            <a:lvl8pPr marL="3200320" indent="0">
               <a:buNone/>
               <a:defRPr sz="2000"/>
             </a:lvl8pPr>
-            <a:lvl9pPr marL="3657600" indent="0">
+            <a:lvl9pPr marL="3657509" indent="0">
               <a:buNone/>
               <a:defRPr sz="2000"/>
             </a:lvl9pPr>
@@ -3905,8 +3478,8 @@
         </p:nvSpPr>
         <p:spPr>
           <a:xfrm>
-            <a:off x="685800" y="6108590"/>
-            <a:ext cx="7486650" cy="597011"/>
+            <a:off x="914400" y="6108591"/>
+            <a:ext cx="9982200" cy="597011"/>
           </a:xfrm>
         </p:spPr>
         <p:txBody>
@@ -3930,35 +3503,35 @@
                 </a:solidFill>
               </a:defRPr>
             </a:lvl1pPr>
-            <a:lvl2pPr marL="457200" indent="0">
+            <a:lvl2pPr marL="457189" indent="0">
               <a:buNone/>
               <a:defRPr sz="1200"/>
             </a:lvl2pPr>
-            <a:lvl3pPr marL="914400" indent="0">
+            <a:lvl3pPr marL="914377" indent="0">
               <a:buNone/>
               <a:defRPr sz="1000"/>
             </a:lvl3pPr>
-            <a:lvl4pPr marL="1371600" indent="0">
+            <a:lvl4pPr marL="1371566" indent="0">
               <a:buNone/>
               <a:defRPr sz="900"/>
             </a:lvl4pPr>
-            <a:lvl5pPr marL="1828800" indent="0">
+            <a:lvl5pPr marL="1828754" indent="0">
               <a:buNone/>
               <a:defRPr sz="900"/>
             </a:lvl5pPr>
-            <a:lvl6pPr marL="2286000" indent="0">
+            <a:lvl6pPr marL="2285943" indent="0">
               <a:buNone/>
               <a:defRPr sz="900"/>
             </a:lvl6pPr>
-            <a:lvl7pPr marL="2743200" indent="0">
+            <a:lvl7pPr marL="2743131" indent="0">
               <a:buNone/>
               <a:defRPr sz="900"/>
             </a:lvl7pPr>
-            <a:lvl8pPr marL="3200400" indent="0">
+            <a:lvl8pPr marL="3200320" indent="0">
               <a:buNone/>
               <a:defRPr sz="900"/>
             </a:lvl8pPr>
-            <a:lvl9pPr marL="3657600" indent="0">
+            <a:lvl9pPr marL="3657509" indent="0">
               <a:buNone/>
               <a:defRPr sz="900"/>
             </a:lvl9pPr>
@@ -3989,7 +3562,7 @@
           <a:p>
             <a:fld id="{842E9023-97AE-4D74-8CCC-C7277C040851}" type="datetime1">
               <a:rPr lang="en-US" smtClean="0"/>
-              <a:t>12/13/2024</a:t>
+              <a:t>7/26/2025</a:t>
             </a:fld>
             <a:endParaRPr lang="en-US" dirty="0"/>
           </a:p>
@@ -4040,7 +3613,7 @@
     </p:spTree>
     <p:extLst>
       <p:ext uri="{BB962C8B-B14F-4D97-AF65-F5344CB8AC3E}">
-        <p14:creationId xmlns:p14="http://schemas.microsoft.com/office/powerpoint/2010/main" val="3720875995"/>
+        <p14:creationId xmlns:p14="http://schemas.microsoft.com/office/powerpoint/2010/main" val="291245721"/>
       </p:ext>
     </p:extLst>
   </p:cSld>
@@ -4080,8 +3653,8 @@
         </p:nvSpPr>
         <p:spPr>
           <a:xfrm>
-            <a:off x="8418195" y="0"/>
-            <a:ext cx="731520" cy="6858000"/>
+            <a:off x="11292840" y="0"/>
+            <a:ext cx="914400" cy="6858000"/>
           </a:xfrm>
           <a:prstGeom prst="rect">
             <a:avLst/>
@@ -4124,8 +3697,8 @@
         </p:nvSpPr>
         <p:spPr>
           <a:xfrm>
-            <a:off x="946404" y="365760"/>
-            <a:ext cx="7269480" cy="1325562"/>
+            <a:off x="1261872" y="365760"/>
+            <a:ext cx="9692640" cy="1325562"/>
           </a:xfrm>
           <a:prstGeom prst="rect">
             <a:avLst/>
@@ -4138,7 +3711,7 @@
           <a:lstStyle/>
           <a:p>
             <a:r>
-              <a:rPr lang="en-US" dirty="0" smtClean="0"/>
+              <a:rPr lang="en-US" smtClean="0"/>
               <a:t>Click to edit Master title style</a:t>
             </a:r>
             <a:endParaRPr lang="en-US" dirty="0"/>
@@ -4157,8 +3730,8 @@
         </p:nvSpPr>
         <p:spPr>
           <a:xfrm>
-            <a:off x="946404" y="1828801"/>
-            <a:ext cx="6446520" cy="4351337"/>
+            <a:off x="1261872" y="1828802"/>
+            <a:ext cx="8595360" cy="4351337"/>
           </a:xfrm>
           <a:prstGeom prst="rect">
             <a:avLst/>
@@ -4219,8 +3792,8 @@
         </p:nvSpPr>
         <p:spPr>
           <a:xfrm rot="16200000">
-            <a:off x="7831456" y="1044178"/>
-            <a:ext cx="1904999" cy="273844"/>
+            <a:off x="10797543" y="998538"/>
+            <a:ext cx="1904999" cy="365125"/>
           </a:xfrm>
           <a:prstGeom prst="rect">
             <a:avLst/>
@@ -4230,21 +3803,20 @@
           <a:bodyPr vert="horz" lIns="91440" tIns="45720" rIns="91440" bIns="45720" rtlCol="0" anchor="ctr"/>
           <a:lstStyle>
             <a:lvl1pPr algn="r">
-              <a:defRPr sz="1050" b="0">
+              <a:defRPr sz="1051" b="0">
                 <a:solidFill>
                   <a:schemeClr val="tx2">
                     <a:lumMod val="20000"/>
                     <a:lumOff val="80000"/>
                   </a:schemeClr>
                 </a:solidFill>
-                <a:latin typeface="Calibri (Body)"/>
               </a:defRPr>
             </a:lvl1pPr>
           </a:lstStyle>
           <a:p>
             <a:fld id="{8324E863-7ABD-42A2-A07C-84399F3DD86D}" type="datetime1">
               <a:rPr lang="en-US" smtClean="0"/>
-              <a:t>12/13/2024</a:t>
+              <a:t>7/26/2025</a:t>
             </a:fld>
             <a:endParaRPr lang="en-US" dirty="0"/>
           </a:p>
@@ -4262,8 +3834,8 @@
         </p:nvSpPr>
         <p:spPr>
           <a:xfrm rot="16200000">
-            <a:off x="6993255" y="4092178"/>
-            <a:ext cx="3581400" cy="273844"/>
+            <a:off x="9959341" y="4046538"/>
+            <a:ext cx="3581400" cy="365125"/>
           </a:xfrm>
           <a:prstGeom prst="rect">
             <a:avLst/>
@@ -4273,14 +3845,13 @@
           <a:bodyPr vert="horz" lIns="91440" tIns="45720" rIns="91440" bIns="45720" rtlCol="0" anchor="ctr"/>
           <a:lstStyle>
             <a:lvl1pPr algn="l">
-              <a:defRPr sz="1050">
+              <a:defRPr sz="1051">
                 <a:solidFill>
                   <a:schemeClr val="tx2">
                     <a:lumMod val="20000"/>
                     <a:lumOff val="80000"/>
                   </a:schemeClr>
                 </a:solidFill>
-                <a:latin typeface="Calibri (Body)"/>
               </a:defRPr>
             </a:lvl1pPr>
           </a:lstStyle>
@@ -4301,27 +3872,26 @@
         </p:nvSpPr>
         <p:spPr>
           <a:xfrm>
-            <a:off x="8441055" y="6172201"/>
-            <a:ext cx="685800" cy="593725"/>
+            <a:off x="11292840" y="6172202"/>
+            <a:ext cx="914400" cy="593725"/>
           </a:xfrm>
           <a:prstGeom prst="rect">
             <a:avLst/>
           </a:prstGeom>
         </p:spPr>
         <p:txBody>
-          <a:bodyPr vert="horz" lIns="27432" tIns="45720" rIns="27432" bIns="45720" rtlCol="0" anchor="ctr">
+          <a:bodyPr vert="horz" lIns="45720" tIns="45720" rIns="45720" bIns="45720" rtlCol="0" anchor="ctr">
             <a:normAutofit/>
           </a:bodyPr>
           <a:lstStyle>
             <a:lvl1pPr algn="ctr">
-              <a:defRPr sz="3200">
+              <a:defRPr sz="3600">
                 <a:solidFill>
                   <a:schemeClr val="tx2">
                     <a:lumMod val="60000"/>
                     <a:lumOff val="40000"/>
                   </a:schemeClr>
                 </a:solidFill>
-                <a:latin typeface="Calibri (Body)"/>
               </a:defRPr>
             </a:lvl1pPr>
           </a:lstStyle>
@@ -4338,37 +3908,29 @@
     </p:spTree>
     <p:extLst>
       <p:ext uri="{BB962C8B-B14F-4D97-AF65-F5344CB8AC3E}">
-        <p14:creationId xmlns:p14="http://schemas.microsoft.com/office/powerpoint/2010/main" val="1076500901"/>
+        <p14:creationId xmlns:p14="http://schemas.microsoft.com/office/powerpoint/2010/main" val="1462128082"/>
       </p:ext>
     </p:extLst>
   </p:cSld>
   <p:clrMap bg1="lt1" tx1="dk1" bg2="lt2" tx2="dk2" accent1="accent1" accent2="accent2" accent3="accent3" accent4="accent4" accent5="accent5" accent6="accent6" hlink="hlink" folHlink="folHlink"/>
   <p:sldLayoutIdLst>
-    <p:sldLayoutId id="2147483673" r:id="rId1"/>
-    <p:sldLayoutId id="2147483674" r:id="rId2"/>
-    <p:sldLayoutId id="2147483675" r:id="rId3"/>
-    <p:sldLayoutId id="2147483676" r:id="rId4"/>
-    <p:sldLayoutId id="2147483677" r:id="rId5"/>
-    <p:sldLayoutId id="2147483678" r:id="rId6"/>
-    <p:sldLayoutId id="2147483679" r:id="rId7"/>
-    <p:sldLayoutId id="2147483680" r:id="rId8"/>
-    <p:sldLayoutId id="2147483681" r:id="rId9"/>
-    <p:sldLayoutId id="2147483682" r:id="rId10"/>
-    <p:sldLayoutId id="2147483683" r:id="rId11"/>
-    <p:sldLayoutId id="2147483684" r:id="rId12"/>
-    <p:sldLayoutId id="2147483662" r:id="rId13"/>
+    <p:sldLayoutId id="2147483686" r:id="rId1"/>
+    <p:sldLayoutId id="2147483687" r:id="rId2"/>
+    <p:sldLayoutId id="2147483688" r:id="rId3"/>
+    <p:sldLayoutId id="2147483689" r:id="rId4"/>
+    <p:sldLayoutId id="2147483690" r:id="rId5"/>
+    <p:sldLayoutId id="2147483691" r:id="rId6"/>
+    <p:sldLayoutId id="2147483692" r:id="rId7"/>
+    <p:sldLayoutId id="2147483693" r:id="rId8"/>
+    <p:sldLayoutId id="2147483694" r:id="rId9"/>
+    <p:sldLayoutId id="2147483695" r:id="rId10"/>
+    <p:sldLayoutId id="2147483696" r:id="rId11"/>
+    <p:sldLayoutId id="2147483662" r:id="rId12"/>
   </p:sldLayoutIdLst>
-  <p:timing>
-    <p:tnLst>
-      <p:par>
-        <p:cTn id="1" dur="indefinite" restart="never" nodeType="tmRoot"/>
-      </p:par>
-    </p:tnLst>
-  </p:timing>
   <p:hf hdr="0" ftr="0" dt="0"/>
   <p:txStyles>
     <p:titleStyle>
-      <a:lvl1pPr algn="l" defTabSz="914400" rtl="0" eaLnBrk="1" latinLnBrk="0" hangingPunct="1">
+      <a:lvl1pPr algn="l" defTabSz="914377" rtl="0" eaLnBrk="1" latinLnBrk="0" hangingPunct="1">
         <a:lnSpc>
           <a:spcPct val="90000"/>
         </a:lnSpc>
@@ -4376,18 +3938,18 @@
           <a:spcPct val="0"/>
         </a:spcBef>
         <a:buNone/>
-        <a:defRPr sz="4000" kern="1200" spc="-50" baseline="0">
+        <a:defRPr sz="4400" kern="1200" spc="-51" baseline="0">
           <a:solidFill>
             <a:schemeClr val="tx1"/>
           </a:solidFill>
-          <a:latin typeface="Calibri (Body)"/>
+          <a:latin typeface="+mj-lt"/>
           <a:ea typeface="+mj-ea"/>
           <a:cs typeface="+mj-cs"/>
         </a:defRPr>
       </a:lvl1pPr>
     </p:titleStyle>
     <p:bodyStyle>
-      <a:lvl1pPr marL="182880" indent="-182880" algn="l" defTabSz="914400" rtl="0" eaLnBrk="1" latinLnBrk="0" hangingPunct="1">
+      <a:lvl1pPr marL="182875" indent="-182875" algn="l" defTabSz="914377" rtl="0" eaLnBrk="1" latinLnBrk="0" hangingPunct="1">
         <a:lnSpc>
           <a:spcPct val="95000"/>
         </a:lnSpc>
@@ -4403,16 +3965,16 @@
         <a:buSzPct val="80000"/>
         <a:buFont typeface="Arial" pitchFamily="34" charset="0"/>
         <a:buChar char="•"/>
-        <a:defRPr sz="1800" kern="1200" spc="10" baseline="0">
+        <a:defRPr sz="1800" kern="1200" spc="11" baseline="0">
           <a:solidFill>
             <a:schemeClr val="tx1"/>
           </a:solidFill>
-          <a:latin typeface="Calibri (Body)"/>
+          <a:latin typeface="+mn-lt"/>
           <a:ea typeface="+mn-ea"/>
           <a:cs typeface="+mn-cs"/>
         </a:defRPr>
       </a:lvl1pPr>
-      <a:lvl2pPr marL="457200" indent="-182880" algn="l" defTabSz="914400" rtl="0" eaLnBrk="1" latinLnBrk="0" hangingPunct="1">
+      <a:lvl2pPr marL="457189" indent="-182875" algn="l" defTabSz="914377" rtl="0" eaLnBrk="1" latinLnBrk="0" hangingPunct="1">
         <a:lnSpc>
           <a:spcPct val="90000"/>
         </a:lnSpc>
@@ -4434,12 +3996,12 @@
               <a:lumOff val="15000"/>
             </a:schemeClr>
           </a:solidFill>
-          <a:latin typeface="Calibri (Body)"/>
+          <a:latin typeface="+mn-lt"/>
           <a:ea typeface="+mn-ea"/>
           <a:cs typeface="+mn-cs"/>
         </a:defRPr>
       </a:lvl2pPr>
-      <a:lvl3pPr marL="731520" indent="-182880" algn="l" defTabSz="914400" rtl="0" eaLnBrk="1" latinLnBrk="0" hangingPunct="1">
+      <a:lvl3pPr marL="731502" indent="-182875" algn="l" defTabSz="914377" rtl="0" eaLnBrk="1" latinLnBrk="0" hangingPunct="1">
         <a:lnSpc>
           <a:spcPct val="90000"/>
         </a:lnSpc>
@@ -4461,12 +4023,12 @@
               <a:lumOff val="15000"/>
             </a:schemeClr>
           </a:solidFill>
-          <a:latin typeface="Calibri (Body)"/>
+          <a:latin typeface="+mn-lt"/>
           <a:ea typeface="+mn-ea"/>
           <a:cs typeface="+mn-cs"/>
         </a:defRPr>
       </a:lvl3pPr>
-      <a:lvl4pPr marL="1005840" indent="-182880" algn="l" defTabSz="914400" rtl="0" eaLnBrk="1" latinLnBrk="0" hangingPunct="1">
+      <a:lvl4pPr marL="1005815" indent="-182875" algn="l" defTabSz="914377" rtl="0" eaLnBrk="1" latinLnBrk="0" hangingPunct="1">
         <a:lnSpc>
           <a:spcPct val="90000"/>
         </a:lnSpc>
@@ -4488,12 +4050,12 @@
               <a:lumOff val="15000"/>
             </a:schemeClr>
           </a:solidFill>
-          <a:latin typeface="Calibri (Body)"/>
+          <a:latin typeface="+mn-lt"/>
           <a:ea typeface="+mn-ea"/>
           <a:cs typeface="+mn-cs"/>
         </a:defRPr>
       </a:lvl4pPr>
-      <a:lvl5pPr marL="1280160" indent="-182880" algn="l" defTabSz="914400" rtl="0" eaLnBrk="1" latinLnBrk="0" hangingPunct="1">
+      <a:lvl5pPr marL="1280128" indent="-182875" algn="l" defTabSz="914377" rtl="0" eaLnBrk="1" latinLnBrk="0" hangingPunct="1">
         <a:lnSpc>
           <a:spcPct val="90000"/>
         </a:lnSpc>
@@ -4515,12 +4077,12 @@
               <a:lumOff val="15000"/>
             </a:schemeClr>
           </a:solidFill>
-          <a:latin typeface="Calibri (Body)"/>
+          <a:latin typeface="+mn-lt"/>
           <a:ea typeface="+mn-ea"/>
           <a:cs typeface="+mn-cs"/>
         </a:defRPr>
       </a:lvl5pPr>
-      <a:lvl6pPr marL="1600000" indent="-228600" algn="l" defTabSz="914400" rtl="0" eaLnBrk="1" latinLnBrk="0" hangingPunct="1">
+      <a:lvl6pPr marL="1599960" indent="-228594" algn="l" defTabSz="914377" rtl="0" eaLnBrk="1" latinLnBrk="0" hangingPunct="1">
         <a:lnSpc>
           <a:spcPct val="90000"/>
         </a:lnSpc>
@@ -4547,7 +4109,7 @@
           <a:cs typeface="+mn-cs"/>
         </a:defRPr>
       </a:lvl6pPr>
-      <a:lvl7pPr marL="1900000" indent="-228600" algn="l" defTabSz="914400" rtl="0" eaLnBrk="1" latinLnBrk="0" hangingPunct="1">
+      <a:lvl7pPr marL="1899953" indent="-228594" algn="l" defTabSz="914377" rtl="0" eaLnBrk="1" latinLnBrk="0" hangingPunct="1">
         <a:lnSpc>
           <a:spcPct val="90000"/>
         </a:lnSpc>
@@ -4574,7 +4136,7 @@
           <a:cs typeface="+mn-cs"/>
         </a:defRPr>
       </a:lvl7pPr>
-      <a:lvl8pPr marL="2200000" indent="-228600" algn="l" defTabSz="914400" rtl="0" eaLnBrk="1" latinLnBrk="0" hangingPunct="1">
+      <a:lvl8pPr marL="2199945" indent="-228594" algn="l" defTabSz="914377" rtl="0" eaLnBrk="1" latinLnBrk="0" hangingPunct="1">
         <a:lnSpc>
           <a:spcPct val="90000"/>
         </a:lnSpc>
@@ -4601,7 +4163,7 @@
           <a:cs typeface="+mn-cs"/>
         </a:defRPr>
       </a:lvl8pPr>
-      <a:lvl9pPr marL="2500000" indent="-228600" algn="l" defTabSz="914400" rtl="0" eaLnBrk="1" latinLnBrk="0" hangingPunct="1">
+      <a:lvl9pPr marL="2499938" indent="-228594" algn="l" defTabSz="914377" rtl="0" eaLnBrk="1" latinLnBrk="0" hangingPunct="1">
         <a:lnSpc>
           <a:spcPct val="90000"/>
         </a:lnSpc>
@@ -4633,7 +4195,7 @@
       <a:defPPr>
         <a:defRPr lang="en-US"/>
       </a:defPPr>
-      <a:lvl1pPr marL="0" algn="l" defTabSz="914400" rtl="0" eaLnBrk="1" latinLnBrk="0" hangingPunct="1">
+      <a:lvl1pPr marL="0" algn="l" defTabSz="914377" rtl="0" eaLnBrk="1" latinLnBrk="0" hangingPunct="1">
         <a:defRPr sz="1800" kern="1200">
           <a:solidFill>
             <a:schemeClr val="tx1"/>
@@ -4643,7 +4205,7 @@
           <a:cs typeface="+mn-cs"/>
         </a:defRPr>
       </a:lvl1pPr>
-      <a:lvl2pPr marL="457200" algn="l" defTabSz="914400" rtl="0" eaLnBrk="1" latinLnBrk="0" hangingPunct="1">
+      <a:lvl2pPr marL="457189" algn="l" defTabSz="914377" rtl="0" eaLnBrk="1" latinLnBrk="0" hangingPunct="1">
         <a:defRPr sz="1800" kern="1200">
           <a:solidFill>
             <a:schemeClr val="tx1"/>
@@ -4653,7 +4215,7 @@
           <a:cs typeface="+mn-cs"/>
         </a:defRPr>
       </a:lvl2pPr>
-      <a:lvl3pPr marL="914400" algn="l" defTabSz="914400" rtl="0" eaLnBrk="1" latinLnBrk="0" hangingPunct="1">
+      <a:lvl3pPr marL="914377" algn="l" defTabSz="914377" rtl="0" eaLnBrk="1" latinLnBrk="0" hangingPunct="1">
         <a:defRPr sz="1800" kern="1200">
           <a:solidFill>
             <a:schemeClr val="tx1"/>
@@ -4663,7 +4225,7 @@
           <a:cs typeface="+mn-cs"/>
         </a:defRPr>
       </a:lvl3pPr>
-      <a:lvl4pPr marL="1371600" algn="l" defTabSz="914400" rtl="0" eaLnBrk="1" latinLnBrk="0" hangingPunct="1">
+      <a:lvl4pPr marL="1371566" algn="l" defTabSz="914377" rtl="0" eaLnBrk="1" latinLnBrk="0" hangingPunct="1">
         <a:defRPr sz="1800" kern="1200">
           <a:solidFill>
             <a:schemeClr val="tx1"/>
@@ -4673,7 +4235,7 @@
           <a:cs typeface="+mn-cs"/>
         </a:defRPr>
       </a:lvl4pPr>
-      <a:lvl5pPr marL="1828800" algn="l" defTabSz="914400" rtl="0" eaLnBrk="1" latinLnBrk="0" hangingPunct="1">
+      <a:lvl5pPr marL="1828754" algn="l" defTabSz="914377" rtl="0" eaLnBrk="1" latinLnBrk="0" hangingPunct="1">
         <a:defRPr sz="1800" kern="1200">
           <a:solidFill>
             <a:schemeClr val="tx1"/>
@@ -4683,7 +4245,7 @@
           <a:cs typeface="+mn-cs"/>
         </a:defRPr>
       </a:lvl5pPr>
-      <a:lvl6pPr marL="2286000" algn="l" defTabSz="914400" rtl="0" eaLnBrk="1" latinLnBrk="0" hangingPunct="1">
+      <a:lvl6pPr marL="2285943" algn="l" defTabSz="914377" rtl="0" eaLnBrk="1" latinLnBrk="0" hangingPunct="1">
         <a:defRPr sz="1800" kern="1200">
           <a:solidFill>
             <a:schemeClr val="tx1"/>
@@ -4693,7 +4255,7 @@
           <a:cs typeface="+mn-cs"/>
         </a:defRPr>
       </a:lvl6pPr>
-      <a:lvl7pPr marL="2743200" algn="l" defTabSz="914400" rtl="0" eaLnBrk="1" latinLnBrk="0" hangingPunct="1">
+      <a:lvl7pPr marL="2743131" algn="l" defTabSz="914377" rtl="0" eaLnBrk="1" latinLnBrk="0" hangingPunct="1">
         <a:defRPr sz="1800" kern="1200">
           <a:solidFill>
             <a:schemeClr val="tx1"/>
@@ -4703,7 +4265,7 @@
           <a:cs typeface="+mn-cs"/>
         </a:defRPr>
       </a:lvl7pPr>
-      <a:lvl8pPr marL="3200400" algn="l" defTabSz="914400" rtl="0" eaLnBrk="1" latinLnBrk="0" hangingPunct="1">
+      <a:lvl8pPr marL="3200320" algn="l" defTabSz="914377" rtl="0" eaLnBrk="1" latinLnBrk="0" hangingPunct="1">
         <a:defRPr sz="1800" kern="1200">
           <a:solidFill>
             <a:schemeClr val="tx1"/>
@@ -4713,7 +4275,7 @@
           <a:cs typeface="+mn-cs"/>
         </a:defRPr>
       </a:lvl8pPr>
-      <a:lvl9pPr marL="3657600" algn="l" defTabSz="914400" rtl="0" eaLnBrk="1" latinLnBrk="0" hangingPunct="1">
+      <a:lvl9pPr marL="3657509" algn="l" defTabSz="914377" rtl="0" eaLnBrk="1" latinLnBrk="0" hangingPunct="1">
         <a:defRPr sz="1800" kern="1200">
           <a:solidFill>
             <a:schemeClr val="tx1"/>
@@ -4912,7 +4474,7 @@
         </p:blipFill>
         <p:spPr>
           <a:xfrm>
-            <a:off x="7817264" y="971551"/>
+            <a:off x="9341266" y="971553"/>
             <a:ext cx="970919" cy="1133921"/>
           </a:xfrm>
           <a:prstGeom prst="rect">
@@ -4928,8 +4490,8 @@
         </p:nvSpPr>
         <p:spPr>
           <a:xfrm>
-            <a:off x="946405" y="1376929"/>
-            <a:ext cx="7219569" cy="346249"/>
+            <a:off x="2470408" y="1376930"/>
+            <a:ext cx="7219569" cy="346377"/>
           </a:xfrm>
           <a:prstGeom prst="rect">
             <a:avLst/>
@@ -4943,7 +4505,7 @@
           <a:lstStyle/>
           <a:p>
             <a:r>
-              <a:rPr lang="sr-Latn-RS" sz="1650" dirty="0">
+              <a:rPr lang="sr-Latn-RS" sz="1651" dirty="0">
                 <a:solidFill>
                   <a:schemeClr val="tx1">
                     <a:lumMod val="75000"/>
@@ -4954,7 +4516,7 @@
               <a:t>Univerzitet u Beogradu </a:t>
             </a:r>
             <a:r>
-              <a:rPr lang="en-US" sz="1650" dirty="0">
+              <a:rPr lang="en-US" sz="1651" dirty="0">
                 <a:solidFill>
                   <a:schemeClr val="tx1">
                     <a:lumMod val="75000"/>
@@ -4965,7 +4527,7 @@
               <a:t>– </a:t>
             </a:r>
             <a:r>
-              <a:rPr lang="en-US" sz="1650" dirty="0" err="1">
+              <a:rPr lang="en-US" sz="1651" dirty="0" err="1">
                 <a:solidFill>
                   <a:schemeClr val="tx1">
                     <a:lumMod val="75000"/>
@@ -4976,7 +4538,7 @@
               <a:t>Elektrotehni</a:t>
             </a:r>
             <a:r>
-              <a:rPr lang="sr-Latn-RS" sz="1650" dirty="0">
+              <a:rPr lang="sr-Latn-RS" sz="1651" dirty="0">
                 <a:solidFill>
                   <a:schemeClr val="tx1">
                     <a:lumMod val="75000"/>
@@ -4986,7 +4548,7 @@
               </a:rPr>
               <a:t>čki fakultet</a:t>
             </a:r>
-            <a:endParaRPr lang="en-US" sz="1650" dirty="0">
+            <a:endParaRPr lang="en-US" sz="1651" dirty="0">
               <a:solidFill>
                 <a:schemeClr val="tx1">
                   <a:lumMod val="75000"/>
@@ -5042,8 +4604,8 @@
         </p:nvGrpSpPr>
         <p:grpSpPr>
           <a:xfrm>
-            <a:off x="1178771" y="995959"/>
-            <a:ext cx="1871663" cy="1778198"/>
+            <a:off x="2282896" y="1014620"/>
+            <a:ext cx="1871663" cy="1778199"/>
             <a:chOff x="1571695" y="184945"/>
             <a:chExt cx="2495550" cy="2370930"/>
           </a:xfrm>
@@ -5084,7 +4646,7 @@
             <a:lstStyle/>
             <a:p>
               <a:pPr algn="ctr"/>
-              <a:endParaRPr lang="en-US" sz="1350">
+              <a:endParaRPr lang="en-US" sz="1351">
                 <a:latin typeface="Calibri (Body)"/>
               </a:endParaRPr>
             </a:p>
@@ -5127,7 +4689,7 @@
             <a:p>
               <a:pPr algn="ctr"/>
               <a:r>
-                <a:rPr lang="en-US" sz="1350" dirty="0">
+                <a:rPr lang="en-US" sz="1351" dirty="0">
                   <a:latin typeface="Calibri (Body)"/>
                 </a:rPr>
                 <a:t>4</a:t>
@@ -5172,7 +4734,7 @@
             <a:p>
               <a:pPr algn="ctr"/>
               <a:r>
-                <a:rPr lang="en-US" sz="1350" dirty="0">
+                <a:rPr lang="en-US" sz="1351" dirty="0">
                   <a:latin typeface="Calibri (Body)"/>
                 </a:rPr>
                 <a:t>1</a:t>
@@ -5217,7 +4779,7 @@
             <a:p>
               <a:pPr algn="ctr"/>
               <a:r>
-                <a:rPr lang="en-US" sz="1350" dirty="0">
+                <a:rPr lang="en-US" sz="1351" dirty="0">
                   <a:latin typeface="Calibri (Body)"/>
                 </a:rPr>
                 <a:t>2</a:t>
@@ -5262,7 +4824,7 @@
             <a:p>
               <a:pPr algn="ctr"/>
               <a:r>
-                <a:rPr lang="en-US" sz="1350" dirty="0">
+                <a:rPr lang="en-US" sz="1351" dirty="0">
                   <a:latin typeface="Calibri (Body)"/>
                 </a:rPr>
                 <a:t>0</a:t>
@@ -5307,7 +4869,7 @@
             <a:p>
               <a:pPr algn="ctr"/>
               <a:r>
-                <a:rPr lang="en-US" sz="1350" dirty="0">
+                <a:rPr lang="en-US" sz="1351" dirty="0">
                   <a:latin typeface="Calibri (Body)"/>
                 </a:rPr>
                 <a:t>3</a:t>
@@ -5352,7 +4914,7 @@
             <a:p>
               <a:pPr algn="ctr"/>
               <a:r>
-                <a:rPr lang="en-US" sz="1350" dirty="0">
+                <a:rPr lang="en-US" sz="1351" dirty="0">
                   <a:latin typeface="Calibri (Body)"/>
                 </a:rPr>
                 <a:t>9</a:t>
@@ -5397,7 +4959,7 @@
             <a:p>
               <a:pPr algn="ctr"/>
               <a:r>
-                <a:rPr lang="en-US" sz="1350" dirty="0">
+                <a:rPr lang="en-US" sz="1351" dirty="0">
                   <a:latin typeface="Calibri (Body)"/>
                 </a:rPr>
                 <a:t>A</a:t>
@@ -5442,7 +5004,7 @@
             <a:p>
               <a:pPr algn="ctr"/>
               <a:r>
-                <a:rPr lang="en-US" sz="1350" dirty="0">
+                <a:rPr lang="en-US" sz="1351" dirty="0">
                   <a:latin typeface="Calibri (Body)"/>
                 </a:rPr>
                 <a:t>8</a:t>
@@ -5487,7 +5049,7 @@
             <a:p>
               <a:pPr algn="ctr"/>
               <a:r>
-                <a:rPr lang="en-US" sz="1350" dirty="0">
+                <a:rPr lang="en-US" sz="1351" dirty="0">
                   <a:latin typeface="Calibri (Body)"/>
                 </a:rPr>
                 <a:t>7</a:t>
@@ -5532,7 +5094,7 @@
             <a:p>
               <a:pPr algn="ctr"/>
               <a:r>
-                <a:rPr lang="en-US" sz="1350" dirty="0">
+                <a:rPr lang="en-US" sz="1351" dirty="0">
                   <a:latin typeface="Calibri (Body)"/>
                 </a:rPr>
                 <a:t>6</a:t>
@@ -5577,7 +5139,7 @@
             <a:p>
               <a:pPr algn="ctr"/>
               <a:r>
-                <a:rPr lang="en-US" sz="1350" dirty="0">
+                <a:rPr lang="en-US" sz="1351" dirty="0">
                   <a:latin typeface="Calibri (Body)"/>
                 </a:rPr>
                 <a:t>5</a:t>
@@ -5627,7 +5189,7 @@
             <a:lstStyle/>
             <a:p>
               <a:pPr algn="ctr"/>
-              <a:endParaRPr lang="en-US" sz="1350">
+              <a:endParaRPr lang="en-US" sz="1351">
                 <a:latin typeface="Calibri (Body)"/>
               </a:endParaRPr>
             </a:p>
@@ -5675,7 +5237,7 @@
             <a:lstStyle/>
             <a:p>
               <a:pPr algn="ctr"/>
-              <a:endParaRPr lang="en-US" sz="1350">
+              <a:endParaRPr lang="en-US" sz="1351">
                 <a:latin typeface="Calibri (Body)"/>
               </a:endParaRPr>
             </a:p>
@@ -5723,7 +5285,7 @@
             <a:lstStyle/>
             <a:p>
               <a:pPr algn="ctr"/>
-              <a:endParaRPr lang="en-US" sz="1350">
+              <a:endParaRPr lang="en-US" sz="1351">
                 <a:latin typeface="Calibri (Body)"/>
               </a:endParaRPr>
             </a:p>
@@ -5738,8 +5300,8 @@
         </p:nvGrpSpPr>
         <p:grpSpPr>
           <a:xfrm>
-            <a:off x="5257803" y="995959"/>
-            <a:ext cx="1871663" cy="1778198"/>
+            <a:off x="6361928" y="1014620"/>
+            <a:ext cx="1871663" cy="1778199"/>
             <a:chOff x="4625975" y="4156870"/>
             <a:chExt cx="2495550" cy="2370930"/>
           </a:xfrm>
@@ -5780,7 +5342,7 @@
             <a:lstStyle/>
             <a:p>
               <a:pPr algn="ctr"/>
-              <a:endParaRPr lang="en-US" sz="1350">
+              <a:endParaRPr lang="en-US" sz="1351">
                 <a:latin typeface="Calibri (Body)"/>
               </a:endParaRPr>
             </a:p>
@@ -5823,7 +5385,7 @@
             <a:p>
               <a:pPr algn="ctr"/>
               <a:r>
-                <a:rPr lang="en-US" sz="1350" dirty="0">
+                <a:rPr lang="en-US" sz="1351" dirty="0">
                   <a:latin typeface="Calibri (Body)"/>
                 </a:rPr>
                 <a:t>4</a:t>
@@ -5868,7 +5430,7 @@
             <a:p>
               <a:pPr algn="ctr"/>
               <a:r>
-                <a:rPr lang="en-US" sz="1350" dirty="0">
+                <a:rPr lang="en-US" sz="1351" dirty="0">
                   <a:latin typeface="Calibri (Body)"/>
                 </a:rPr>
                 <a:t>1</a:t>
@@ -5913,7 +5475,7 @@
             <a:p>
               <a:pPr algn="ctr"/>
               <a:r>
-                <a:rPr lang="en-US" sz="1350" dirty="0">
+                <a:rPr lang="en-US" sz="1351" dirty="0">
                   <a:latin typeface="Calibri (Body)"/>
                 </a:rPr>
                 <a:t>2</a:t>
@@ -5958,7 +5520,7 @@
             <a:p>
               <a:pPr algn="ctr"/>
               <a:r>
-                <a:rPr lang="en-US" sz="1350" dirty="0">
+                <a:rPr lang="en-US" sz="1351" dirty="0">
                   <a:latin typeface="Calibri (Body)"/>
                 </a:rPr>
                 <a:t>0</a:t>
@@ -6003,7 +5565,7 @@
             <a:p>
               <a:pPr algn="ctr"/>
               <a:r>
-                <a:rPr lang="en-US" sz="1350" dirty="0">
+                <a:rPr lang="en-US" sz="1351" dirty="0">
                   <a:latin typeface="Calibri (Body)"/>
                 </a:rPr>
                 <a:t>3</a:t>
@@ -6048,7 +5610,7 @@
             <a:p>
               <a:pPr algn="ctr"/>
               <a:r>
-                <a:rPr lang="en-US" sz="1350" dirty="0">
+                <a:rPr lang="en-US" sz="1351" dirty="0">
                   <a:latin typeface="Calibri (Body)"/>
                 </a:rPr>
                 <a:t>9</a:t>
@@ -6093,7 +5655,7 @@
             <a:p>
               <a:pPr algn="ctr"/>
               <a:r>
-                <a:rPr lang="en-US" sz="1350" dirty="0">
+                <a:rPr lang="en-US" sz="1351" dirty="0">
                   <a:latin typeface="Calibri (Body)"/>
                 </a:rPr>
                 <a:t>A</a:t>
@@ -6138,7 +5700,7 @@
             <a:p>
               <a:pPr algn="ctr"/>
               <a:r>
-                <a:rPr lang="en-US" sz="1350" dirty="0">
+                <a:rPr lang="en-US" sz="1351" dirty="0">
                   <a:latin typeface="Calibri (Body)"/>
                 </a:rPr>
                 <a:t>8</a:t>
@@ -6183,7 +5745,7 @@
             <a:p>
               <a:pPr algn="ctr"/>
               <a:r>
-                <a:rPr lang="en-US" sz="1350" dirty="0">
+                <a:rPr lang="en-US" sz="1351" dirty="0">
                   <a:latin typeface="Calibri (Body)"/>
                 </a:rPr>
                 <a:t>7</a:t>
@@ -6228,7 +5790,7 @@
             <a:p>
               <a:pPr algn="ctr"/>
               <a:r>
-                <a:rPr lang="en-US" sz="1350" dirty="0">
+                <a:rPr lang="en-US" sz="1351" dirty="0">
                   <a:latin typeface="Calibri (Body)"/>
                 </a:rPr>
                 <a:t>6</a:t>
@@ -6273,7 +5835,7 @@
             <a:p>
               <a:pPr algn="ctr"/>
               <a:r>
-                <a:rPr lang="en-US" sz="1350" dirty="0">
+                <a:rPr lang="en-US" sz="1351" dirty="0">
                   <a:latin typeface="Calibri (Body)"/>
                 </a:rPr>
                 <a:t>5</a:t>
@@ -6323,7 +5885,7 @@
             <a:lstStyle/>
             <a:p>
               <a:pPr algn="ctr"/>
-              <a:endParaRPr lang="en-US" sz="1350">
+              <a:endParaRPr lang="en-US" sz="1351">
                 <a:latin typeface="Calibri (Body)"/>
               </a:endParaRPr>
             </a:p>
@@ -6371,7 +5933,7 @@
             <a:lstStyle/>
             <a:p>
               <a:pPr algn="ctr"/>
-              <a:endParaRPr lang="en-US" sz="1350">
+              <a:endParaRPr lang="en-US" sz="1351">
                 <a:latin typeface="Calibri (Body)"/>
               </a:endParaRPr>
             </a:p>
@@ -6419,7 +5981,7 @@
             <a:lstStyle/>
             <a:p>
               <a:pPr algn="ctr"/>
-              <a:endParaRPr lang="en-US" sz="1350">
+              <a:endParaRPr lang="en-US" sz="1351">
                 <a:latin typeface="Calibri (Body)"/>
               </a:endParaRPr>
             </a:p>
@@ -6436,7 +5998,7 @@
         </p:nvSpPr>
         <p:spPr>
           <a:xfrm>
-            <a:off x="434392" y="2921023"/>
+            <a:off x="1538515" y="2939684"/>
             <a:ext cx="3360420" cy="548640"/>
           </a:xfrm>
           <a:prstGeom prst="rect">
@@ -6444,7 +6006,7 @@
           </a:prstGeom>
         </p:spPr>
         <p:txBody>
-          <a:bodyPr vert="horz" lIns="68580" tIns="34290" rIns="68580" bIns="34290" rtlCol="0">
+          <a:bodyPr vert="horz" lIns="68580" tIns="34291" rIns="68580" bIns="34291" rtlCol="0">
             <a:normAutofit/>
           </a:bodyPr>
           <a:lstStyle>
@@ -6695,24 +6257,24 @@
               <a:buNone/>
             </a:pPr>
             <a:r>
-              <a:rPr lang="en-US" sz="1350" b="1" i="1" dirty="0" err="1">
+              <a:rPr lang="en-US" sz="1351" b="1" i="1" dirty="0" err="1">
                 <a:latin typeface="Calibri (Body)"/>
               </a:rPr>
               <a:t>Kontinualna</a:t>
             </a:r>
             <a:r>
-              <a:rPr lang="en-US" sz="1350" b="1" i="1" dirty="0">
+              <a:rPr lang="en-US" sz="1351" b="1" i="1" dirty="0">
                 <a:latin typeface="Calibri (Body)"/>
               </a:rPr>
               <a:t> </a:t>
             </a:r>
             <a:r>
-              <a:rPr lang="en-US" sz="1350" b="1" i="1" dirty="0" err="1">
+              <a:rPr lang="en-US" sz="1351" b="1" i="1" dirty="0" err="1">
                 <a:latin typeface="Calibri (Body)"/>
               </a:rPr>
               <a:t>alokacija</a:t>
             </a:r>
-            <a:endParaRPr lang="en-US" sz="1350" b="1" i="1" dirty="0">
+            <a:endParaRPr lang="en-US" sz="1351" b="1" i="1" dirty="0">
               <a:latin typeface="Calibri (Body)"/>
             </a:endParaRPr>
           </a:p>
@@ -6728,7 +6290,7 @@
         </p:nvSpPr>
         <p:spPr>
           <a:xfrm>
-            <a:off x="4513424" y="2921023"/>
+            <a:off x="5617547" y="2939684"/>
             <a:ext cx="3360420" cy="548640"/>
           </a:xfrm>
           <a:prstGeom prst="rect">
@@ -6736,7 +6298,7 @@
           </a:prstGeom>
         </p:spPr>
         <p:txBody>
-          <a:bodyPr vert="horz" lIns="68580" tIns="34290" rIns="68580" bIns="34290" rtlCol="0">
+          <a:bodyPr vert="horz" lIns="68580" tIns="34291" rIns="68580" bIns="34291" rtlCol="0">
             <a:normAutofit/>
           </a:bodyPr>
           <a:lstStyle>
@@ -6987,18 +6549,18 @@
               <a:buNone/>
             </a:pPr>
             <a:r>
-              <a:rPr lang="en-US" sz="1350" b="1" i="1" dirty="0">
+              <a:rPr lang="en-US" sz="1351" b="1" i="1" dirty="0">
                 <a:latin typeface="Calibri (Body)"/>
               </a:rPr>
               <a:t>Ulan</a:t>
             </a:r>
             <a:r>
-              <a:rPr lang="sr-Latn-RS" sz="1350" b="1" i="1" dirty="0">
+              <a:rPr lang="sr-Latn-RS" sz="1351" b="1" i="1" dirty="0">
                 <a:latin typeface="Calibri (Body)"/>
               </a:rPr>
               <a:t>čana alokacija</a:t>
             </a:r>
-            <a:endParaRPr lang="en-US" sz="1350" b="1" i="1" dirty="0">
+            <a:endParaRPr lang="en-US" sz="1351" b="1" i="1" dirty="0">
               <a:latin typeface="Calibri (Body)"/>
             </a:endParaRPr>
           </a:p>
@@ -7015,8 +6577,8 @@
         </p:nvCxnSpPr>
         <p:spPr>
           <a:xfrm rot="5400000" flipH="1" flipV="1">
-            <a:off x="5874901" y="1338022"/>
-            <a:ext cx="9525" cy="637466"/>
+            <a:off x="6979025" y="1356682"/>
+            <a:ext cx="9525" cy="637467"/>
           </a:xfrm>
           <a:prstGeom prst="curvedConnector3">
             <a:avLst>
@@ -7053,7 +6615,7 @@
         </p:nvCxnSpPr>
         <p:spPr>
           <a:xfrm rot="5400000">
-            <a:off x="5819868" y="1630473"/>
+            <a:off x="6923990" y="1649134"/>
             <a:ext cx="106384" cy="641152"/>
           </a:xfrm>
           <a:prstGeom prst="curvedConnector3">
@@ -7089,7 +6651,7 @@
         </p:nvCxnSpPr>
         <p:spPr>
           <a:xfrm rot="16200000" flipV="1">
-            <a:off x="6190510" y="1339305"/>
+            <a:off x="7294634" y="1357968"/>
             <a:ext cx="6251" cy="641151"/>
           </a:xfrm>
           <a:prstGeom prst="curvedConnector3">
@@ -7124,7 +6686,7 @@
         </p:nvSpPr>
         <p:spPr>
           <a:xfrm>
-            <a:off x="3177169" y="1612503"/>
+            <a:off x="4281294" y="1631166"/>
             <a:ext cx="1009121" cy="770379"/>
           </a:xfrm>
           <a:prstGeom prst="rect">
@@ -7152,32 +6714,32 @@
           <a:lstStyle/>
           <a:p>
             <a:pPr algn="ctr"/>
-            <a:endParaRPr lang="en-US" sz="1350" dirty="0">
+            <a:endParaRPr lang="en-US" sz="1351" dirty="0">
               <a:latin typeface="Calibri (Body)"/>
             </a:endParaRPr>
           </a:p>
           <a:p>
             <a:pPr algn="ctr"/>
-            <a:endParaRPr lang="en-US" sz="1350" dirty="0">
+            <a:endParaRPr lang="en-US" sz="1351" dirty="0">
               <a:latin typeface="Calibri (Body)"/>
             </a:endParaRPr>
           </a:p>
           <a:p>
             <a:pPr algn="ctr"/>
-            <a:endParaRPr lang="en-US" sz="1350" dirty="0">
+            <a:endParaRPr lang="en-US" sz="1351" dirty="0">
               <a:latin typeface="Calibri (Body)"/>
             </a:endParaRPr>
           </a:p>
           <a:p>
             <a:pPr algn="ctr"/>
-            <a:endParaRPr lang="en-US" sz="1350" dirty="0">
+            <a:endParaRPr lang="en-US" sz="1351" dirty="0">
               <a:latin typeface="Calibri (Body)"/>
             </a:endParaRPr>
           </a:p>
           <a:p>
             <a:pPr algn="ctr"/>
             <a:r>
-              <a:rPr lang="en-US" sz="1350" dirty="0">
+              <a:rPr lang="en-US" sz="1351" dirty="0">
                 <a:latin typeface="Calibri (Body)"/>
               </a:rPr>
               <a:t>FCB</a:t>
@@ -7186,19 +6748,19 @@
           <a:p>
             <a:pPr algn="ctr"/>
             <a:r>
-              <a:rPr lang="en-US" sz="1050" dirty="0" err="1" smtClean="0">
+              <a:rPr lang="en-US" sz="1051" dirty="0" err="1">
                 <a:latin typeface="Calibri (Body)"/>
               </a:rPr>
               <a:t>first_blk</a:t>
             </a:r>
             <a:r>
-              <a:rPr lang="en-US" sz="1050" dirty="0" smtClean="0">
+              <a:rPr lang="en-US" sz="1051" dirty="0">
                 <a:latin typeface="Calibri (Body)"/>
               </a:rPr>
               <a:t> </a:t>
             </a:r>
             <a:r>
-              <a:rPr lang="en-US" sz="1050" dirty="0">
+              <a:rPr lang="en-US" sz="1051" dirty="0">
                 <a:latin typeface="Calibri (Body)"/>
               </a:rPr>
               <a:t>= 3</a:t>
@@ -7207,42 +6769,42 @@
           <a:p>
             <a:pPr algn="ctr"/>
             <a:r>
-              <a:rPr lang="en-US" sz="1050" dirty="0">
+              <a:rPr lang="en-US" sz="1051" dirty="0">
                 <a:latin typeface="Calibri (Body)"/>
               </a:rPr>
               <a:t>size = 2 </a:t>
             </a:r>
             <a:r>
-              <a:rPr lang="en-US" sz="1050" dirty="0" err="1">
+              <a:rPr lang="en-US" sz="1051" dirty="0" err="1">
                 <a:latin typeface="Calibri (Body)"/>
               </a:rPr>
               <a:t>blks</a:t>
             </a:r>
-            <a:endParaRPr lang="en-US" sz="1350" dirty="0">
+            <a:endParaRPr lang="en-US" sz="1351" dirty="0">
               <a:latin typeface="Calibri (Body)"/>
             </a:endParaRPr>
           </a:p>
           <a:p>
             <a:pPr algn="ctr"/>
-            <a:endParaRPr lang="en-US" sz="1350" dirty="0">
+            <a:endParaRPr lang="en-US" sz="1351" dirty="0">
               <a:latin typeface="Calibri (Body)"/>
             </a:endParaRPr>
           </a:p>
           <a:p>
             <a:pPr algn="ctr"/>
-            <a:endParaRPr lang="en-US" sz="1350" dirty="0">
+            <a:endParaRPr lang="en-US" sz="1351" dirty="0">
               <a:latin typeface="Calibri (Body)"/>
             </a:endParaRPr>
           </a:p>
           <a:p>
             <a:pPr algn="ctr"/>
-            <a:endParaRPr lang="en-US" sz="1350" dirty="0">
+            <a:endParaRPr lang="en-US" sz="1351" dirty="0">
               <a:latin typeface="Calibri (Body)"/>
             </a:endParaRPr>
           </a:p>
           <a:p>
             <a:pPr algn="ctr"/>
-            <a:endParaRPr lang="en-US" sz="1350" dirty="0">
+            <a:endParaRPr lang="en-US" sz="1351" dirty="0">
               <a:latin typeface="Calibri (Body)"/>
             </a:endParaRPr>
           </a:p>
@@ -7256,7 +6818,7 @@
         </p:nvSpPr>
         <p:spPr>
           <a:xfrm>
-            <a:off x="7260553" y="1612503"/>
+            <a:off x="8364678" y="1631166"/>
             <a:ext cx="1009121" cy="770379"/>
           </a:xfrm>
           <a:prstGeom prst="rect">
@@ -7284,32 +6846,32 @@
           <a:lstStyle/>
           <a:p>
             <a:pPr algn="ctr"/>
-            <a:endParaRPr lang="en-US" sz="1350" dirty="0">
+            <a:endParaRPr lang="en-US" sz="1351" dirty="0">
               <a:latin typeface="Calibri (Body)"/>
             </a:endParaRPr>
           </a:p>
           <a:p>
             <a:pPr algn="ctr"/>
-            <a:endParaRPr lang="en-US" sz="1350" dirty="0">
+            <a:endParaRPr lang="en-US" sz="1351" dirty="0">
               <a:latin typeface="Calibri (Body)"/>
             </a:endParaRPr>
           </a:p>
           <a:p>
             <a:pPr algn="ctr"/>
-            <a:endParaRPr lang="en-US" sz="1350" dirty="0">
+            <a:endParaRPr lang="en-US" sz="1351" dirty="0">
               <a:latin typeface="Calibri (Body)"/>
             </a:endParaRPr>
           </a:p>
           <a:p>
             <a:pPr algn="ctr"/>
-            <a:endParaRPr lang="en-US" sz="1350" dirty="0">
+            <a:endParaRPr lang="en-US" sz="1351" dirty="0">
               <a:latin typeface="Calibri (Body)"/>
             </a:endParaRPr>
           </a:p>
           <a:p>
             <a:pPr algn="ctr"/>
             <a:r>
-              <a:rPr lang="en-US" sz="1350" dirty="0">
+              <a:rPr lang="en-US" sz="1351" dirty="0">
                 <a:latin typeface="Calibri (Body)"/>
               </a:rPr>
               <a:t>FCB</a:t>
@@ -7318,19 +6880,19 @@
           <a:p>
             <a:pPr algn="ctr"/>
             <a:r>
-              <a:rPr lang="en-US" sz="1050" dirty="0" err="1" smtClean="0">
+              <a:rPr lang="en-US" sz="1051" dirty="0" err="1">
                 <a:latin typeface="Calibri (Body)"/>
               </a:rPr>
               <a:t>head_blk</a:t>
             </a:r>
             <a:r>
-              <a:rPr lang="en-US" sz="1050" dirty="0" smtClean="0">
+              <a:rPr lang="en-US" sz="1051" dirty="0">
                 <a:latin typeface="Calibri (Body)"/>
               </a:rPr>
               <a:t> </a:t>
             </a:r>
             <a:r>
-              <a:rPr lang="en-US" sz="1050" dirty="0">
+              <a:rPr lang="en-US" sz="1051" dirty="0">
                 <a:latin typeface="Calibri (Body)"/>
               </a:rPr>
               <a:t>= 3</a:t>
@@ -7339,42 +6901,42 @@
           <a:p>
             <a:pPr algn="ctr"/>
             <a:r>
-              <a:rPr lang="en-US" sz="1050" dirty="0">
+              <a:rPr lang="en-US" sz="1051" dirty="0">
                 <a:latin typeface="Calibri (Body)"/>
               </a:rPr>
               <a:t>size = 2 </a:t>
             </a:r>
             <a:r>
-              <a:rPr lang="en-US" sz="1050" dirty="0" err="1">
+              <a:rPr lang="en-US" sz="1051" dirty="0" err="1">
                 <a:latin typeface="Calibri (Body)"/>
               </a:rPr>
               <a:t>blks</a:t>
             </a:r>
-            <a:endParaRPr lang="en-US" sz="1350" dirty="0">
+            <a:endParaRPr lang="en-US" sz="1351" dirty="0">
               <a:latin typeface="Calibri (Body)"/>
             </a:endParaRPr>
           </a:p>
           <a:p>
             <a:pPr algn="ctr"/>
-            <a:endParaRPr lang="en-US" sz="1350" dirty="0">
+            <a:endParaRPr lang="en-US" sz="1351" dirty="0">
               <a:latin typeface="Calibri (Body)"/>
             </a:endParaRPr>
           </a:p>
           <a:p>
             <a:pPr algn="ctr"/>
-            <a:endParaRPr lang="en-US" sz="1350" dirty="0">
+            <a:endParaRPr lang="en-US" sz="1351" dirty="0">
               <a:latin typeface="Calibri (Body)"/>
             </a:endParaRPr>
           </a:p>
           <a:p>
             <a:pPr algn="ctr"/>
-            <a:endParaRPr lang="en-US" sz="1350" dirty="0">
+            <a:endParaRPr lang="en-US" sz="1351" dirty="0">
               <a:latin typeface="Calibri (Body)"/>
             </a:endParaRPr>
           </a:p>
           <a:p>
             <a:pPr algn="ctr"/>
-            <a:endParaRPr lang="en-US" sz="1350" dirty="0">
+            <a:endParaRPr lang="en-US" sz="1351" dirty="0">
               <a:latin typeface="Calibri (Body)"/>
             </a:endParaRPr>
           </a:p>
@@ -7390,7 +6952,7 @@
         </p:nvSpPr>
         <p:spPr>
           <a:xfrm>
-            <a:off x="430762" y="5433839"/>
+            <a:off x="1534885" y="5452500"/>
             <a:ext cx="3360420" cy="548640"/>
           </a:xfrm>
           <a:prstGeom prst="rect">
@@ -7398,7 +6960,7 @@
           </a:prstGeom>
         </p:spPr>
         <p:txBody>
-          <a:bodyPr vert="horz" lIns="68580" tIns="34290" rIns="68580" bIns="34290" rtlCol="0">
+          <a:bodyPr vert="horz" lIns="68580" tIns="34291" rIns="68580" bIns="34291" rtlCol="0">
             <a:normAutofit/>
           </a:bodyPr>
           <a:lstStyle>
@@ -7649,24 +7211,24 @@
               <a:buNone/>
             </a:pPr>
             <a:r>
-              <a:rPr lang="en-US" sz="1350" b="1" i="1" dirty="0" err="1">
+              <a:rPr lang="en-US" sz="1351" b="1" i="1" dirty="0" err="1">
                 <a:latin typeface="Calibri (Body)"/>
               </a:rPr>
               <a:t>Indeksna</a:t>
             </a:r>
             <a:r>
-              <a:rPr lang="en-US" sz="1350" b="1" i="1" dirty="0">
+              <a:rPr lang="en-US" sz="1351" b="1" i="1" dirty="0">
                 <a:latin typeface="Calibri (Body)"/>
               </a:rPr>
               <a:t> </a:t>
             </a:r>
             <a:r>
-              <a:rPr lang="en-US" sz="1350" b="1" i="1" dirty="0" err="1">
+              <a:rPr lang="en-US" sz="1351" b="1" i="1" dirty="0" err="1">
                 <a:latin typeface="Calibri (Body)"/>
               </a:rPr>
               <a:t>alokacija</a:t>
             </a:r>
-            <a:endParaRPr lang="en-US" sz="1350" b="1" i="1" dirty="0">
+            <a:endParaRPr lang="en-US" sz="1351" b="1" i="1" dirty="0">
               <a:latin typeface="Calibri (Body)"/>
             </a:endParaRPr>
           </a:p>
@@ -7680,7 +7242,7 @@
         </p:nvSpPr>
         <p:spPr>
           <a:xfrm>
-            <a:off x="3173539" y="4125320"/>
+            <a:off x="4277663" y="4143982"/>
             <a:ext cx="1009121" cy="770379"/>
           </a:xfrm>
           <a:prstGeom prst="rect">
@@ -7708,32 +7270,32 @@
           <a:lstStyle/>
           <a:p>
             <a:pPr algn="ctr"/>
-            <a:endParaRPr lang="en-US" sz="1350" dirty="0">
+            <a:endParaRPr lang="en-US" sz="1351" dirty="0">
               <a:latin typeface="Calibri (Body)"/>
             </a:endParaRPr>
           </a:p>
           <a:p>
             <a:pPr algn="ctr"/>
-            <a:endParaRPr lang="en-US" sz="1350" dirty="0">
+            <a:endParaRPr lang="en-US" sz="1351" dirty="0">
               <a:latin typeface="Calibri (Body)"/>
             </a:endParaRPr>
           </a:p>
           <a:p>
             <a:pPr algn="ctr"/>
-            <a:endParaRPr lang="en-US" sz="1350" dirty="0">
+            <a:endParaRPr lang="en-US" sz="1351" dirty="0">
               <a:latin typeface="Calibri (Body)"/>
             </a:endParaRPr>
           </a:p>
           <a:p>
             <a:pPr algn="ctr"/>
-            <a:endParaRPr lang="en-US" sz="1350" dirty="0">
+            <a:endParaRPr lang="en-US" sz="1351" dirty="0">
               <a:latin typeface="Calibri (Body)"/>
             </a:endParaRPr>
           </a:p>
           <a:p>
             <a:pPr algn="ctr"/>
             <a:r>
-              <a:rPr lang="en-US" sz="1350" dirty="0">
+              <a:rPr lang="en-US" sz="1351" dirty="0">
                 <a:latin typeface="Calibri (Body)"/>
               </a:rPr>
               <a:t>FCB</a:t>
@@ -7742,19 +7304,19 @@
           <a:p>
             <a:pPr algn="ctr"/>
             <a:r>
-              <a:rPr lang="en-US" sz="1050" dirty="0" err="1" smtClean="0">
+              <a:rPr lang="en-US" sz="1051" dirty="0" err="1">
                 <a:latin typeface="Calibri (Body)"/>
               </a:rPr>
               <a:t>index_blk</a:t>
             </a:r>
             <a:r>
-              <a:rPr lang="en-US" sz="1050" dirty="0" smtClean="0">
+              <a:rPr lang="en-US" sz="1051" dirty="0">
                 <a:latin typeface="Calibri (Body)"/>
               </a:rPr>
               <a:t> </a:t>
             </a:r>
             <a:r>
-              <a:rPr lang="en-US" sz="1050" dirty="0">
+              <a:rPr lang="en-US" sz="1051" dirty="0">
                 <a:latin typeface="Calibri (Body)"/>
               </a:rPr>
               <a:t>= 7</a:t>
@@ -7763,42 +7325,42 @@
           <a:p>
             <a:pPr algn="ctr"/>
             <a:r>
-              <a:rPr lang="en-US" sz="1050" dirty="0">
+              <a:rPr lang="en-US" sz="1051" dirty="0">
                 <a:latin typeface="Calibri (Body)"/>
               </a:rPr>
               <a:t>size = 2 </a:t>
             </a:r>
             <a:r>
-              <a:rPr lang="en-US" sz="1050" dirty="0" err="1">
+              <a:rPr lang="en-US" sz="1051" dirty="0" err="1">
                 <a:latin typeface="Calibri (Body)"/>
               </a:rPr>
               <a:t>blks</a:t>
             </a:r>
-            <a:endParaRPr lang="en-US" sz="1350" dirty="0">
+            <a:endParaRPr lang="en-US" sz="1351" dirty="0">
               <a:latin typeface="Calibri (Body)"/>
             </a:endParaRPr>
           </a:p>
           <a:p>
             <a:pPr algn="ctr"/>
-            <a:endParaRPr lang="en-US" sz="1350" dirty="0">
+            <a:endParaRPr lang="en-US" sz="1351" dirty="0">
               <a:latin typeface="Calibri (Body)"/>
             </a:endParaRPr>
           </a:p>
           <a:p>
             <a:pPr algn="ctr"/>
-            <a:endParaRPr lang="en-US" sz="1350" dirty="0">
+            <a:endParaRPr lang="en-US" sz="1351" dirty="0">
               <a:latin typeface="Calibri (Body)"/>
             </a:endParaRPr>
           </a:p>
           <a:p>
             <a:pPr algn="ctr"/>
-            <a:endParaRPr lang="en-US" sz="1350" dirty="0">
+            <a:endParaRPr lang="en-US" sz="1351" dirty="0">
               <a:latin typeface="Calibri (Body)"/>
             </a:endParaRPr>
           </a:p>
           <a:p>
             <a:pPr algn="ctr"/>
-            <a:endParaRPr lang="en-US" sz="1350" dirty="0">
+            <a:endParaRPr lang="en-US" sz="1351" dirty="0">
               <a:latin typeface="Calibri (Body)"/>
             </a:endParaRPr>
           </a:p>
@@ -7812,8 +7374,8 @@
         </p:nvGrpSpPr>
         <p:grpSpPr>
           <a:xfrm>
-            <a:off x="1175140" y="3441552"/>
-            <a:ext cx="1871663" cy="1778198"/>
+            <a:off x="2279264" y="3460214"/>
+            <a:ext cx="1871663" cy="1778199"/>
             <a:chOff x="4625975" y="4156870"/>
             <a:chExt cx="2495550" cy="2370930"/>
           </a:xfrm>
@@ -7854,7 +7416,7 @@
             <a:lstStyle/>
             <a:p>
               <a:pPr algn="ctr"/>
-              <a:endParaRPr lang="en-US" sz="1350">
+              <a:endParaRPr lang="en-US" sz="1351">
                 <a:latin typeface="Calibri (Body)"/>
               </a:endParaRPr>
             </a:p>
@@ -7897,7 +7459,7 @@
             <a:p>
               <a:pPr algn="ctr"/>
               <a:r>
-                <a:rPr lang="en-US" sz="1350" dirty="0">
+                <a:rPr lang="en-US" sz="1351" dirty="0">
                   <a:latin typeface="Calibri (Body)"/>
                 </a:rPr>
                 <a:t>4</a:t>
@@ -7942,7 +7504,7 @@
             <a:p>
               <a:pPr algn="ctr"/>
               <a:r>
-                <a:rPr lang="en-US" sz="1350" dirty="0">
+                <a:rPr lang="en-US" sz="1351" dirty="0">
                   <a:latin typeface="Calibri (Body)"/>
                 </a:rPr>
                 <a:t>1</a:t>
@@ -7987,7 +7549,7 @@
             <a:p>
               <a:pPr algn="ctr"/>
               <a:r>
-                <a:rPr lang="en-US" sz="1350" dirty="0">
+                <a:rPr lang="en-US" sz="1351" dirty="0">
                   <a:latin typeface="Calibri (Body)"/>
                 </a:rPr>
                 <a:t>2</a:t>
@@ -8032,7 +7594,7 @@
             <a:p>
               <a:pPr algn="ctr"/>
               <a:r>
-                <a:rPr lang="en-US" sz="1350" dirty="0">
+                <a:rPr lang="en-US" sz="1351" dirty="0">
                   <a:latin typeface="Calibri (Body)"/>
                 </a:rPr>
                 <a:t>0</a:t>
@@ -8077,7 +7639,7 @@
             <a:p>
               <a:pPr algn="ctr"/>
               <a:r>
-                <a:rPr lang="en-US" sz="1350" dirty="0">
+                <a:rPr lang="en-US" sz="1351" dirty="0">
                   <a:latin typeface="Calibri (Body)"/>
                 </a:rPr>
                 <a:t>3</a:t>
@@ -8122,7 +7684,7 @@
             <a:p>
               <a:pPr algn="ctr"/>
               <a:r>
-                <a:rPr lang="en-US" sz="1350" dirty="0">
+                <a:rPr lang="en-US" sz="1351" dirty="0">
                   <a:latin typeface="Calibri (Body)"/>
                 </a:rPr>
                 <a:t>9</a:t>
@@ -8167,7 +7729,7 @@
             <a:p>
               <a:pPr algn="ctr"/>
               <a:r>
-                <a:rPr lang="en-US" sz="1350" dirty="0">
+                <a:rPr lang="en-US" sz="1351" dirty="0">
                   <a:latin typeface="Calibri (Body)"/>
                 </a:rPr>
                 <a:t>A</a:t>
@@ -8210,7 +7772,7 @@
             <a:p>
               <a:pPr algn="ctr"/>
               <a:r>
-                <a:rPr lang="en-US" sz="1350" dirty="0">
+                <a:rPr lang="en-US" sz="1351" dirty="0">
                   <a:latin typeface="Calibri (Body)"/>
                 </a:rPr>
                 <a:t>8</a:t>
@@ -8253,7 +7815,7 @@
             <a:p>
               <a:pPr algn="ctr"/>
               <a:r>
-                <a:rPr lang="en-US" sz="1350" dirty="0">
+                <a:rPr lang="en-US" sz="1351" dirty="0">
                   <a:latin typeface="Calibri (Body)"/>
                 </a:rPr>
                 <a:t>7</a:t>
@@ -8297,7 +7859,7 @@
             <a:p>
               <a:pPr algn="ctr"/>
               <a:r>
-                <a:rPr lang="en-US" sz="1350" dirty="0">
+                <a:rPr lang="en-US" sz="1351" dirty="0">
                   <a:latin typeface="Calibri (Body)"/>
                 </a:rPr>
                 <a:t>6</a:t>
@@ -8342,7 +7904,7 @@
             <a:p>
               <a:pPr algn="ctr"/>
               <a:r>
-                <a:rPr lang="en-US" sz="1350" dirty="0">
+                <a:rPr lang="en-US" sz="1351" dirty="0">
                   <a:latin typeface="Calibri (Body)"/>
                 </a:rPr>
                 <a:t>5</a:t>
@@ -8392,7 +7954,7 @@
             <a:lstStyle/>
             <a:p>
               <a:pPr algn="ctr"/>
-              <a:endParaRPr lang="en-US" sz="1350">
+              <a:endParaRPr lang="en-US" sz="1351">
                 <a:latin typeface="Calibri (Body)"/>
               </a:endParaRPr>
             </a:p>
@@ -8440,7 +8002,7 @@
             <a:lstStyle/>
             <a:p>
               <a:pPr algn="ctr"/>
-              <a:endParaRPr lang="en-US" sz="1350">
+              <a:endParaRPr lang="en-US" sz="1351">
                 <a:latin typeface="Calibri (Body)"/>
               </a:endParaRPr>
             </a:p>
@@ -8488,7 +8050,7 @@
             <a:lstStyle/>
             <a:p>
               <a:pPr algn="ctr"/>
-              <a:endParaRPr lang="en-US" sz="1350">
+              <a:endParaRPr lang="en-US" sz="1351">
                 <a:latin typeface="Calibri (Body)"/>
               </a:endParaRPr>
             </a:p>
@@ -8505,7 +8067,7 @@
         </p:nvCxnSpPr>
         <p:spPr>
           <a:xfrm flipH="1" flipV="1">
-            <a:off x="1021557" y="4229151"/>
+            <a:off x="2125679" y="4247815"/>
             <a:ext cx="968864" cy="334687"/>
           </a:xfrm>
           <a:prstGeom prst="straightConnector1">
@@ -8538,7 +8100,7 @@
         </p:nvSpPr>
         <p:spPr>
           <a:xfrm>
-            <a:off x="390911" y="3928542"/>
+            <a:off x="1495035" y="3947206"/>
             <a:ext cx="592443" cy="1712665"/>
           </a:xfrm>
           <a:prstGeom prst="rect">
@@ -8564,25 +8126,25 @@
           <a:lstStyle/>
           <a:p>
             <a:pPr algn="ctr"/>
-            <a:endParaRPr lang="en-US" sz="1350" dirty="0">
+            <a:endParaRPr lang="en-US" sz="1351" dirty="0">
               <a:latin typeface="Calibri (Body)"/>
             </a:endParaRPr>
           </a:p>
           <a:p>
             <a:pPr algn="ctr"/>
-            <a:endParaRPr lang="en-US" sz="1350" dirty="0">
+            <a:endParaRPr lang="en-US" sz="1351" dirty="0">
               <a:latin typeface="Calibri (Body)"/>
             </a:endParaRPr>
           </a:p>
           <a:p>
             <a:pPr algn="ctr"/>
-            <a:endParaRPr lang="en-US" sz="1350" dirty="0">
+            <a:endParaRPr lang="en-US" sz="1351" dirty="0">
               <a:latin typeface="Calibri (Body)"/>
             </a:endParaRPr>
           </a:p>
           <a:p>
             <a:pPr algn="ctr"/>
-            <a:endParaRPr lang="en-US" sz="1350" dirty="0">
+            <a:endParaRPr lang="en-US" sz="1351" dirty="0">
               <a:latin typeface="Calibri (Body)"/>
             </a:endParaRPr>
           </a:p>
@@ -8598,7 +8160,7 @@
           <a:p>
             <a:pPr algn="ctr"/>
             <a:r>
-              <a:rPr lang="en-US" sz="1350" dirty="0">
+              <a:rPr lang="en-US" sz="1351" dirty="0">
                 <a:latin typeface="Calibri (Body)"/>
               </a:rPr>
               <a:t>03</a:t>
@@ -8607,7 +8169,7 @@
           <a:p>
             <a:pPr algn="ctr"/>
             <a:r>
-              <a:rPr lang="en-US" sz="1350" dirty="0">
+              <a:rPr lang="en-US" sz="1351" dirty="0">
                 <a:latin typeface="Calibri (Body)"/>
               </a:rPr>
               <a:t>01</a:t>
@@ -8616,7 +8178,7 @@
           <a:p>
             <a:pPr algn="ctr"/>
             <a:r>
-              <a:rPr lang="en-US" sz="1350" dirty="0">
+              <a:rPr lang="en-US" sz="1351" dirty="0">
                 <a:latin typeface="Calibri (Body)"/>
               </a:rPr>
               <a:t>-1</a:t>
@@ -8625,7 +8187,7 @@
           <a:p>
             <a:pPr algn="ctr"/>
             <a:r>
-              <a:rPr lang="en-US" sz="1350" dirty="0">
+              <a:rPr lang="en-US" sz="1351" dirty="0">
                 <a:latin typeface="Calibri (Body)"/>
               </a:rPr>
               <a:t>-1</a:t>
@@ -8634,7 +8196,7 @@
           <a:p>
             <a:pPr algn="ctr"/>
             <a:r>
-              <a:rPr lang="en-US" sz="1350" dirty="0">
+              <a:rPr lang="en-US" sz="1351" dirty="0">
                 <a:latin typeface="Calibri (Body)"/>
               </a:rPr>
               <a:t>-1</a:t>
@@ -8643,7 +8205,7 @@
           <a:p>
             <a:pPr algn="ctr"/>
             <a:r>
-              <a:rPr lang="en-US" sz="1350" dirty="0">
+              <a:rPr lang="en-US" sz="1351" dirty="0">
                 <a:latin typeface="Calibri (Body)"/>
               </a:rPr>
               <a:t>...</a:t>
@@ -8651,25 +8213,25 @@
           </a:p>
           <a:p>
             <a:pPr algn="ctr"/>
-            <a:endParaRPr lang="en-US" sz="1350" dirty="0">
+            <a:endParaRPr lang="en-US" sz="1351" dirty="0">
               <a:latin typeface="Calibri (Body)"/>
             </a:endParaRPr>
           </a:p>
           <a:p>
             <a:pPr algn="ctr"/>
-            <a:endParaRPr lang="en-US" sz="1350" dirty="0">
+            <a:endParaRPr lang="en-US" sz="1351" dirty="0">
               <a:latin typeface="Calibri (Body)"/>
             </a:endParaRPr>
           </a:p>
           <a:p>
             <a:pPr algn="ctr"/>
-            <a:endParaRPr lang="en-US" sz="1350" dirty="0">
+            <a:endParaRPr lang="en-US" sz="1351" dirty="0">
               <a:latin typeface="Calibri (Body)"/>
             </a:endParaRPr>
           </a:p>
           <a:p>
             <a:pPr algn="ctr"/>
-            <a:endParaRPr lang="en-US" sz="1350" dirty="0">
+            <a:endParaRPr lang="en-US" sz="1351" dirty="0">
               <a:latin typeface="Calibri (Body)"/>
             </a:endParaRPr>
           </a:p>
@@ -8685,7 +8247,7 @@
         </p:nvSpPr>
         <p:spPr>
           <a:xfrm>
-            <a:off x="4531931" y="5322851"/>
+            <a:off x="5636053" y="5341512"/>
             <a:ext cx="3360420" cy="548640"/>
           </a:xfrm>
           <a:prstGeom prst="rect">
@@ -8693,7 +8255,7 @@
           </a:prstGeom>
         </p:spPr>
         <p:txBody>
-          <a:bodyPr vert="horz" lIns="68580" tIns="34290" rIns="68580" bIns="34290" rtlCol="0">
+          <a:bodyPr vert="horz" lIns="68580" tIns="34291" rIns="68580" bIns="34291" rtlCol="0">
             <a:normAutofit/>
           </a:bodyPr>
           <a:lstStyle>
@@ -8944,53 +8506,53 @@
               <a:buNone/>
             </a:pPr>
             <a:r>
-              <a:rPr lang="en-US" sz="1350" b="1" i="1" dirty="0" err="1">
+              <a:rPr lang="en-US" sz="1351" b="1" i="1" dirty="0" err="1">
                 <a:latin typeface="Calibri (Body)"/>
               </a:rPr>
               <a:t>Kombinovana</a:t>
             </a:r>
             <a:r>
-              <a:rPr lang="en-US" sz="1350" b="1" i="1" dirty="0">
+              <a:rPr lang="en-US" sz="1351" b="1" i="1" dirty="0">
                 <a:latin typeface="Calibri (Body)"/>
               </a:rPr>
               <a:t> </a:t>
             </a:r>
             <a:r>
-              <a:rPr lang="en-US" sz="1350" b="1" i="1" dirty="0" err="1">
+              <a:rPr lang="en-US" sz="1351" b="1" i="1" dirty="0" err="1">
                 <a:latin typeface="Calibri (Body)"/>
               </a:rPr>
               <a:t>alokacija</a:t>
             </a:r>
             <a:r>
-              <a:rPr lang="en-US" sz="1350" b="1" i="1" dirty="0">
+              <a:rPr lang="en-US" sz="1351" b="1" i="1" dirty="0">
                 <a:latin typeface="Calibri (Body)"/>
               </a:rPr>
               <a:t/>
             </a:r>
             <a:br>
-              <a:rPr lang="en-US" sz="1350" b="1" i="1" dirty="0">
+              <a:rPr lang="en-US" sz="1351" b="1" i="1" dirty="0">
                 <a:latin typeface="Calibri (Body)"/>
               </a:rPr>
             </a:br>
             <a:r>
-              <a:rPr lang="en-US" sz="1350" b="1" i="1" dirty="0">
+              <a:rPr lang="en-US" sz="1351" b="1" i="1" dirty="0">
                 <a:latin typeface="Calibri (Body)"/>
               </a:rPr>
               <a:t>(</a:t>
             </a:r>
             <a:r>
-              <a:rPr lang="en-US" sz="1350" b="1" i="1" dirty="0" err="1">
+              <a:rPr lang="en-US" sz="1351" b="1" i="1" dirty="0" err="1">
                 <a:latin typeface="Calibri (Body)"/>
               </a:rPr>
               <a:t>mo</a:t>
             </a:r>
             <a:r>
-              <a:rPr lang="sr-Latn-RS" sz="1350" b="1" i="1" dirty="0">
+              <a:rPr lang="sr-Latn-RS" sz="1351" b="1" i="1" dirty="0">
                 <a:latin typeface="Calibri (Body)"/>
               </a:rPr>
               <a:t>že i u više nivoa ako je fajl veći)</a:t>
             </a:r>
-            <a:endParaRPr lang="en-US" sz="1350" b="1" i="1" dirty="0">
+            <a:endParaRPr lang="en-US" sz="1351" b="1" i="1" dirty="0">
               <a:latin typeface="Calibri (Body)"/>
             </a:endParaRPr>
           </a:p>
@@ -9004,7 +8566,7 @@
         </p:nvSpPr>
         <p:spPr>
           <a:xfrm>
-            <a:off x="6634760" y="3622614"/>
+            <a:off x="8470664" y="3651137"/>
             <a:ext cx="1009121" cy="485985"/>
           </a:xfrm>
           <a:prstGeom prst="rect">
@@ -9032,32 +8594,32 @@
           <a:lstStyle/>
           <a:p>
             <a:pPr algn="ctr"/>
-            <a:endParaRPr lang="en-US" sz="1350" dirty="0">
+            <a:endParaRPr lang="en-US" sz="1351" dirty="0">
               <a:latin typeface="Calibri (Body)"/>
             </a:endParaRPr>
           </a:p>
           <a:p>
             <a:pPr algn="ctr"/>
-            <a:endParaRPr lang="en-US" sz="1350" dirty="0">
+            <a:endParaRPr lang="en-US" sz="1351" dirty="0">
               <a:latin typeface="Calibri (Body)"/>
             </a:endParaRPr>
           </a:p>
           <a:p>
             <a:pPr algn="ctr"/>
-            <a:endParaRPr lang="en-US" sz="1350" dirty="0">
+            <a:endParaRPr lang="en-US" sz="1351" dirty="0">
               <a:latin typeface="Calibri (Body)"/>
             </a:endParaRPr>
           </a:p>
           <a:p>
             <a:pPr algn="ctr"/>
-            <a:endParaRPr lang="en-US" sz="1350" dirty="0">
+            <a:endParaRPr lang="en-US" sz="1351" dirty="0">
               <a:latin typeface="Calibri (Body)"/>
             </a:endParaRPr>
           </a:p>
           <a:p>
             <a:pPr algn="ctr"/>
             <a:r>
-              <a:rPr lang="en-US" sz="1350" dirty="0">
+              <a:rPr lang="en-US" sz="1351" dirty="0">
                 <a:latin typeface="Calibri (Body)"/>
               </a:rPr>
               <a:t>FCB</a:t>
@@ -9066,36 +8628,36 @@
           <a:p>
             <a:pPr algn="ctr"/>
             <a:r>
-              <a:rPr lang="en-US" sz="1050" dirty="0">
+              <a:rPr lang="en-US" sz="1051" dirty="0">
                 <a:latin typeface="Calibri (Body)"/>
               </a:rPr>
               <a:t>...</a:t>
             </a:r>
-            <a:endParaRPr lang="en-US" sz="1350" dirty="0">
+            <a:endParaRPr lang="en-US" sz="1351" dirty="0">
               <a:latin typeface="Calibri (Body)"/>
             </a:endParaRPr>
           </a:p>
           <a:p>
             <a:pPr algn="ctr"/>
-            <a:endParaRPr lang="en-US" sz="1350" dirty="0">
+            <a:endParaRPr lang="en-US" sz="1351" dirty="0">
               <a:latin typeface="Calibri (Body)"/>
             </a:endParaRPr>
           </a:p>
           <a:p>
             <a:pPr algn="ctr"/>
-            <a:endParaRPr lang="en-US" sz="1350" dirty="0">
+            <a:endParaRPr lang="en-US" sz="1351" dirty="0">
               <a:latin typeface="Calibri (Body)"/>
             </a:endParaRPr>
           </a:p>
           <a:p>
             <a:pPr algn="ctr"/>
-            <a:endParaRPr lang="en-US" sz="1350" dirty="0">
+            <a:endParaRPr lang="en-US" sz="1351" dirty="0">
               <a:latin typeface="Calibri (Body)"/>
             </a:endParaRPr>
           </a:p>
           <a:p>
             <a:pPr algn="ctr"/>
-            <a:endParaRPr lang="en-US" sz="1350" dirty="0">
+            <a:endParaRPr lang="en-US" sz="1351" dirty="0">
               <a:latin typeface="Calibri (Body)"/>
             </a:endParaRPr>
           </a:p>
@@ -9109,8 +8671,8 @@
         </p:nvGrpSpPr>
         <p:grpSpPr>
           <a:xfrm>
-            <a:off x="4521996" y="3507158"/>
-            <a:ext cx="1871663" cy="1778198"/>
+            <a:off x="6357900" y="3535678"/>
+            <a:ext cx="1871663" cy="1778199"/>
             <a:chOff x="6029328" y="3533211"/>
             <a:chExt cx="2495550" cy="2370930"/>
           </a:xfrm>
@@ -9151,7 +8713,7 @@
             <a:lstStyle/>
             <a:p>
               <a:pPr algn="ctr"/>
-              <a:endParaRPr lang="en-US" sz="1350">
+              <a:endParaRPr lang="en-US" sz="1351">
                 <a:latin typeface="Calibri (Body)"/>
               </a:endParaRPr>
             </a:p>
@@ -9194,7 +8756,7 @@
             <a:p>
               <a:pPr algn="ctr"/>
               <a:r>
-                <a:rPr lang="en-US" sz="1350" dirty="0">
+                <a:rPr lang="en-US" sz="1351" dirty="0">
                   <a:latin typeface="Calibri (Body)"/>
                 </a:rPr>
                 <a:t>4</a:t>
@@ -9239,7 +8801,7 @@
             <a:p>
               <a:pPr algn="ctr"/>
               <a:r>
-                <a:rPr lang="en-US" sz="1350" dirty="0">
+                <a:rPr lang="en-US" sz="1351" dirty="0">
                   <a:latin typeface="Calibri (Body)"/>
                 </a:rPr>
                 <a:t>1</a:t>
@@ -9284,7 +8846,7 @@
             <a:p>
               <a:pPr algn="ctr"/>
               <a:r>
-                <a:rPr lang="en-US" sz="1350" dirty="0">
+                <a:rPr lang="en-US" sz="1351" dirty="0">
                   <a:latin typeface="Calibri (Body)"/>
                 </a:rPr>
                 <a:t>2</a:t>
@@ -9329,7 +8891,7 @@
             <a:p>
               <a:pPr algn="ctr"/>
               <a:r>
-                <a:rPr lang="en-US" sz="1350" dirty="0">
+                <a:rPr lang="en-US" sz="1351" dirty="0">
                   <a:latin typeface="Calibri (Body)"/>
                 </a:rPr>
                 <a:t>0</a:t>
@@ -9374,7 +8936,7 @@
             <a:p>
               <a:pPr algn="ctr"/>
               <a:r>
-                <a:rPr lang="en-US" sz="1350" dirty="0">
+                <a:rPr lang="en-US" sz="1351" dirty="0">
                   <a:latin typeface="Calibri (Body)"/>
                 </a:rPr>
                 <a:t>3</a:t>
@@ -9419,7 +8981,7 @@
             <a:p>
               <a:pPr algn="ctr"/>
               <a:r>
-                <a:rPr lang="en-US" sz="1350" dirty="0">
+                <a:rPr lang="en-US" sz="1351" dirty="0">
                   <a:latin typeface="Calibri (Body)"/>
                 </a:rPr>
                 <a:t>9</a:t>
@@ -9464,7 +9026,7 @@
             <a:p>
               <a:pPr algn="ctr"/>
               <a:r>
-                <a:rPr lang="en-US" sz="1350" dirty="0">
+                <a:rPr lang="en-US" sz="1351" dirty="0">
                   <a:latin typeface="Calibri (Body)"/>
                 </a:rPr>
                 <a:t>A</a:t>
@@ -9509,7 +9071,7 @@
             <a:p>
               <a:pPr algn="ctr"/>
               <a:r>
-                <a:rPr lang="en-US" sz="1350" dirty="0">
+                <a:rPr lang="en-US" sz="1351" dirty="0">
                   <a:latin typeface="Calibri (Body)"/>
                 </a:rPr>
                 <a:t>8</a:t>
@@ -9554,7 +9116,7 @@
             <a:p>
               <a:pPr algn="ctr"/>
               <a:r>
-                <a:rPr lang="en-US" sz="1350" dirty="0">
+                <a:rPr lang="en-US" sz="1351" dirty="0">
                   <a:latin typeface="Calibri (Body)"/>
                 </a:rPr>
                 <a:t>7</a:t>
@@ -9599,7 +9161,7 @@
             <a:p>
               <a:pPr algn="ctr"/>
               <a:r>
-                <a:rPr lang="en-US" sz="1350" dirty="0">
+                <a:rPr lang="en-US" sz="1351" dirty="0">
                   <a:latin typeface="Calibri (Body)"/>
                 </a:rPr>
                 <a:t>6</a:t>
@@ -9644,7 +9206,7 @@
             <a:p>
               <a:pPr algn="ctr"/>
               <a:r>
-                <a:rPr lang="en-US" sz="1350" dirty="0">
+                <a:rPr lang="en-US" sz="1351" dirty="0">
                   <a:latin typeface="Calibri (Body)"/>
                 </a:rPr>
                 <a:t>5</a:t>
@@ -9694,7 +9256,7 @@
             <a:lstStyle/>
             <a:p>
               <a:pPr algn="ctr"/>
-              <a:endParaRPr lang="en-US" sz="1350">
+              <a:endParaRPr lang="en-US" sz="1351">
                 <a:latin typeface="Calibri (Body)"/>
               </a:endParaRPr>
             </a:p>
@@ -9742,7 +9304,7 @@
             <a:lstStyle/>
             <a:p>
               <a:pPr algn="ctr"/>
-              <a:endParaRPr lang="en-US" sz="1350">
+              <a:endParaRPr lang="en-US" sz="1351">
                 <a:latin typeface="Calibri (Body)"/>
               </a:endParaRPr>
             </a:p>
@@ -9790,7 +9352,7 @@
             <a:lstStyle/>
             <a:p>
               <a:pPr algn="ctr"/>
-              <a:endParaRPr lang="en-US" sz="1350">
+              <a:endParaRPr lang="en-US" sz="1351">
                 <a:latin typeface="Calibri (Body)"/>
               </a:endParaRPr>
             </a:p>
@@ -9805,7 +9367,7 @@
         </p:nvSpPr>
         <p:spPr>
           <a:xfrm>
-            <a:off x="6634760" y="4108599"/>
+            <a:off x="8470664" y="4137121"/>
             <a:ext cx="1009121" cy="728267"/>
           </a:xfrm>
           <a:prstGeom prst="rect">
@@ -9834,7 +9396,7 @@
           <a:p>
             <a:pPr algn="ctr"/>
             <a:r>
-              <a:rPr lang="en-US" sz="1350" dirty="0">
+              <a:rPr lang="en-US" sz="1351" dirty="0">
                 <a:latin typeface="Calibri (Body)"/>
               </a:rPr>
               <a:t>03</a:t>
@@ -9843,7 +9405,7 @@
           <a:p>
             <a:pPr algn="ctr"/>
             <a:r>
-              <a:rPr lang="en-US" sz="1350" dirty="0">
+              <a:rPr lang="en-US" sz="1351" dirty="0">
                 <a:latin typeface="Calibri (Body)"/>
               </a:rPr>
               <a:t>01</a:t>
@@ -9852,7 +9414,7 @@
           <a:p>
             <a:pPr algn="ctr"/>
             <a:r>
-              <a:rPr lang="en-US" sz="1350" dirty="0">
+              <a:rPr lang="en-US" sz="1351" dirty="0">
                 <a:latin typeface="Calibri (Body)"/>
               </a:rPr>
               <a:t>-1</a:t>
@@ -9868,7 +9430,7 @@
         </p:nvSpPr>
         <p:spPr>
           <a:xfrm>
-            <a:off x="6634760" y="4836866"/>
+            <a:off x="8470664" y="4865388"/>
             <a:ext cx="1009121" cy="250203"/>
           </a:xfrm>
           <a:prstGeom prst="rect">
@@ -9897,7 +9459,7 @@
           <a:p>
             <a:pPr algn="ctr"/>
             <a:r>
-              <a:rPr lang="en-US" sz="1350" dirty="0">
+              <a:rPr lang="en-US" sz="1351" dirty="0">
                 <a:latin typeface="Calibri (Body)"/>
               </a:rPr>
               <a:t>...</a:t>
@@ -9917,7 +9479,9 @@
         </p:nvSpPr>
         <p:spPr/>
         <p:txBody>
-          <a:bodyPr/>
+          <a:bodyPr>
+            <a:normAutofit fontScale="70000" lnSpcReduction="20000"/>
+          </a:bodyPr>
           <a:lstStyle/>
           <a:p>
             <a:fld id="{49F83D39-FACF-43C7-9C4E-3C002A13A54D}" type="slidenum">
@@ -10626,7 +10190,7 @@
         </p:nvSpPr>
         <p:spPr>
           <a:xfrm>
-            <a:off x="946403" y="1828801"/>
+            <a:off x="1271597" y="1691322"/>
             <a:ext cx="6851569" cy="4351337"/>
           </a:xfrm>
         </p:spPr>
@@ -10716,6 +10280,36 @@
               <a:buNone/>
             </a:pPr>
             <a:endParaRPr lang="sr-Latn-RS" dirty="0" smtClean="0"/>
+          </a:p>
+        </p:txBody>
+      </p:sp>
+      <p:sp>
+        <p:nvSpPr>
+          <p:cNvPr id="6" name="Slide Number Placeholder 5"/>
+          <p:cNvSpPr>
+            <a:spLocks noGrp="1"/>
+          </p:cNvSpPr>
+          <p:nvPr>
+            <p:ph type="sldNum" sz="quarter" idx="12"/>
+          </p:nvPr>
+        </p:nvSpPr>
+        <p:spPr/>
+        <p:txBody>
+          <a:bodyPr>
+            <a:normAutofit fontScale="77500" lnSpcReduction="20000"/>
+          </a:bodyPr>
+          <a:lstStyle/>
+          <a:p>
+            <a:fld id="{49F83D39-FACF-43C7-9C4E-3C002A13A54D}" type="slidenum">
+              <a:rPr lang="en-US" smtClean="0"/>
+              <a:pPr/>
+              <a:t>11</a:t>
+            </a:fld>
+            <a:r>
+              <a:rPr lang="en-US" smtClean="0"/>
+              <a:t>/17</a:t>
+            </a:r>
+            <a:endParaRPr lang="en-US" dirty="0"/>
           </a:p>
         </p:txBody>
       </p:sp>
@@ -10727,8 +10321,8 @@
         </p:nvGrpSpPr>
         <p:grpSpPr>
           <a:xfrm>
-            <a:off x="6344221" y="3993059"/>
-            <a:ext cx="1871663" cy="1778198"/>
+            <a:off x="7868223" y="3993059"/>
+            <a:ext cx="1871663" cy="1778199"/>
             <a:chOff x="4625975" y="4156870"/>
             <a:chExt cx="2495550" cy="2370930"/>
           </a:xfrm>
@@ -10769,7 +10363,7 @@
             <a:lstStyle/>
             <a:p>
               <a:pPr algn="ctr"/>
-              <a:endParaRPr lang="en-US" sz="1350">
+              <a:endParaRPr lang="en-US" sz="1351">
                 <a:latin typeface="Calibri (Body)"/>
               </a:endParaRPr>
             </a:p>
@@ -10812,7 +10406,7 @@
             <a:p>
               <a:pPr algn="ctr"/>
               <a:r>
-                <a:rPr lang="en-US" sz="1350" dirty="0">
+                <a:rPr lang="en-US" sz="1351" dirty="0">
                   <a:latin typeface="Calibri (Body)"/>
                 </a:rPr>
                 <a:t>4</a:t>
@@ -10857,7 +10451,7 @@
             <a:p>
               <a:pPr algn="ctr"/>
               <a:r>
-                <a:rPr lang="en-US" sz="1350" dirty="0">
+                <a:rPr lang="en-US" sz="1351" dirty="0">
                   <a:latin typeface="Calibri (Body)"/>
                 </a:rPr>
                 <a:t>1</a:t>
@@ -10902,7 +10496,7 @@
             <a:p>
               <a:pPr algn="ctr"/>
               <a:r>
-                <a:rPr lang="en-US" sz="1350" dirty="0">
+                <a:rPr lang="en-US" sz="1351" dirty="0">
                   <a:latin typeface="Calibri (Body)"/>
                 </a:rPr>
                 <a:t>2</a:t>
@@ -10947,7 +10541,7 @@
             <a:p>
               <a:pPr algn="ctr"/>
               <a:r>
-                <a:rPr lang="en-US" sz="1350" dirty="0">
+                <a:rPr lang="en-US" sz="1351" dirty="0">
                   <a:latin typeface="Calibri (Body)"/>
                 </a:rPr>
                 <a:t>0</a:t>
@@ -10992,7 +10586,7 @@
             <a:p>
               <a:pPr algn="ctr"/>
               <a:r>
-                <a:rPr lang="en-US" sz="1350" dirty="0">
+                <a:rPr lang="en-US" sz="1351" dirty="0">
                   <a:latin typeface="Calibri (Body)"/>
                 </a:rPr>
                 <a:t>3</a:t>
@@ -11037,7 +10631,7 @@
             <a:p>
               <a:pPr algn="ctr"/>
               <a:r>
-                <a:rPr lang="en-US" sz="1350" dirty="0">
+                <a:rPr lang="en-US" sz="1351" dirty="0">
                   <a:latin typeface="Calibri (Body)"/>
                 </a:rPr>
                 <a:t>9</a:t>
@@ -11080,7 +10674,7 @@
             <a:p>
               <a:pPr algn="ctr"/>
               <a:r>
-                <a:rPr lang="en-US" sz="1350" dirty="0">
+                <a:rPr lang="en-US" sz="1351" dirty="0">
                   <a:latin typeface="Calibri (Body)"/>
                 </a:rPr>
                 <a:t>A</a:t>
@@ -11125,7 +10719,7 @@
             <a:p>
               <a:pPr algn="ctr"/>
               <a:r>
-                <a:rPr lang="en-US" sz="1350" dirty="0">
+                <a:rPr lang="en-US" sz="1351" dirty="0">
                   <a:latin typeface="Calibri (Body)"/>
                 </a:rPr>
                 <a:t>8</a:t>
@@ -11170,7 +10764,7 @@
             <a:p>
               <a:pPr algn="ctr"/>
               <a:r>
-                <a:rPr lang="en-US" sz="1350" dirty="0">
+                <a:rPr lang="en-US" sz="1351" dirty="0">
                   <a:latin typeface="Calibri (Body)"/>
                 </a:rPr>
                 <a:t>7</a:t>
@@ -11215,7 +10809,7 @@
             <a:p>
               <a:pPr algn="ctr"/>
               <a:r>
-                <a:rPr lang="en-US" sz="1350" dirty="0">
+                <a:rPr lang="en-US" sz="1351" dirty="0">
                   <a:latin typeface="Calibri (Body)"/>
                 </a:rPr>
                 <a:t>6</a:t>
@@ -11260,7 +10854,7 @@
             <a:p>
               <a:pPr algn="ctr"/>
               <a:r>
-                <a:rPr lang="en-US" sz="1350" dirty="0">
+                <a:rPr lang="en-US" sz="1351" dirty="0">
                   <a:latin typeface="Calibri (Body)"/>
                 </a:rPr>
                 <a:t>5</a:t>
@@ -11310,7 +10904,7 @@
             <a:lstStyle/>
             <a:p>
               <a:pPr algn="ctr"/>
-              <a:endParaRPr lang="en-US" sz="1350">
+              <a:endParaRPr lang="en-US" sz="1351">
                 <a:latin typeface="Calibri (Body)"/>
               </a:endParaRPr>
             </a:p>
@@ -11358,7 +10952,7 @@
             <a:lstStyle/>
             <a:p>
               <a:pPr algn="ctr"/>
-              <a:endParaRPr lang="en-US" sz="1350">
+              <a:endParaRPr lang="en-US" sz="1351">
                 <a:latin typeface="Calibri (Body)"/>
               </a:endParaRPr>
             </a:p>
@@ -11406,7 +11000,7 @@
             <a:lstStyle/>
             <a:p>
               <a:pPr algn="ctr"/>
-              <a:endParaRPr lang="en-US" sz="1350">
+              <a:endParaRPr lang="en-US" sz="1351">
                 <a:latin typeface="Calibri (Body)"/>
               </a:endParaRPr>
             </a:p>
@@ -11424,8 +11018,8 @@
         </p:nvCxnSpPr>
         <p:spPr>
           <a:xfrm rot="5400000" flipH="1" flipV="1">
-            <a:off x="6961319" y="4335123"/>
-            <a:ext cx="9525" cy="637466"/>
+            <a:off x="8485320" y="4335123"/>
+            <a:ext cx="9525" cy="637467"/>
           </a:xfrm>
           <a:prstGeom prst="curvedConnector3">
             <a:avLst>
@@ -11462,7 +11056,7 @@
         </p:nvCxnSpPr>
         <p:spPr>
           <a:xfrm rot="5400000">
-            <a:off x="6906286" y="4627573"/>
+            <a:off x="8430287" y="4627573"/>
             <a:ext cx="106384" cy="641152"/>
           </a:xfrm>
           <a:prstGeom prst="curvedConnector3">
@@ -11498,7 +11092,7 @@
         </p:nvCxnSpPr>
         <p:spPr>
           <a:xfrm rot="16200000" flipV="1">
-            <a:off x="7276928" y="4336406"/>
+            <a:off x="8800929" y="4336409"/>
             <a:ext cx="6251" cy="641151"/>
           </a:xfrm>
           <a:prstGeom prst="curvedConnector3">
@@ -11535,8 +11129,8 @@
         </p:nvCxnSpPr>
         <p:spPr>
           <a:xfrm flipH="1" flipV="1">
-            <a:off x="4937988" y="4378302"/>
-            <a:ext cx="1580361" cy="1078630"/>
+            <a:off x="6461990" y="4378302"/>
+            <a:ext cx="1580361" cy="1078631"/>
           </a:xfrm>
           <a:prstGeom prst="straightConnector1">
             <a:avLst/>
@@ -11568,7 +11162,7 @@
         </p:nvSpPr>
         <p:spPr>
           <a:xfrm>
-            <a:off x="3617074" y="4369715"/>
+            <a:off x="5141077" y="4369718"/>
             <a:ext cx="1233761" cy="250031"/>
           </a:xfrm>
           <a:prstGeom prst="rect">
@@ -11597,7 +11191,7 @@
           <a:p>
             <a:pPr algn="ctr"/>
             <a:r>
-              <a:rPr lang="en-US" sz="1350" dirty="0">
+              <a:rPr lang="en-US" sz="1351" dirty="0">
                 <a:latin typeface="Calibri (Body)"/>
               </a:rPr>
               <a:t>2</a:t>
@@ -11613,7 +11207,7 @@
         </p:nvSpPr>
         <p:spPr>
           <a:xfrm>
-            <a:off x="3617074" y="4619746"/>
+            <a:off x="5141077" y="4619749"/>
             <a:ext cx="1233761" cy="250031"/>
           </a:xfrm>
           <a:prstGeom prst="rect">
@@ -11642,7 +11236,7 @@
           <a:p>
             <a:pPr algn="ctr"/>
             <a:r>
-              <a:rPr lang="en-US" sz="1350" dirty="0">
+              <a:rPr lang="en-US" sz="1351" dirty="0">
                 <a:latin typeface="Calibri (Body)"/>
               </a:rPr>
               <a:t>-1</a:t>
@@ -11658,7 +11252,7 @@
         </p:nvSpPr>
         <p:spPr>
           <a:xfrm>
-            <a:off x="3617074" y="4869777"/>
+            <a:off x="5141077" y="4869779"/>
             <a:ext cx="1233761" cy="250031"/>
           </a:xfrm>
           <a:prstGeom prst="rect">
@@ -11687,7 +11281,7 @@
           <a:p>
             <a:pPr algn="ctr"/>
             <a:r>
-              <a:rPr lang="en-US" sz="1350" dirty="0">
+              <a:rPr lang="en-US" sz="1351" dirty="0">
                 <a:latin typeface="Calibri (Body)"/>
               </a:rPr>
               <a:t>5</a:t>
@@ -11703,7 +11297,7 @@
         </p:nvSpPr>
         <p:spPr>
           <a:xfrm>
-            <a:off x="3617074" y="5119808"/>
+            <a:off x="5141077" y="5119810"/>
             <a:ext cx="1233761" cy="250031"/>
           </a:xfrm>
           <a:prstGeom prst="rect">
@@ -11732,7 +11326,7 @@
           <a:p>
             <a:pPr algn="ctr"/>
             <a:r>
-              <a:rPr lang="en-US" sz="1350" dirty="0">
+              <a:rPr lang="en-US" sz="1351" dirty="0">
                 <a:latin typeface="Calibri (Body)"/>
               </a:rPr>
               <a:t>1</a:t>
@@ -11748,7 +11342,7 @@
         </p:nvSpPr>
         <p:spPr>
           <a:xfrm>
-            <a:off x="3617074" y="5369840"/>
+            <a:off x="5141077" y="5369842"/>
             <a:ext cx="1233761" cy="250031"/>
           </a:xfrm>
           <a:prstGeom prst="rect">
@@ -11777,7 +11371,7 @@
           <a:p>
             <a:pPr algn="ctr"/>
             <a:r>
-              <a:rPr lang="en-US" sz="1350" dirty="0">
+              <a:rPr lang="en-US" sz="1351" dirty="0">
                 <a:latin typeface="Calibri (Body)"/>
               </a:rPr>
               <a:t>-1</a:t>
@@ -11793,7 +11387,7 @@
         </p:nvSpPr>
         <p:spPr>
           <a:xfrm>
-            <a:off x="3617074" y="5619871"/>
+            <a:off x="5141077" y="5619874"/>
             <a:ext cx="1233761" cy="250031"/>
           </a:xfrm>
           <a:prstGeom prst="rect">
@@ -11822,7 +11416,7 @@
           <a:p>
             <a:pPr algn="ctr"/>
             <a:r>
-              <a:rPr lang="en-US" sz="1350" dirty="0">
+              <a:rPr lang="en-US" sz="1351" dirty="0">
                 <a:latin typeface="Calibri (Body)"/>
               </a:rPr>
               <a:t>-1</a:t>
@@ -11838,7 +11432,7 @@
         </p:nvSpPr>
         <p:spPr>
           <a:xfrm>
-            <a:off x="3617074" y="5869902"/>
+            <a:off x="5141077" y="5869905"/>
             <a:ext cx="1233761" cy="250031"/>
           </a:xfrm>
           <a:prstGeom prst="rect">
@@ -11867,7 +11461,7 @@
           <a:p>
             <a:pPr algn="ctr"/>
             <a:r>
-              <a:rPr lang="en-US" sz="1350" dirty="0">
+              <a:rPr lang="en-US" sz="1351" dirty="0">
                 <a:latin typeface="Calibri (Body)"/>
               </a:rPr>
               <a:t>-7</a:t>
@@ -11883,7 +11477,7 @@
         </p:nvSpPr>
         <p:spPr>
           <a:xfrm>
-            <a:off x="3318252" y="4369715"/>
+            <a:off x="4842254" y="4369718"/>
             <a:ext cx="278765" cy="250031"/>
           </a:xfrm>
           <a:prstGeom prst="rect">
@@ -11912,7 +11506,7 @@
           <a:p>
             <a:pPr algn="ctr"/>
             <a:r>
-              <a:rPr lang="en-US" sz="1350" dirty="0">
+              <a:rPr lang="en-US" sz="1351" dirty="0">
                 <a:latin typeface="Calibri (Body)"/>
               </a:rPr>
               <a:t>0</a:t>
@@ -11928,7 +11522,7 @@
         </p:nvSpPr>
         <p:spPr>
           <a:xfrm>
-            <a:off x="3318252" y="4619746"/>
+            <a:off x="4842254" y="4619749"/>
             <a:ext cx="278765" cy="250031"/>
           </a:xfrm>
           <a:prstGeom prst="rect">
@@ -11957,7 +11551,7 @@
           <a:p>
             <a:pPr algn="ctr"/>
             <a:r>
-              <a:rPr lang="en-US" sz="1350" dirty="0">
+              <a:rPr lang="en-US" sz="1351" dirty="0">
                 <a:latin typeface="Calibri (Body)"/>
               </a:rPr>
               <a:t>1</a:t>
@@ -11973,7 +11567,7 @@
         </p:nvSpPr>
         <p:spPr>
           <a:xfrm>
-            <a:off x="3318252" y="4869777"/>
+            <a:off x="4842254" y="4869779"/>
             <a:ext cx="278765" cy="250031"/>
           </a:xfrm>
           <a:prstGeom prst="rect">
@@ -12002,7 +11596,7 @@
           <a:p>
             <a:pPr algn="ctr"/>
             <a:r>
-              <a:rPr lang="en-US" sz="1350" dirty="0">
+              <a:rPr lang="en-US" sz="1351" dirty="0">
                 <a:latin typeface="Calibri (Body)"/>
               </a:rPr>
               <a:t>2</a:t>
@@ -12018,7 +11612,7 @@
         </p:nvSpPr>
         <p:spPr>
           <a:xfrm>
-            <a:off x="3318252" y="5119808"/>
+            <a:off x="4842254" y="5119810"/>
             <a:ext cx="278765" cy="250031"/>
           </a:xfrm>
           <a:prstGeom prst="rect">
@@ -12047,7 +11641,7 @@
           <a:p>
             <a:pPr algn="ctr"/>
             <a:r>
-              <a:rPr lang="en-US" sz="1350" dirty="0">
+              <a:rPr lang="en-US" sz="1351" dirty="0">
                 <a:latin typeface="Calibri (Body)"/>
               </a:rPr>
               <a:t>3</a:t>
@@ -12063,7 +11657,7 @@
         </p:nvSpPr>
         <p:spPr>
           <a:xfrm>
-            <a:off x="3318252" y="5369840"/>
+            <a:off x="4842254" y="5369842"/>
             <a:ext cx="278765" cy="250031"/>
           </a:xfrm>
           <a:prstGeom prst="rect">
@@ -12092,7 +11686,7 @@
           <a:p>
             <a:pPr algn="ctr"/>
             <a:r>
-              <a:rPr lang="en-US" sz="1350" dirty="0">
+              <a:rPr lang="en-US" sz="1351" dirty="0">
                 <a:latin typeface="Calibri (Body)"/>
               </a:rPr>
               <a:t>4</a:t>
@@ -12108,7 +11702,7 @@
         </p:nvSpPr>
         <p:spPr>
           <a:xfrm>
-            <a:off x="3318252" y="5619871"/>
+            <a:off x="4842254" y="5619874"/>
             <a:ext cx="278765" cy="250031"/>
           </a:xfrm>
           <a:prstGeom prst="rect">
@@ -12137,7 +11731,7 @@
           <a:p>
             <a:pPr algn="ctr"/>
             <a:r>
-              <a:rPr lang="en-US" sz="1350" dirty="0">
+              <a:rPr lang="en-US" sz="1351" dirty="0">
                 <a:latin typeface="Calibri (Body)"/>
               </a:rPr>
               <a:t>5</a:t>
@@ -12153,7 +11747,7 @@
         </p:nvSpPr>
         <p:spPr>
           <a:xfrm>
-            <a:off x="3318252" y="5869902"/>
+            <a:off x="4842254" y="5869905"/>
             <a:ext cx="278765" cy="250031"/>
           </a:xfrm>
           <a:prstGeom prst="rect">
@@ -12182,7 +11776,7 @@
           <a:p>
             <a:pPr algn="ctr"/>
             <a:r>
-              <a:rPr lang="en-US" sz="1350" dirty="0">
+              <a:rPr lang="en-US" sz="1351" dirty="0">
                 <a:latin typeface="Calibri (Body)"/>
               </a:rPr>
               <a:t>6</a:t>
@@ -12198,7 +11792,7 @@
         </p:nvSpPr>
         <p:spPr>
           <a:xfrm>
-            <a:off x="952562" y="4378302"/>
+            <a:off x="2476565" y="4378304"/>
             <a:ext cx="1009121" cy="770379"/>
           </a:xfrm>
           <a:prstGeom prst="rect">
@@ -12226,32 +11820,32 @@
           <a:lstStyle/>
           <a:p>
             <a:pPr algn="ctr"/>
-            <a:endParaRPr lang="en-US" sz="1350" dirty="0">
+            <a:endParaRPr lang="en-US" sz="1351" dirty="0">
               <a:latin typeface="Calibri (Body)"/>
             </a:endParaRPr>
           </a:p>
           <a:p>
             <a:pPr algn="ctr"/>
-            <a:endParaRPr lang="en-US" sz="1350" dirty="0">
+            <a:endParaRPr lang="en-US" sz="1351" dirty="0">
               <a:latin typeface="Calibri (Body)"/>
             </a:endParaRPr>
           </a:p>
           <a:p>
             <a:pPr algn="ctr"/>
-            <a:endParaRPr lang="en-US" sz="1350" dirty="0">
+            <a:endParaRPr lang="en-US" sz="1351" dirty="0">
               <a:latin typeface="Calibri (Body)"/>
             </a:endParaRPr>
           </a:p>
           <a:p>
             <a:pPr algn="ctr"/>
-            <a:endParaRPr lang="en-US" sz="1350" dirty="0">
+            <a:endParaRPr lang="en-US" sz="1351" dirty="0">
               <a:latin typeface="Calibri (Body)"/>
             </a:endParaRPr>
           </a:p>
           <a:p>
             <a:pPr algn="ctr"/>
             <a:r>
-              <a:rPr lang="en-US" sz="1350" dirty="0">
+              <a:rPr lang="en-US" sz="1351" dirty="0">
                 <a:latin typeface="Calibri (Body)"/>
               </a:rPr>
               <a:t>FCB</a:t>
@@ -12260,19 +11854,19 @@
           <a:p>
             <a:pPr algn="ctr"/>
             <a:r>
-              <a:rPr lang="en-US" sz="1050" dirty="0" err="1" smtClean="0">
+              <a:rPr lang="en-US" sz="1051" dirty="0" err="1">
                 <a:latin typeface="Calibri (Body)"/>
               </a:rPr>
               <a:t>head_idx</a:t>
             </a:r>
             <a:r>
-              <a:rPr lang="en-US" sz="1050" dirty="0" smtClean="0">
+              <a:rPr lang="en-US" sz="1051" dirty="0">
                 <a:latin typeface="Calibri (Body)"/>
               </a:rPr>
               <a:t> </a:t>
             </a:r>
             <a:r>
-              <a:rPr lang="en-US" sz="1050" dirty="0">
+              <a:rPr lang="en-US" sz="1051" dirty="0">
                 <a:latin typeface="Calibri (Body)"/>
               </a:rPr>
               <a:t>= 3</a:t>
@@ -12281,42 +11875,42 @@
           <a:p>
             <a:pPr algn="ctr"/>
             <a:r>
-              <a:rPr lang="en-US" sz="1050" dirty="0">
+              <a:rPr lang="en-US" sz="1051" dirty="0">
                 <a:latin typeface="Calibri (Body)"/>
               </a:rPr>
               <a:t>size = 2 </a:t>
             </a:r>
             <a:r>
-              <a:rPr lang="en-US" sz="1050" dirty="0" err="1">
+              <a:rPr lang="en-US" sz="1051" dirty="0" err="1">
                 <a:latin typeface="Calibri (Body)"/>
               </a:rPr>
               <a:t>blks</a:t>
             </a:r>
-            <a:endParaRPr lang="en-US" sz="1350" dirty="0">
+            <a:endParaRPr lang="en-US" sz="1351" dirty="0">
               <a:latin typeface="Calibri (Body)"/>
             </a:endParaRPr>
           </a:p>
           <a:p>
             <a:pPr algn="ctr"/>
-            <a:endParaRPr lang="en-US" sz="1350" dirty="0">
+            <a:endParaRPr lang="en-US" sz="1351" dirty="0">
               <a:latin typeface="Calibri (Body)"/>
             </a:endParaRPr>
           </a:p>
           <a:p>
             <a:pPr algn="ctr"/>
-            <a:endParaRPr lang="en-US" sz="1350" dirty="0">
+            <a:endParaRPr lang="en-US" sz="1351" dirty="0">
               <a:latin typeface="Calibri (Body)"/>
             </a:endParaRPr>
           </a:p>
           <a:p>
             <a:pPr algn="ctr"/>
-            <a:endParaRPr lang="en-US" sz="1350" dirty="0">
+            <a:endParaRPr lang="en-US" sz="1351" dirty="0">
               <a:latin typeface="Calibri (Body)"/>
             </a:endParaRPr>
           </a:p>
           <a:p>
             <a:pPr algn="ctr"/>
-            <a:endParaRPr lang="en-US" sz="1350" dirty="0">
+            <a:endParaRPr lang="en-US" sz="1351" dirty="0">
               <a:latin typeface="Calibri (Body)"/>
             </a:endParaRPr>
           </a:p>
@@ -12330,7 +11924,7 @@
         </p:nvSpPr>
         <p:spPr>
           <a:xfrm>
-            <a:off x="2093365" y="4378302"/>
+            <a:off x="3617368" y="4378304"/>
             <a:ext cx="1009121" cy="770379"/>
           </a:xfrm>
           <a:prstGeom prst="rect">
@@ -12358,32 +11952,32 @@
           <a:lstStyle/>
           <a:p>
             <a:pPr algn="ctr"/>
-            <a:endParaRPr lang="en-US" sz="1350" dirty="0">
+            <a:endParaRPr lang="en-US" sz="1351" dirty="0">
               <a:latin typeface="Calibri (Body)"/>
             </a:endParaRPr>
           </a:p>
           <a:p>
             <a:pPr algn="ctr"/>
-            <a:endParaRPr lang="en-US" sz="1350" dirty="0">
+            <a:endParaRPr lang="en-US" sz="1351" dirty="0">
               <a:latin typeface="Calibri (Body)"/>
             </a:endParaRPr>
           </a:p>
           <a:p>
             <a:pPr algn="ctr"/>
-            <a:endParaRPr lang="en-US" sz="1350" dirty="0">
+            <a:endParaRPr lang="en-US" sz="1351" dirty="0">
               <a:latin typeface="Calibri (Body)"/>
             </a:endParaRPr>
           </a:p>
           <a:p>
             <a:pPr algn="ctr"/>
-            <a:endParaRPr lang="en-US" sz="1350" dirty="0">
+            <a:endParaRPr lang="en-US" sz="1351" dirty="0">
               <a:latin typeface="Calibri (Body)"/>
             </a:endParaRPr>
           </a:p>
           <a:p>
             <a:pPr algn="ctr"/>
             <a:r>
-              <a:rPr lang="en-US" sz="1350" dirty="0">
+              <a:rPr lang="en-US" sz="1351" dirty="0">
                 <a:latin typeface="Calibri (Body)"/>
               </a:rPr>
               <a:t>FCB</a:t>
@@ -12392,19 +11986,19 @@
           <a:p>
             <a:pPr algn="ctr"/>
             <a:r>
-              <a:rPr lang="en-US" sz="1050" dirty="0" err="1" smtClean="0">
+              <a:rPr lang="en-US" sz="1051" dirty="0" err="1">
                 <a:latin typeface="Calibri (Body)"/>
               </a:rPr>
               <a:t>head_idx</a:t>
             </a:r>
             <a:r>
-              <a:rPr lang="en-US" sz="1050" dirty="0" smtClean="0">
+              <a:rPr lang="en-US" sz="1051" dirty="0">
                 <a:latin typeface="Calibri (Body)"/>
               </a:rPr>
               <a:t> </a:t>
             </a:r>
             <a:r>
-              <a:rPr lang="en-US" sz="1050" dirty="0">
+              <a:rPr lang="en-US" sz="1051" dirty="0">
                 <a:latin typeface="Calibri (Body)"/>
               </a:rPr>
               <a:t>= 0</a:t>
@@ -12413,42 +12007,42 @@
           <a:p>
             <a:pPr algn="ctr"/>
             <a:r>
-              <a:rPr lang="en-US" sz="1050" dirty="0">
+              <a:rPr lang="en-US" sz="1051" dirty="0">
                 <a:latin typeface="Calibri (Body)"/>
               </a:rPr>
               <a:t>size = 3 </a:t>
             </a:r>
             <a:r>
-              <a:rPr lang="en-US" sz="1050" dirty="0" err="1">
+              <a:rPr lang="en-US" sz="1051" dirty="0" err="1">
                 <a:latin typeface="Calibri (Body)"/>
               </a:rPr>
               <a:t>blks</a:t>
             </a:r>
-            <a:endParaRPr lang="en-US" sz="1350" dirty="0">
+            <a:endParaRPr lang="en-US" sz="1351" dirty="0">
               <a:latin typeface="Calibri (Body)"/>
             </a:endParaRPr>
           </a:p>
           <a:p>
             <a:pPr algn="ctr"/>
-            <a:endParaRPr lang="en-US" sz="1350" dirty="0">
+            <a:endParaRPr lang="en-US" sz="1351" dirty="0">
               <a:latin typeface="Calibri (Body)"/>
             </a:endParaRPr>
           </a:p>
           <a:p>
             <a:pPr algn="ctr"/>
-            <a:endParaRPr lang="en-US" sz="1350" dirty="0">
+            <a:endParaRPr lang="en-US" sz="1351" dirty="0">
               <a:latin typeface="Calibri (Body)"/>
             </a:endParaRPr>
           </a:p>
           <a:p>
             <a:pPr algn="ctr"/>
-            <a:endParaRPr lang="en-US" sz="1350" dirty="0">
+            <a:endParaRPr lang="en-US" sz="1351" dirty="0">
               <a:latin typeface="Calibri (Body)"/>
             </a:endParaRPr>
           </a:p>
           <a:p>
             <a:pPr algn="ctr"/>
-            <a:endParaRPr lang="en-US" sz="1350" dirty="0">
+            <a:endParaRPr lang="en-US" sz="1351" dirty="0">
               <a:latin typeface="Calibri (Body)"/>
             </a:endParaRPr>
           </a:p>
@@ -12462,7 +12056,7 @@
         </p:nvSpPr>
         <p:spPr>
           <a:xfrm>
-            <a:off x="952562" y="5226193"/>
+            <a:off x="2476565" y="5226195"/>
             <a:ext cx="1009121" cy="770379"/>
           </a:xfrm>
           <a:prstGeom prst="rect">
@@ -12490,32 +12084,32 @@
           <a:lstStyle/>
           <a:p>
             <a:pPr algn="ctr"/>
-            <a:endParaRPr lang="en-US" sz="1350" dirty="0">
+            <a:endParaRPr lang="en-US" sz="1351" dirty="0">
               <a:latin typeface="Calibri (Body)"/>
             </a:endParaRPr>
           </a:p>
           <a:p>
             <a:pPr algn="ctr"/>
-            <a:endParaRPr lang="en-US" sz="1350" dirty="0">
+            <a:endParaRPr lang="en-US" sz="1351" dirty="0">
               <a:latin typeface="Calibri (Body)"/>
             </a:endParaRPr>
           </a:p>
           <a:p>
             <a:pPr algn="ctr"/>
-            <a:endParaRPr lang="en-US" sz="1350" dirty="0">
+            <a:endParaRPr lang="en-US" sz="1351" dirty="0">
               <a:latin typeface="Calibri (Body)"/>
             </a:endParaRPr>
           </a:p>
           <a:p>
             <a:pPr algn="ctr"/>
-            <a:endParaRPr lang="en-US" sz="1350" dirty="0">
+            <a:endParaRPr lang="en-US" sz="1351" dirty="0">
               <a:latin typeface="Calibri (Body)"/>
             </a:endParaRPr>
           </a:p>
           <a:p>
             <a:pPr algn="ctr"/>
             <a:r>
-              <a:rPr lang="en-US" sz="1350" dirty="0">
+              <a:rPr lang="en-US" sz="1351" dirty="0">
                 <a:latin typeface="Calibri (Body)"/>
               </a:rPr>
               <a:t>FCB</a:t>
@@ -12524,19 +12118,19 @@
           <a:p>
             <a:pPr algn="ctr"/>
             <a:r>
-              <a:rPr lang="en-US" sz="1050" dirty="0" err="1" smtClean="0">
+              <a:rPr lang="en-US" sz="1051" dirty="0" err="1">
                 <a:latin typeface="Calibri (Body)"/>
               </a:rPr>
               <a:t>head_idx</a:t>
             </a:r>
             <a:r>
-              <a:rPr lang="en-US" sz="1050" dirty="0" smtClean="0">
+              <a:rPr lang="en-US" sz="1051" dirty="0">
                 <a:latin typeface="Calibri (Body)"/>
               </a:rPr>
               <a:t> </a:t>
             </a:r>
             <a:r>
-              <a:rPr lang="en-US" sz="1050" dirty="0">
+              <a:rPr lang="en-US" sz="1051" dirty="0">
                 <a:latin typeface="Calibri (Body)"/>
               </a:rPr>
               <a:t>= 4</a:t>
@@ -12545,42 +12139,42 @@
           <a:p>
             <a:pPr algn="ctr"/>
             <a:r>
-              <a:rPr lang="en-US" sz="1050" dirty="0">
+              <a:rPr lang="en-US" sz="1051" dirty="0">
                 <a:latin typeface="Calibri (Body)"/>
               </a:rPr>
               <a:t>size = 1 </a:t>
             </a:r>
             <a:r>
-              <a:rPr lang="en-US" sz="1050" dirty="0" err="1">
+              <a:rPr lang="en-US" sz="1051" dirty="0" err="1">
                 <a:latin typeface="Calibri (Body)"/>
               </a:rPr>
               <a:t>blks</a:t>
             </a:r>
-            <a:endParaRPr lang="en-US" sz="1350" dirty="0">
+            <a:endParaRPr lang="en-US" sz="1351" dirty="0">
               <a:latin typeface="Calibri (Body)"/>
             </a:endParaRPr>
           </a:p>
           <a:p>
             <a:pPr algn="ctr"/>
-            <a:endParaRPr lang="en-US" sz="1350" dirty="0">
+            <a:endParaRPr lang="en-US" sz="1351" dirty="0">
               <a:latin typeface="Calibri (Body)"/>
             </a:endParaRPr>
           </a:p>
           <a:p>
             <a:pPr algn="ctr"/>
-            <a:endParaRPr lang="en-US" sz="1350" dirty="0">
+            <a:endParaRPr lang="en-US" sz="1351" dirty="0">
               <a:latin typeface="Calibri (Body)"/>
             </a:endParaRPr>
           </a:p>
           <a:p>
             <a:pPr algn="ctr"/>
-            <a:endParaRPr lang="en-US" sz="1350" dirty="0">
+            <a:endParaRPr lang="en-US" sz="1351" dirty="0">
               <a:latin typeface="Calibri (Body)"/>
             </a:endParaRPr>
           </a:p>
           <a:p>
             <a:pPr algn="ctr"/>
-            <a:endParaRPr lang="en-US" sz="1350" dirty="0">
+            <a:endParaRPr lang="en-US" sz="1351" dirty="0">
               <a:latin typeface="Calibri (Body)"/>
             </a:endParaRPr>
           </a:p>
@@ -12594,7 +12188,7 @@
         </p:nvSpPr>
         <p:spPr>
           <a:xfrm>
-            <a:off x="2096720" y="5234681"/>
+            <a:off x="3620722" y="5234683"/>
             <a:ext cx="1009121" cy="770379"/>
           </a:xfrm>
           <a:prstGeom prst="rect">
@@ -12622,32 +12216,32 @@
           <a:lstStyle/>
           <a:p>
             <a:pPr algn="ctr"/>
-            <a:endParaRPr lang="en-US" sz="1350" dirty="0">
+            <a:endParaRPr lang="en-US" sz="1351" dirty="0">
               <a:latin typeface="Calibri (Body)"/>
             </a:endParaRPr>
           </a:p>
           <a:p>
             <a:pPr algn="ctr"/>
-            <a:endParaRPr lang="en-US" sz="1350" dirty="0">
+            <a:endParaRPr lang="en-US" sz="1351" dirty="0">
               <a:latin typeface="Calibri (Body)"/>
             </a:endParaRPr>
           </a:p>
           <a:p>
             <a:pPr algn="ctr"/>
-            <a:endParaRPr lang="en-US" sz="1350" dirty="0">
+            <a:endParaRPr lang="en-US" sz="1351" dirty="0">
               <a:latin typeface="Calibri (Body)"/>
             </a:endParaRPr>
           </a:p>
           <a:p>
             <a:pPr algn="ctr"/>
-            <a:endParaRPr lang="en-US" sz="1350" dirty="0">
+            <a:endParaRPr lang="en-US" sz="1351" dirty="0">
               <a:latin typeface="Calibri (Body)"/>
             </a:endParaRPr>
           </a:p>
           <a:p>
             <a:pPr algn="ctr"/>
             <a:r>
-              <a:rPr lang="en-US" sz="1350" dirty="0">
+              <a:rPr lang="en-US" sz="1351" dirty="0">
                 <a:latin typeface="Calibri (Body)"/>
               </a:rPr>
               <a:t>FREE BLOCKS</a:t>
@@ -12656,7 +12250,7 @@
           <a:p>
             <a:pPr algn="ctr"/>
             <a:r>
-              <a:rPr lang="en-US" sz="1350" dirty="0">
+              <a:rPr lang="en-US" sz="1351" dirty="0">
                 <a:latin typeface="Calibri (Body)"/>
               </a:rPr>
               <a:t>head = 6</a:t>
@@ -12664,25 +12258,25 @@
           </a:p>
           <a:p>
             <a:pPr algn="ctr"/>
-            <a:endParaRPr lang="en-US" sz="1350" dirty="0">
+            <a:endParaRPr lang="en-US" sz="1351" dirty="0">
               <a:latin typeface="Calibri (Body)"/>
             </a:endParaRPr>
           </a:p>
           <a:p>
             <a:pPr algn="ctr"/>
-            <a:endParaRPr lang="en-US" sz="1350" dirty="0">
+            <a:endParaRPr lang="en-US" sz="1351" dirty="0">
               <a:latin typeface="Calibri (Body)"/>
             </a:endParaRPr>
           </a:p>
           <a:p>
             <a:pPr algn="ctr"/>
-            <a:endParaRPr lang="en-US" sz="1350" dirty="0">
+            <a:endParaRPr lang="en-US" sz="1351" dirty="0">
               <a:latin typeface="Calibri (Body)"/>
             </a:endParaRPr>
           </a:p>
           <a:p>
             <a:pPr algn="ctr"/>
-            <a:endParaRPr lang="en-US" sz="1350" dirty="0">
+            <a:endParaRPr lang="en-US" sz="1351" dirty="0">
               <a:latin typeface="Calibri (Body)"/>
             </a:endParaRPr>
           </a:p>
@@ -12696,8 +12290,8 @@
         </p:nvSpPr>
         <p:spPr>
           <a:xfrm>
-            <a:off x="5182487" y="5901453"/>
-            <a:ext cx="4195130" cy="507831"/>
+            <a:off x="6706487" y="5901455"/>
+            <a:ext cx="4195131" cy="507831"/>
           </a:xfrm>
           <a:prstGeom prst="rect">
             <a:avLst/>
@@ -12774,34 +12368,6 @@
             <a:endParaRPr lang="en-US" sz="900" dirty="0">
               <a:latin typeface="Calibri (Body)"/>
             </a:endParaRPr>
-          </a:p>
-        </p:txBody>
-      </p:sp>
-      <p:sp>
-        <p:nvSpPr>
-          <p:cNvPr id="6" name="Slide Number Placeholder 5"/>
-          <p:cNvSpPr>
-            <a:spLocks noGrp="1"/>
-          </p:cNvSpPr>
-          <p:nvPr>
-            <p:ph type="sldNum" sz="quarter" idx="12"/>
-          </p:nvPr>
-        </p:nvSpPr>
-        <p:spPr/>
-        <p:txBody>
-          <a:bodyPr/>
-          <a:lstStyle/>
-          <a:p>
-            <a:fld id="{49F83D39-FACF-43C7-9C4E-3C002A13A54D}" type="slidenum">
-              <a:rPr lang="en-US" smtClean="0"/>
-              <a:pPr/>
-              <a:t>11</a:t>
-            </a:fld>
-            <a:r>
-              <a:rPr lang="en-US" smtClean="0"/>
-              <a:t>/17</a:t>
-            </a:r>
-            <a:endParaRPr lang="en-US" dirty="0"/>
           </a:p>
         </p:txBody>
       </p:sp>
@@ -13560,7 +13126,7 @@
         </p:nvSpPr>
         <p:spPr>
           <a:xfrm>
-            <a:off x="7055133" y="3285542"/>
+            <a:off x="8579133" y="3285545"/>
             <a:ext cx="1096280" cy="524847"/>
           </a:xfrm>
           <a:prstGeom prst="rect">
@@ -13593,7 +13159,7 @@
           <a:lstStyle/>
           <a:p>
             <a:pPr algn="ctr"/>
-            <a:endParaRPr lang="en-US" sz="1350">
+            <a:endParaRPr lang="en-US" sz="1351">
               <a:latin typeface="Calibri (Body)"/>
             </a:endParaRPr>
           </a:p>
@@ -13607,7 +13173,7 @@
         </p:nvSpPr>
         <p:spPr>
           <a:xfrm>
-            <a:off x="5787801" y="3285542"/>
+            <a:off x="7311801" y="3285545"/>
             <a:ext cx="1096280" cy="524847"/>
           </a:xfrm>
           <a:prstGeom prst="rect">
@@ -13640,7 +13206,7 @@
           <a:lstStyle/>
           <a:p>
             <a:pPr algn="ctr"/>
-            <a:endParaRPr lang="en-US" sz="1350">
+            <a:endParaRPr lang="en-US" sz="1351">
               <a:latin typeface="Calibri (Body)"/>
             </a:endParaRPr>
           </a:p>
@@ -13679,7 +13245,12 @@
             <p:ph idx="1"/>
           </p:nvPr>
         </p:nvSpPr>
-        <p:spPr/>
+        <p:spPr>
+          <a:xfrm>
+            <a:off x="1261872" y="1691322"/>
+            <a:ext cx="8595360" cy="4351337"/>
+          </a:xfrm>
+        </p:spPr>
         <p:txBody>
           <a:bodyPr>
             <a:normAutofit/>
@@ -13914,6 +13485,36 @@
               <a:buNone/>
             </a:pPr>
             <a:endParaRPr lang="sr-Latn-RS" dirty="0" smtClean="0"/>
+          </a:p>
+        </p:txBody>
+      </p:sp>
+      <p:sp>
+        <p:nvSpPr>
+          <p:cNvPr id="6" name="Slide Number Placeholder 5"/>
+          <p:cNvSpPr>
+            <a:spLocks noGrp="1"/>
+          </p:cNvSpPr>
+          <p:nvPr>
+            <p:ph type="sldNum" sz="quarter" idx="12"/>
+          </p:nvPr>
+        </p:nvSpPr>
+        <p:spPr/>
+        <p:txBody>
+          <a:bodyPr>
+            <a:normAutofit fontScale="70000" lnSpcReduction="20000"/>
+          </a:bodyPr>
+          <a:lstStyle/>
+          <a:p>
+            <a:fld id="{49F83D39-FACF-43C7-9C4E-3C002A13A54D}" type="slidenum">
+              <a:rPr lang="en-US" smtClean="0"/>
+              <a:pPr/>
+              <a:t>12</a:t>
+            </a:fld>
+            <a:r>
+              <a:rPr lang="en-US" smtClean="0"/>
+              <a:t>/17</a:t>
+            </a:r>
+            <a:endParaRPr lang="en-US" dirty="0"/>
           </a:p>
         </p:txBody>
       </p:sp>
@@ -13925,7 +13526,7 @@
         </p:nvSpPr>
         <p:spPr>
           <a:xfrm>
-            <a:off x="5787801" y="3285542"/>
+            <a:off x="7311803" y="3285545"/>
             <a:ext cx="426877" cy="524847"/>
           </a:xfrm>
           <a:prstGeom prst="rect">
@@ -13953,7 +13554,7 @@
           <a:lstStyle/>
           <a:p>
             <a:pPr algn="ctr"/>
-            <a:endParaRPr lang="en-US" sz="1350">
+            <a:endParaRPr lang="en-US" sz="1351">
               <a:latin typeface="Calibri (Body)"/>
             </a:endParaRPr>
           </a:p>
@@ -13967,7 +13568,7 @@
         </p:nvSpPr>
         <p:spPr>
           <a:xfrm>
-            <a:off x="6179199" y="3285542"/>
+            <a:off x="7703200" y="3285545"/>
             <a:ext cx="426877" cy="524847"/>
           </a:xfrm>
           <a:prstGeom prst="rect">
@@ -13995,7 +13596,7 @@
           <a:lstStyle/>
           <a:p>
             <a:pPr algn="ctr"/>
-            <a:endParaRPr lang="en-US" sz="1350">
+            <a:endParaRPr lang="en-US" sz="1351">
               <a:latin typeface="Calibri (Body)"/>
             </a:endParaRPr>
           </a:p>
@@ -14009,8 +13610,8 @@
         </p:nvSpPr>
         <p:spPr>
           <a:xfrm>
-            <a:off x="6606075" y="3285542"/>
-            <a:ext cx="278006" cy="524847"/>
+            <a:off x="8130075" y="3285545"/>
+            <a:ext cx="278007" cy="524847"/>
           </a:xfrm>
           <a:prstGeom prst="rect">
             <a:avLst/>
@@ -14037,7 +13638,7 @@
           <a:lstStyle/>
           <a:p>
             <a:pPr algn="ctr"/>
-            <a:endParaRPr lang="en-US" sz="1350">
+            <a:endParaRPr lang="en-US" sz="1351">
               <a:latin typeface="Calibri (Body)"/>
             </a:endParaRPr>
           </a:p>
@@ -14051,7 +13652,7 @@
         </p:nvSpPr>
         <p:spPr>
           <a:xfrm>
-            <a:off x="7055133" y="3285542"/>
+            <a:off x="8579135" y="3285545"/>
             <a:ext cx="426877" cy="524847"/>
           </a:xfrm>
           <a:prstGeom prst="rect">
@@ -14079,7 +13680,7 @@
           <a:lstStyle/>
           <a:p>
             <a:pPr algn="ctr"/>
-            <a:endParaRPr lang="en-US" sz="1350">
+            <a:endParaRPr lang="en-US" sz="1351">
               <a:latin typeface="Calibri (Body)"/>
             </a:endParaRPr>
           </a:p>
@@ -14093,7 +13694,7 @@
         </p:nvSpPr>
         <p:spPr>
           <a:xfrm>
-            <a:off x="7446531" y="3285542"/>
+            <a:off x="8970532" y="3285545"/>
             <a:ext cx="426877" cy="524847"/>
           </a:xfrm>
           <a:prstGeom prst="rect">
@@ -14121,7 +13722,7 @@
           <a:lstStyle/>
           <a:p>
             <a:pPr algn="ctr"/>
-            <a:endParaRPr lang="en-US" sz="1350">
+            <a:endParaRPr lang="en-US" sz="1351">
               <a:latin typeface="Calibri (Body)"/>
             </a:endParaRPr>
           </a:p>
@@ -14135,8 +13736,8 @@
         </p:nvSpPr>
         <p:spPr>
           <a:xfrm>
-            <a:off x="7873407" y="3285542"/>
-            <a:ext cx="278006" cy="524847"/>
+            <a:off x="9397407" y="3285545"/>
+            <a:ext cx="278007" cy="524847"/>
           </a:xfrm>
           <a:prstGeom prst="rect">
             <a:avLst/>
@@ -14163,7 +13764,7 @@
           <a:lstStyle/>
           <a:p>
             <a:pPr algn="ctr"/>
-            <a:endParaRPr lang="en-US" sz="1350">
+            <a:endParaRPr lang="en-US" sz="1351">
               <a:latin typeface="Calibri (Body)"/>
             </a:endParaRPr>
           </a:p>
@@ -14177,7 +13778,7 @@
         </p:nvSpPr>
         <p:spPr>
           <a:xfrm>
-            <a:off x="6392637" y="4228517"/>
+            <a:off x="7916639" y="4228519"/>
             <a:ext cx="426877" cy="524847"/>
           </a:xfrm>
           <a:prstGeom prst="rect">
@@ -14205,7 +13806,7 @@
           <a:lstStyle/>
           <a:p>
             <a:pPr algn="ctr"/>
-            <a:endParaRPr lang="en-US" sz="1350">
+            <a:endParaRPr lang="en-US" sz="1351">
               <a:latin typeface="Calibri (Body)"/>
             </a:endParaRPr>
           </a:p>
@@ -14219,7 +13820,7 @@
         </p:nvSpPr>
         <p:spPr>
           <a:xfrm>
-            <a:off x="6822207" y="4228517"/>
+            <a:off x="8346208" y="4228519"/>
             <a:ext cx="426877" cy="524847"/>
           </a:xfrm>
           <a:prstGeom prst="rect">
@@ -14247,7 +13848,7 @@
           <a:lstStyle/>
           <a:p>
             <a:pPr algn="ctr"/>
-            <a:endParaRPr lang="en-US" sz="1350">
+            <a:endParaRPr lang="en-US" sz="1351">
               <a:latin typeface="Calibri (Body)"/>
             </a:endParaRPr>
           </a:p>
@@ -14261,8 +13862,8 @@
         </p:nvSpPr>
         <p:spPr>
           <a:xfrm>
-            <a:off x="7249084" y="4228517"/>
-            <a:ext cx="278006" cy="524847"/>
+            <a:off x="8773085" y="4228519"/>
+            <a:ext cx="278007" cy="524847"/>
           </a:xfrm>
           <a:prstGeom prst="rect">
             <a:avLst/>
@@ -14289,7 +13890,7 @@
           <a:lstStyle/>
           <a:p>
             <a:pPr algn="ctr"/>
-            <a:endParaRPr lang="en-US" sz="1350">
+            <a:endParaRPr lang="en-US" sz="1351">
               <a:latin typeface="Calibri (Body)"/>
             </a:endParaRPr>
           </a:p>
@@ -14305,7 +13906,7 @@
         </p:nvCxnSpPr>
         <p:spPr>
           <a:xfrm flipV="1">
-            <a:off x="6335941" y="2846070"/>
+            <a:off x="7859944" y="2846071"/>
             <a:ext cx="396329" cy="439472"/>
           </a:xfrm>
           <a:prstGeom prst="straightConnector1">
@@ -14340,7 +13941,7 @@
         </p:nvCxnSpPr>
         <p:spPr>
           <a:xfrm flipH="1" flipV="1">
-            <a:off x="6960870" y="2846070"/>
+            <a:off x="8484872" y="2846071"/>
             <a:ext cx="642403" cy="439472"/>
           </a:xfrm>
           <a:prstGeom prst="straightConnector1">
@@ -14373,8 +13974,8 @@
         </p:nvSpPr>
         <p:spPr>
           <a:xfrm>
-            <a:off x="6578115" y="2622195"/>
-            <a:ext cx="742511" cy="300082"/>
+            <a:off x="8102117" y="2622196"/>
+            <a:ext cx="742511" cy="300210"/>
           </a:xfrm>
           <a:prstGeom prst="rect">
             <a:avLst/>
@@ -14388,12 +13989,12 @@
           <a:lstStyle/>
           <a:p>
             <a:r>
-              <a:rPr lang="en-US" sz="1350" dirty="0" err="1">
+              <a:rPr lang="en-US" sz="1351" dirty="0" err="1">
                 <a:latin typeface="Calibri (Body)"/>
               </a:rPr>
               <a:t>Diskovi</a:t>
             </a:r>
-            <a:endParaRPr lang="en-US" sz="1350" dirty="0">
+            <a:endParaRPr lang="en-US" sz="1351" dirty="0">
               <a:latin typeface="Calibri (Body)"/>
             </a:endParaRPr>
           </a:p>
@@ -14407,7 +14008,7 @@
         </p:nvCxnSpPr>
         <p:spPr>
           <a:xfrm flipH="1">
-            <a:off x="5349240" y="3646170"/>
+            <a:off x="6873241" y="3646173"/>
             <a:ext cx="782955" cy="531495"/>
           </a:xfrm>
           <a:prstGeom prst="straightConnector1">
@@ -14440,8 +14041,8 @@
         </p:nvCxnSpPr>
         <p:spPr>
           <a:xfrm flipH="1">
-            <a:off x="5486891" y="3651994"/>
-            <a:ext cx="2134042" cy="544742"/>
+            <a:off x="7010891" y="3651994"/>
+            <a:ext cx="2134043" cy="544743"/>
           </a:xfrm>
           <a:prstGeom prst="straightConnector1">
             <a:avLst/>
@@ -14473,7 +14074,7 @@
         </p:nvCxnSpPr>
         <p:spPr>
           <a:xfrm flipH="1">
-            <a:off x="5441117" y="3645370"/>
+            <a:off x="6965119" y="3645373"/>
             <a:ext cx="951519" cy="525647"/>
           </a:xfrm>
           <a:prstGeom prst="straightConnector1">
@@ -14506,8 +14107,8 @@
         </p:nvSpPr>
         <p:spPr>
           <a:xfrm>
-            <a:off x="4996907" y="4183489"/>
-            <a:ext cx="800219" cy="300082"/>
+            <a:off x="6520909" y="4183489"/>
+            <a:ext cx="800219" cy="300210"/>
           </a:xfrm>
           <a:prstGeom prst="rect">
             <a:avLst/>
@@ -14521,12 +14122,12 @@
           <a:lstStyle/>
           <a:p>
             <a:r>
-              <a:rPr lang="en-US" sz="1350" dirty="0" err="1">
+              <a:rPr lang="en-US" sz="1351" dirty="0" err="1">
                 <a:latin typeface="Calibri (Body)"/>
               </a:rPr>
               <a:t>Particije</a:t>
             </a:r>
-            <a:endParaRPr lang="en-US" sz="1350" dirty="0">
+            <a:endParaRPr lang="en-US" sz="1351" dirty="0">
               <a:latin typeface="Calibri (Body)"/>
             </a:endParaRPr>
           </a:p>
@@ -14540,8 +14141,8 @@
         </p:nvSpPr>
         <p:spPr>
           <a:xfrm>
-            <a:off x="6114319" y="4811036"/>
-            <a:ext cx="1983300" cy="300082"/>
+            <a:off x="7638319" y="4811036"/>
+            <a:ext cx="1983300" cy="300210"/>
           </a:xfrm>
           <a:prstGeom prst="rect">
             <a:avLst/>
@@ -14555,37 +14156,37 @@
           <a:lstStyle/>
           <a:p>
             <a:r>
-              <a:rPr lang="en-US" sz="1350" dirty="0" err="1">
+              <a:rPr lang="en-US" sz="1351" dirty="0" err="1">
                 <a:latin typeface="Calibri (Body)"/>
               </a:rPr>
               <a:t>Volumen</a:t>
             </a:r>
             <a:r>
-              <a:rPr lang="en-US" sz="1350" dirty="0">
+              <a:rPr lang="en-US" sz="1351" dirty="0">
                 <a:latin typeface="Calibri (Body)"/>
               </a:rPr>
               <a:t> C: </a:t>
             </a:r>
             <a:r>
-              <a:rPr lang="en-US" sz="1350" dirty="0" err="1">
+              <a:rPr lang="en-US" sz="1351" dirty="0" err="1">
                 <a:latin typeface="Calibri (Body)"/>
               </a:rPr>
               <a:t>ili</a:t>
             </a:r>
             <a:r>
-              <a:rPr lang="en-US" sz="1350" dirty="0">
+              <a:rPr lang="en-US" sz="1351" dirty="0">
                 <a:latin typeface="Calibri (Body)"/>
               </a:rPr>
               <a:t> D: </a:t>
             </a:r>
             <a:r>
-              <a:rPr lang="en-US" sz="1350" dirty="0" err="1">
+              <a:rPr lang="en-US" sz="1351" dirty="0" err="1">
                 <a:latin typeface="Calibri (Body)"/>
               </a:rPr>
               <a:t>ili</a:t>
             </a:r>
             <a:r>
-              <a:rPr lang="en-US" sz="1350" dirty="0">
+              <a:rPr lang="en-US" sz="1351" dirty="0">
                 <a:latin typeface="Calibri (Body)"/>
               </a:rPr>
               <a:t> E:...</a:t>
@@ -14601,8 +14202,8 @@
         </p:nvSpPr>
         <p:spPr>
           <a:xfrm>
-            <a:off x="6060757" y="5252893"/>
-            <a:ext cx="1800226" cy="715581"/>
+            <a:off x="7584757" y="5252895"/>
+            <a:ext cx="1800227" cy="715965"/>
           </a:xfrm>
           <a:prstGeom prst="rect">
             <a:avLst/>
@@ -14616,66 +14217,38 @@
           <a:lstStyle/>
           <a:p>
             <a:r>
-              <a:rPr lang="en-US" sz="1350" dirty="0">
+              <a:rPr lang="en-US" sz="1351" dirty="0">
                 <a:latin typeface="Calibri (Body)"/>
               </a:rPr>
               <a:t>Na </a:t>
             </a:r>
             <a:r>
-              <a:rPr lang="en-US" sz="1350" dirty="0" err="1">
+              <a:rPr lang="en-US" sz="1351" dirty="0" err="1">
                 <a:latin typeface="Calibri (Body)"/>
               </a:rPr>
               <a:t>volumenu</a:t>
             </a:r>
             <a:r>
-              <a:rPr lang="en-US" sz="1350" dirty="0">
+              <a:rPr lang="en-US" sz="1351" dirty="0">
                 <a:latin typeface="Calibri (Body)"/>
               </a:rPr>
               <a:t> se </a:t>
             </a:r>
             <a:r>
-              <a:rPr lang="en-US" sz="1350" dirty="0" err="1">
+              <a:rPr lang="en-US" sz="1351" dirty="0" err="1">
                 <a:latin typeface="Calibri (Body)"/>
               </a:rPr>
               <a:t>mo</a:t>
             </a:r>
             <a:r>
-              <a:rPr lang="sr-Latn-RS" sz="1350" dirty="0">
+              <a:rPr lang="sr-Latn-RS" sz="1351" dirty="0">
                 <a:latin typeface="Calibri (Body)"/>
               </a:rPr>
               <a:t>že organizovati fajl sistem.</a:t>
             </a:r>
-            <a:endParaRPr lang="en-US" sz="1350" dirty="0">
+            <a:endParaRPr lang="en-US" sz="1351" dirty="0">
               <a:latin typeface="Calibri (Body)"/>
             </a:endParaRPr>
-          </a:p>
-        </p:txBody>
-      </p:sp>
-      <p:sp>
-        <p:nvSpPr>
-          <p:cNvPr id="6" name="Slide Number Placeholder 5"/>
-          <p:cNvSpPr>
-            <a:spLocks noGrp="1"/>
-          </p:cNvSpPr>
-          <p:nvPr>
-            <p:ph type="sldNum" sz="quarter" idx="12"/>
-          </p:nvPr>
-        </p:nvSpPr>
-        <p:spPr/>
-        <p:txBody>
-          <a:bodyPr/>
-          <a:lstStyle/>
-          <a:p>
-            <a:fld id="{49F83D39-FACF-43C7-9C4E-3C002A13A54D}" type="slidenum">
-              <a:rPr lang="en-US" smtClean="0"/>
-              <a:pPr/>
-              <a:t>12</a:t>
-            </a:fld>
-            <a:r>
-              <a:rPr lang="en-US" smtClean="0"/>
-              <a:t>/17</a:t>
-            </a:r>
-            <a:endParaRPr lang="en-US" dirty="0"/>
           </a:p>
         </p:txBody>
       </p:sp>
@@ -15727,7 +15300,12 @@
             <p:ph idx="1"/>
           </p:nvPr>
         </p:nvSpPr>
-        <p:spPr/>
+        <p:spPr>
+          <a:xfrm>
+            <a:off x="1261872" y="1691322"/>
+            <a:ext cx="8595360" cy="4351337"/>
+          </a:xfrm>
+        </p:spPr>
         <p:txBody>
           <a:bodyPr/>
           <a:lstStyle/>
@@ -15925,6 +15503,36 @@
             <a:endParaRPr lang="sr-Latn-RS" dirty="0"/>
           </a:p>
           <a:p>
+            <a:endParaRPr lang="en-US" dirty="0"/>
+          </a:p>
+        </p:txBody>
+      </p:sp>
+      <p:sp>
+        <p:nvSpPr>
+          <p:cNvPr id="6" name="Slide Number Placeholder 5"/>
+          <p:cNvSpPr>
+            <a:spLocks noGrp="1"/>
+          </p:cNvSpPr>
+          <p:nvPr>
+            <p:ph type="sldNum" sz="quarter" idx="12"/>
+          </p:nvPr>
+        </p:nvSpPr>
+        <p:spPr/>
+        <p:txBody>
+          <a:bodyPr>
+            <a:normAutofit fontScale="70000" lnSpcReduction="20000"/>
+          </a:bodyPr>
+          <a:lstStyle/>
+          <a:p>
+            <a:fld id="{49F83D39-FACF-43C7-9C4E-3C002A13A54D}" type="slidenum">
+              <a:rPr lang="en-US" smtClean="0"/>
+              <a:pPr/>
+              <a:t>13</a:t>
+            </a:fld>
+            <a:r>
+              <a:rPr lang="en-US" smtClean="0"/>
+              <a:t>/17</a:t>
+            </a:r>
             <a:endParaRPr lang="en-US" dirty="0"/>
           </a:p>
         </p:txBody>
@@ -15937,7 +15545,7 @@
         </p:nvSpPr>
         <p:spPr>
           <a:xfrm>
-            <a:off x="5668137" y="1845183"/>
+            <a:off x="7839394" y="1828802"/>
             <a:ext cx="2057400" cy="243007"/>
           </a:xfrm>
           <a:prstGeom prst="rect">
@@ -15966,7 +15574,7 @@
           <a:p>
             <a:pPr algn="ctr"/>
             <a:r>
-              <a:rPr lang="en-US" sz="1350" dirty="0">
+              <a:rPr lang="en-US" sz="1351" dirty="0">
                 <a:latin typeface="Calibri (Body)"/>
               </a:rPr>
               <a:t>Partition Boot Sector</a:t>
@@ -15982,7 +15590,7 @@
         </p:nvSpPr>
         <p:spPr>
           <a:xfrm>
-            <a:off x="5668137" y="2433060"/>
+            <a:off x="7839394" y="2416678"/>
             <a:ext cx="2057400" cy="346117"/>
           </a:xfrm>
           <a:prstGeom prst="rect">
@@ -16011,12 +15619,12 @@
           <a:p>
             <a:pPr algn="ctr"/>
             <a:r>
-              <a:rPr lang="en-US" sz="1350" dirty="0" smtClean="0">
+              <a:rPr lang="en-US" sz="1351" dirty="0">
                 <a:latin typeface="Calibri (Body)"/>
               </a:rPr>
               <a:t>FAT Copy</a:t>
             </a:r>
-            <a:endParaRPr lang="en-US" sz="1350" dirty="0">
+            <a:endParaRPr lang="en-US" sz="1351" dirty="0">
               <a:latin typeface="Calibri (Body)"/>
             </a:endParaRPr>
           </a:p>
@@ -16030,7 +15638,7 @@
         </p:nvSpPr>
         <p:spPr>
           <a:xfrm>
-            <a:off x="5668137" y="2779177"/>
+            <a:off x="7839394" y="2762795"/>
             <a:ext cx="2057400" cy="273587"/>
           </a:xfrm>
           <a:prstGeom prst="rect">
@@ -16059,7 +15667,7 @@
           <a:p>
             <a:pPr algn="ctr"/>
             <a:r>
-              <a:rPr lang="en-US" sz="1350" dirty="0">
+              <a:rPr lang="en-US" sz="1351" dirty="0">
                 <a:latin typeface="Calibri (Body)"/>
               </a:rPr>
               <a:t>Root Folder</a:t>
@@ -16075,7 +15683,7 @@
         </p:nvSpPr>
         <p:spPr>
           <a:xfrm>
-            <a:off x="5668137" y="2086942"/>
+            <a:off x="7839394" y="2070560"/>
             <a:ext cx="2057400" cy="346117"/>
           </a:xfrm>
           <a:prstGeom prst="rect">
@@ -16104,7 +15712,7 @@
           <a:p>
             <a:pPr algn="ctr"/>
             <a:r>
-              <a:rPr lang="en-US" sz="1350" dirty="0">
+              <a:rPr lang="en-US" sz="1351" dirty="0">
                 <a:latin typeface="Calibri (Body)"/>
               </a:rPr>
               <a:t>File Allocation Table</a:t>
@@ -16120,7 +15728,7 @@
         </p:nvSpPr>
         <p:spPr>
           <a:xfrm>
-            <a:off x="5668137" y="3052763"/>
+            <a:off x="7839394" y="3036379"/>
             <a:ext cx="2057400" cy="2439592"/>
           </a:xfrm>
           <a:prstGeom prst="rect">
@@ -16149,7 +15757,7 @@
           <a:p>
             <a:pPr algn="ctr"/>
             <a:r>
-              <a:rPr lang="en-US" sz="1350">
+              <a:rPr lang="en-US" sz="1351">
                 <a:latin typeface="Calibri (Body)"/>
               </a:rPr>
               <a:t>Directory</a:t>
@@ -16158,7 +15766,7 @@
           <a:p>
             <a:pPr algn="ctr"/>
             <a:r>
-              <a:rPr lang="en-US" sz="1350">
+              <a:rPr lang="en-US" sz="1351">
                 <a:latin typeface="Calibri (Body)"/>
               </a:rPr>
               <a:t>File</a:t>
@@ -16167,7 +15775,7 @@
           <a:p>
             <a:pPr algn="ctr"/>
             <a:r>
-              <a:rPr lang="en-US" sz="1350">
+              <a:rPr lang="en-US" sz="1351">
                 <a:latin typeface="Calibri (Body)"/>
               </a:rPr>
               <a:t>Directory</a:t>
@@ -16176,7 +15784,7 @@
           <a:p>
             <a:pPr algn="ctr"/>
             <a:r>
-              <a:rPr lang="en-US" sz="1350">
+              <a:rPr lang="en-US" sz="1351">
                 <a:latin typeface="Calibri (Body)"/>
               </a:rPr>
               <a:t>File</a:t>
@@ -16185,7 +15793,7 @@
           <a:p>
             <a:pPr algn="ctr"/>
             <a:r>
-              <a:rPr lang="en-US" sz="1350">
+              <a:rPr lang="en-US" sz="1351">
                 <a:latin typeface="Calibri (Body)"/>
               </a:rPr>
               <a:t>File</a:t>
@@ -16194,42 +15802,14 @@
           <a:p>
             <a:pPr algn="ctr"/>
             <a:r>
-              <a:rPr lang="en-US" sz="1350">
+              <a:rPr lang="en-US" sz="1351">
                 <a:latin typeface="Calibri (Body)"/>
               </a:rPr>
               <a:t>...</a:t>
             </a:r>
-            <a:endParaRPr lang="en-US" sz="1350" dirty="0">
+            <a:endParaRPr lang="en-US" sz="1351" dirty="0">
               <a:latin typeface="Calibri (Body)"/>
             </a:endParaRPr>
-          </a:p>
-        </p:txBody>
-      </p:sp>
-      <p:sp>
-        <p:nvSpPr>
-          <p:cNvPr id="6" name="Slide Number Placeholder 5"/>
-          <p:cNvSpPr>
-            <a:spLocks noGrp="1"/>
-          </p:cNvSpPr>
-          <p:nvPr>
-            <p:ph type="sldNum" sz="quarter" idx="12"/>
-          </p:nvPr>
-        </p:nvSpPr>
-        <p:spPr/>
-        <p:txBody>
-          <a:bodyPr/>
-          <a:lstStyle/>
-          <a:p>
-            <a:fld id="{49F83D39-FACF-43C7-9C4E-3C002A13A54D}" type="slidenum">
-              <a:rPr lang="en-US" smtClean="0"/>
-              <a:pPr/>
-              <a:t>13</a:t>
-            </a:fld>
-            <a:r>
-              <a:rPr lang="en-US" smtClean="0"/>
-              <a:t>/17</a:t>
-            </a:r>
-            <a:endParaRPr lang="en-US" dirty="0"/>
           </a:p>
         </p:txBody>
       </p:sp>
@@ -16488,7 +16068,7 @@
         </p:nvSpPr>
         <p:spPr>
           <a:xfrm>
-            <a:off x="946404" y="1828801"/>
+            <a:off x="1261872" y="1703051"/>
             <a:ext cx="6446520" cy="4665305"/>
           </a:xfrm>
         </p:spPr>
@@ -16719,6 +16299,36 @@
             <a:r>
               <a:rPr lang="en-US" dirty="0" smtClean="0"/>
               <a:t> FAT (0/-1 – free)</a:t>
+            </a:r>
+            <a:endParaRPr lang="en-US" dirty="0"/>
+          </a:p>
+        </p:txBody>
+      </p:sp>
+      <p:sp>
+        <p:nvSpPr>
+          <p:cNvPr id="11" name="Slide Number Placeholder 10"/>
+          <p:cNvSpPr>
+            <a:spLocks noGrp="1"/>
+          </p:cNvSpPr>
+          <p:nvPr>
+            <p:ph type="sldNum" sz="quarter" idx="12"/>
+          </p:nvPr>
+        </p:nvSpPr>
+        <p:spPr/>
+        <p:txBody>
+          <a:bodyPr>
+            <a:normAutofit fontScale="70000" lnSpcReduction="20000"/>
+          </a:bodyPr>
+          <a:lstStyle/>
+          <a:p>
+            <a:fld id="{49F83D39-FACF-43C7-9C4E-3C002A13A54D}" type="slidenum">
+              <a:rPr lang="en-US" smtClean="0"/>
+              <a:pPr/>
+              <a:t>14</a:t>
+            </a:fld>
+            <a:r>
+              <a:rPr lang="en-US" smtClean="0"/>
+              <a:t>/17</a:t>
             </a:r>
             <a:endParaRPr lang="en-US" dirty="0"/>
           </a:p>
@@ -16732,7 +16342,7 @@
         </p:nvSpPr>
         <p:spPr>
           <a:xfrm>
-            <a:off x="5668137" y="1947046"/>
+            <a:off x="8047481" y="1803759"/>
             <a:ext cx="2057400" cy="243007"/>
           </a:xfrm>
           <a:prstGeom prst="rect">
@@ -16761,7 +16371,7 @@
           <a:p>
             <a:pPr algn="ctr"/>
             <a:r>
-              <a:rPr lang="en-US" sz="1350" dirty="0">
+              <a:rPr lang="en-US" sz="1351" dirty="0">
                 <a:latin typeface="Calibri (Body)"/>
               </a:rPr>
               <a:t>Main Boot Region</a:t>
@@ -16777,7 +16387,7 @@
         </p:nvSpPr>
         <p:spPr>
           <a:xfrm>
-            <a:off x="5668137" y="2190053"/>
+            <a:off x="8047481" y="2046765"/>
             <a:ext cx="2057400" cy="243007"/>
           </a:xfrm>
           <a:prstGeom prst="rect">
@@ -16806,7 +16416,7 @@
           <a:p>
             <a:pPr algn="ctr"/>
             <a:r>
-              <a:rPr lang="en-US" sz="1350" dirty="0">
+              <a:rPr lang="en-US" sz="1351" dirty="0">
                 <a:latin typeface="Calibri (Body)"/>
               </a:rPr>
               <a:t>Backup Boot Region</a:t>
@@ -16822,7 +16432,7 @@
         </p:nvSpPr>
         <p:spPr>
           <a:xfrm>
-            <a:off x="5668137" y="2433059"/>
+            <a:off x="8047481" y="2289770"/>
             <a:ext cx="2057400" cy="346117"/>
           </a:xfrm>
           <a:prstGeom prst="rect">
@@ -16851,7 +16461,7 @@
           <a:p>
             <a:pPr algn="ctr"/>
             <a:r>
-              <a:rPr lang="en-US" sz="1350" dirty="0">
+              <a:rPr lang="en-US" sz="1351" dirty="0">
                 <a:latin typeface="Calibri (Body)"/>
               </a:rPr>
               <a:t>File Allocation Table</a:t>
@@ -16867,8 +16477,8 @@
         </p:nvSpPr>
         <p:spPr>
           <a:xfrm>
-            <a:off x="5668137" y="2779177"/>
-            <a:ext cx="2057400" cy="2713178"/>
+            <a:off x="8047481" y="2635887"/>
+            <a:ext cx="2057400" cy="2713179"/>
           </a:xfrm>
           <a:prstGeom prst="rect">
             <a:avLst/>
@@ -16896,7 +16506,7 @@
           <a:p>
             <a:pPr algn="ctr"/>
             <a:r>
-              <a:rPr lang="en-US" sz="1350" dirty="0">
+              <a:rPr lang="en-US" sz="1351" dirty="0">
                 <a:latin typeface="Calibri (Body)"/>
               </a:rPr>
               <a:t>Data Region</a:t>
@@ -16904,73 +16514,73 @@
           </a:p>
           <a:p>
             <a:pPr algn="ctr"/>
-            <a:endParaRPr lang="en-US" sz="1350" dirty="0">
+            <a:endParaRPr lang="en-US" sz="1351" dirty="0">
               <a:latin typeface="Calibri (Body)"/>
             </a:endParaRPr>
           </a:p>
           <a:p>
             <a:pPr algn="ctr"/>
-            <a:endParaRPr lang="en-US" sz="1350" dirty="0">
+            <a:endParaRPr lang="en-US" sz="1351" dirty="0">
               <a:latin typeface="Calibri (Body)"/>
             </a:endParaRPr>
           </a:p>
           <a:p>
             <a:pPr algn="ctr"/>
-            <a:endParaRPr lang="en-US" sz="1350" dirty="0">
+            <a:endParaRPr lang="en-US" sz="1351" dirty="0">
               <a:latin typeface="Calibri (Body)"/>
             </a:endParaRPr>
           </a:p>
           <a:p>
             <a:pPr algn="ctr"/>
-            <a:endParaRPr lang="en-US" sz="1350" dirty="0">
+            <a:endParaRPr lang="en-US" sz="1351" dirty="0">
               <a:latin typeface="Calibri (Body)"/>
             </a:endParaRPr>
           </a:p>
           <a:p>
             <a:pPr algn="ctr"/>
-            <a:endParaRPr lang="en-US" sz="1350" dirty="0">
+            <a:endParaRPr lang="en-US" sz="1351" dirty="0">
               <a:latin typeface="Calibri (Body)"/>
             </a:endParaRPr>
           </a:p>
           <a:p>
             <a:pPr algn="ctr"/>
-            <a:endParaRPr lang="en-US" sz="1350" dirty="0">
+            <a:endParaRPr lang="en-US" sz="1351" dirty="0">
               <a:latin typeface="Calibri (Body)"/>
             </a:endParaRPr>
           </a:p>
           <a:p>
             <a:pPr algn="ctr"/>
-            <a:endParaRPr lang="en-US" sz="1350" dirty="0">
+            <a:endParaRPr lang="en-US" sz="1351" dirty="0">
               <a:latin typeface="Calibri (Body)"/>
             </a:endParaRPr>
           </a:p>
           <a:p>
             <a:pPr algn="ctr"/>
-            <a:endParaRPr lang="en-US" sz="1350" dirty="0">
+            <a:endParaRPr lang="en-US" sz="1351" dirty="0">
               <a:latin typeface="Calibri (Body)"/>
             </a:endParaRPr>
           </a:p>
           <a:p>
             <a:pPr algn="ctr"/>
-            <a:endParaRPr lang="en-US" sz="1350" dirty="0">
+            <a:endParaRPr lang="en-US" sz="1351" dirty="0">
               <a:latin typeface="Calibri (Body)"/>
             </a:endParaRPr>
           </a:p>
           <a:p>
             <a:pPr algn="ctr"/>
-            <a:endParaRPr lang="en-US" sz="1350" dirty="0">
+            <a:endParaRPr lang="en-US" sz="1351" dirty="0">
               <a:latin typeface="Calibri (Body)"/>
             </a:endParaRPr>
           </a:p>
           <a:p>
             <a:pPr algn="ctr"/>
-            <a:endParaRPr lang="en-US" sz="1350" dirty="0">
+            <a:endParaRPr lang="en-US" sz="1351" dirty="0">
               <a:latin typeface="Calibri (Body)"/>
             </a:endParaRPr>
           </a:p>
           <a:p>
             <a:pPr algn="ctr"/>
-            <a:endParaRPr lang="en-US" sz="1350" dirty="0">
+            <a:endParaRPr lang="en-US" sz="1351" dirty="0">
               <a:latin typeface="Calibri (Body)"/>
             </a:endParaRPr>
           </a:p>
@@ -16984,8 +16594,8 @@
         </p:nvSpPr>
         <p:spPr>
           <a:xfrm>
-            <a:off x="5943600" y="3275308"/>
-            <a:ext cx="1506474" cy="1807369"/>
+            <a:off x="8322944" y="3132020"/>
+            <a:ext cx="1506475" cy="1807369"/>
           </a:xfrm>
           <a:prstGeom prst="rect">
             <a:avLst/>
@@ -17013,7 +16623,7 @@
           <a:p>
             <a:pPr algn="ctr"/>
             <a:r>
-              <a:rPr lang="en-US" sz="1350" dirty="0">
+              <a:rPr lang="en-US" sz="1351" dirty="0">
                 <a:latin typeface="Calibri (Body)"/>
               </a:rPr>
               <a:t>Allocation Bitmap</a:t>
@@ -17022,7 +16632,7 @@
           <a:p>
             <a:pPr algn="ctr"/>
             <a:r>
-              <a:rPr lang="en-US" sz="1350" dirty="0">
+              <a:rPr lang="en-US" sz="1351" dirty="0">
                 <a:latin typeface="Calibri (Body)"/>
               </a:rPr>
               <a:t>Directory</a:t>
@@ -17031,7 +16641,7 @@
           <a:p>
             <a:pPr algn="ctr"/>
             <a:r>
-              <a:rPr lang="en-US" sz="1350" dirty="0">
+              <a:rPr lang="en-US" sz="1351" dirty="0">
                 <a:latin typeface="Calibri (Body)"/>
               </a:rPr>
               <a:t>File</a:t>
@@ -17040,7 +16650,7 @@
           <a:p>
             <a:pPr algn="ctr"/>
             <a:r>
-              <a:rPr lang="en-US" sz="1350" dirty="0">
+              <a:rPr lang="en-US" sz="1351" dirty="0">
                 <a:latin typeface="Calibri (Body)"/>
               </a:rPr>
               <a:t>Directory</a:t>
@@ -17049,7 +16659,7 @@
           <a:p>
             <a:pPr algn="ctr"/>
             <a:r>
-              <a:rPr lang="en-US" sz="1350" dirty="0">
+              <a:rPr lang="en-US" sz="1351" dirty="0">
                 <a:latin typeface="Calibri (Body)"/>
               </a:rPr>
               <a:t>File</a:t>
@@ -17058,7 +16668,7 @@
           <a:p>
             <a:pPr algn="ctr"/>
             <a:r>
-              <a:rPr lang="en-US" sz="1350" dirty="0">
+              <a:rPr lang="en-US" sz="1351" dirty="0">
                 <a:latin typeface="Calibri (Body)"/>
               </a:rPr>
               <a:t>File</a:t>
@@ -17067,39 +16677,11 @@
           <a:p>
             <a:pPr algn="ctr"/>
             <a:r>
-              <a:rPr lang="en-US" sz="1350" dirty="0">
+              <a:rPr lang="en-US" sz="1351" dirty="0">
                 <a:latin typeface="Calibri (Body)"/>
               </a:rPr>
               <a:t>...</a:t>
             </a:r>
-          </a:p>
-        </p:txBody>
-      </p:sp>
-      <p:sp>
-        <p:nvSpPr>
-          <p:cNvPr id="11" name="Slide Number Placeholder 10"/>
-          <p:cNvSpPr>
-            <a:spLocks noGrp="1"/>
-          </p:cNvSpPr>
-          <p:nvPr>
-            <p:ph type="sldNum" sz="quarter" idx="12"/>
-          </p:nvPr>
-        </p:nvSpPr>
-        <p:spPr/>
-        <p:txBody>
-          <a:bodyPr/>
-          <a:lstStyle/>
-          <a:p>
-            <a:fld id="{49F83D39-FACF-43C7-9C4E-3C002A13A54D}" type="slidenum">
-              <a:rPr lang="en-US" smtClean="0"/>
-              <a:pPr/>
-              <a:t>14</a:t>
-            </a:fld>
-            <a:r>
-              <a:rPr lang="en-US" smtClean="0"/>
-              <a:t>/17</a:t>
-            </a:r>
-            <a:endParaRPr lang="en-US" dirty="0"/>
           </a:p>
         </p:txBody>
       </p:sp>
@@ -17327,8 +16909,8 @@
         </p:nvSpPr>
         <p:spPr>
           <a:xfrm>
-            <a:off x="946404" y="1828801"/>
-            <a:ext cx="7348510" cy="4351337"/>
+            <a:off x="1261872" y="1691322"/>
+            <a:ext cx="7348511" cy="4351337"/>
           </a:xfrm>
         </p:spPr>
         <p:txBody>
@@ -17563,6 +17145,36 @@
             </a:r>
           </a:p>
           <a:p>
+            <a:endParaRPr lang="en-US" dirty="0"/>
+          </a:p>
+        </p:txBody>
+      </p:sp>
+      <p:sp>
+        <p:nvSpPr>
+          <p:cNvPr id="5" name="Slide Number Placeholder 4"/>
+          <p:cNvSpPr>
+            <a:spLocks noGrp="1"/>
+          </p:cNvSpPr>
+          <p:nvPr>
+            <p:ph type="sldNum" sz="quarter" idx="12"/>
+          </p:nvPr>
+        </p:nvSpPr>
+        <p:spPr/>
+        <p:txBody>
+          <a:bodyPr>
+            <a:normAutofit fontScale="70000" lnSpcReduction="20000"/>
+          </a:bodyPr>
+          <a:lstStyle/>
+          <a:p>
+            <a:fld id="{49F83D39-FACF-43C7-9C4E-3C002A13A54D}" type="slidenum">
+              <a:rPr lang="en-US" smtClean="0"/>
+              <a:pPr/>
+              <a:t>15</a:t>
+            </a:fld>
+            <a:r>
+              <a:rPr lang="en-US" smtClean="0"/>
+              <a:t>/17</a:t>
+            </a:r>
             <a:endParaRPr lang="en-US" dirty="0"/>
           </a:p>
         </p:txBody>
@@ -17583,7 +17195,7 @@
         </p:blipFill>
         <p:spPr>
           <a:xfrm>
-            <a:off x="5534053" y="3131837"/>
+            <a:off x="7058056" y="3131839"/>
             <a:ext cx="2536385" cy="735909"/>
           </a:xfrm>
           <a:prstGeom prst="rect">
@@ -17599,7 +17211,7 @@
         </p:nvSpPr>
         <p:spPr>
           <a:xfrm>
-            <a:off x="6265069" y="3400425"/>
+            <a:off x="7789070" y="3400426"/>
             <a:ext cx="1035844" cy="114300"/>
           </a:xfrm>
           <a:prstGeom prst="rect">
@@ -17626,7 +17238,7 @@
           <a:lstStyle/>
           <a:p>
             <a:pPr algn="ctr"/>
-            <a:endParaRPr lang="en-US" sz="1350"/>
+            <a:endParaRPr lang="en-US" sz="1351"/>
           </a:p>
         </p:txBody>
       </p:sp>
@@ -17638,8 +17250,8 @@
         </p:nvCxnSpPr>
         <p:spPr>
           <a:xfrm flipH="1">
-            <a:off x="6786563" y="2807494"/>
-            <a:ext cx="57150" cy="592931"/>
+            <a:off x="8310563" y="2807496"/>
+            <a:ext cx="57151" cy="592931"/>
           </a:xfrm>
           <a:prstGeom prst="straightConnector1">
             <a:avLst/>
@@ -17671,8 +17283,8 @@
         </p:nvSpPr>
         <p:spPr>
           <a:xfrm>
-            <a:off x="6367201" y="2582045"/>
-            <a:ext cx="1088760" cy="300082"/>
+            <a:off x="7891201" y="2582045"/>
+            <a:ext cx="1088760" cy="300210"/>
           </a:xfrm>
           <a:prstGeom prst="rect">
             <a:avLst/>
@@ -17686,54 +17298,26 @@
           <a:lstStyle/>
           <a:p>
             <a:r>
-              <a:rPr lang="en-US" sz="1350" dirty="0" err="1">
+              <a:rPr lang="en-US" sz="1351" dirty="0" err="1">
                 <a:latin typeface="Calibri (Body)"/>
               </a:rPr>
               <a:t>Nove</a:t>
             </a:r>
             <a:r>
-              <a:rPr lang="en-US" sz="1350" dirty="0">
+              <a:rPr lang="en-US" sz="1351" dirty="0">
                 <a:latin typeface="Calibri (Body)"/>
               </a:rPr>
               <a:t> </a:t>
             </a:r>
             <a:r>
-              <a:rPr lang="en-US" sz="1350" dirty="0" err="1">
+              <a:rPr lang="en-US" sz="1351" dirty="0" err="1">
                 <a:latin typeface="Calibri (Body)"/>
               </a:rPr>
               <a:t>opcije</a:t>
             </a:r>
-            <a:endParaRPr lang="en-US" sz="1350" dirty="0">
+            <a:endParaRPr lang="en-US" sz="1351" dirty="0">
               <a:latin typeface="Calibri (Body)"/>
             </a:endParaRPr>
-          </a:p>
-        </p:txBody>
-      </p:sp>
-      <p:sp>
-        <p:nvSpPr>
-          <p:cNvPr id="5" name="Slide Number Placeholder 4"/>
-          <p:cNvSpPr>
-            <a:spLocks noGrp="1"/>
-          </p:cNvSpPr>
-          <p:nvPr>
-            <p:ph type="sldNum" sz="quarter" idx="12"/>
-          </p:nvPr>
-        </p:nvSpPr>
-        <p:spPr/>
-        <p:txBody>
-          <a:bodyPr/>
-          <a:lstStyle/>
-          <a:p>
-            <a:fld id="{49F83D39-FACF-43C7-9C4E-3C002A13A54D}" type="slidenum">
-              <a:rPr lang="en-US" smtClean="0"/>
-              <a:pPr/>
-              <a:t>15</a:t>
-            </a:fld>
-            <a:r>
-              <a:rPr lang="en-US" smtClean="0"/>
-              <a:t>/17</a:t>
-            </a:r>
-            <a:endParaRPr lang="en-US" dirty="0"/>
           </a:p>
         </p:txBody>
       </p:sp>
@@ -17810,7 +17394,12 @@
             <p:ph idx="1"/>
           </p:nvPr>
         </p:nvSpPr>
-        <p:spPr/>
+        <p:spPr>
+          <a:xfrm>
+            <a:off x="1261872" y="1691322"/>
+            <a:ext cx="8595360" cy="4351337"/>
+          </a:xfrm>
+        </p:spPr>
         <p:txBody>
           <a:bodyPr>
             <a:normAutofit lnSpcReduction="10000"/>
@@ -17919,6 +17508,36 @@
             <a:endParaRPr lang="sr-Latn-RS" dirty="0" smtClean="0"/>
           </a:p>
           <a:p>
+            <a:endParaRPr lang="en-US" dirty="0"/>
+          </a:p>
+        </p:txBody>
+      </p:sp>
+      <p:sp>
+        <p:nvSpPr>
+          <p:cNvPr id="11" name="Slide Number Placeholder 10"/>
+          <p:cNvSpPr>
+            <a:spLocks noGrp="1"/>
+          </p:cNvSpPr>
+          <p:nvPr>
+            <p:ph type="sldNum" sz="quarter" idx="12"/>
+          </p:nvPr>
+        </p:nvSpPr>
+        <p:spPr/>
+        <p:txBody>
+          <a:bodyPr>
+            <a:normAutofit fontScale="70000" lnSpcReduction="20000"/>
+          </a:bodyPr>
+          <a:lstStyle/>
+          <a:p>
+            <a:fld id="{49F83D39-FACF-43C7-9C4E-3C002A13A54D}" type="slidenum">
+              <a:rPr lang="en-US" smtClean="0"/>
+              <a:pPr/>
+              <a:t>16</a:t>
+            </a:fld>
+            <a:r>
+              <a:rPr lang="en-US" smtClean="0"/>
+              <a:t>/17</a:t>
+            </a:r>
             <a:endParaRPr lang="en-US" dirty="0"/>
           </a:p>
         </p:txBody>
@@ -17931,7 +17550,7 @@
         </p:nvSpPr>
         <p:spPr>
           <a:xfrm>
-            <a:off x="5668137" y="2190053"/>
+            <a:off x="7192137" y="2190055"/>
             <a:ext cx="2057400" cy="243007"/>
           </a:xfrm>
           <a:prstGeom prst="rect">
@@ -17960,7 +17579,7 @@
           <a:p>
             <a:pPr algn="ctr"/>
             <a:r>
-              <a:rPr lang="en-US" sz="1350" dirty="0">
+              <a:rPr lang="en-US" sz="1351" dirty="0">
                 <a:latin typeface="Calibri (Body)"/>
               </a:rPr>
               <a:t>Partition Boot Sector</a:t>
@@ -17976,7 +17595,7 @@
         </p:nvSpPr>
         <p:spPr>
           <a:xfrm>
-            <a:off x="5668137" y="2433059"/>
+            <a:off x="7192137" y="2433060"/>
             <a:ext cx="2057400" cy="346117"/>
           </a:xfrm>
           <a:prstGeom prst="rect">
@@ -18005,7 +17624,7 @@
           <a:p>
             <a:pPr algn="ctr"/>
             <a:r>
-              <a:rPr lang="en-US" sz="1350" dirty="0">
+              <a:rPr lang="en-US" sz="1351" dirty="0">
                 <a:latin typeface="Calibri (Body)"/>
               </a:rPr>
               <a:t>Master File Table</a:t>
@@ -18021,8 +17640,8 @@
         </p:nvSpPr>
         <p:spPr>
           <a:xfrm>
-            <a:off x="5668137" y="3052764"/>
-            <a:ext cx="2057400" cy="2093474"/>
+            <a:off x="7192137" y="3052764"/>
+            <a:ext cx="2057400" cy="2093475"/>
           </a:xfrm>
           <a:prstGeom prst="rect">
             <a:avLst/>
@@ -18050,7 +17669,7 @@
           <a:p>
             <a:pPr algn="ctr"/>
             <a:r>
-              <a:rPr lang="en-US" sz="1350" dirty="0">
+              <a:rPr lang="en-US" sz="1351" dirty="0">
                 <a:latin typeface="Calibri (Body)"/>
               </a:rPr>
               <a:t>Files Area</a:t>
@@ -18066,7 +17685,7 @@
         </p:nvSpPr>
         <p:spPr>
           <a:xfrm>
-            <a:off x="5668137" y="2779177"/>
+            <a:off x="7192137" y="2779179"/>
             <a:ext cx="2057400" cy="273587"/>
           </a:xfrm>
           <a:prstGeom prst="rect">
@@ -18095,7 +17714,7 @@
           <a:p>
             <a:pPr algn="ctr"/>
             <a:r>
-              <a:rPr lang="en-US" sz="1350" dirty="0">
+              <a:rPr lang="en-US" sz="1351" dirty="0">
                 <a:latin typeface="Calibri (Body)"/>
               </a:rPr>
               <a:t>System Files</a:t>
@@ -18111,7 +17730,7 @@
         </p:nvSpPr>
         <p:spPr>
           <a:xfrm>
-            <a:off x="5667280" y="5146238"/>
+            <a:off x="7191280" y="5146240"/>
             <a:ext cx="2057400" cy="346117"/>
           </a:xfrm>
           <a:prstGeom prst="rect">
@@ -18140,39 +17759,11 @@
           <a:p>
             <a:pPr algn="ctr"/>
             <a:r>
-              <a:rPr lang="en-US" sz="1350" dirty="0">
+              <a:rPr lang="en-US" sz="1351" dirty="0">
                 <a:latin typeface="Calibri (Body)"/>
               </a:rPr>
               <a:t>Master File Table Copy</a:t>
             </a:r>
-          </a:p>
-        </p:txBody>
-      </p:sp>
-      <p:sp>
-        <p:nvSpPr>
-          <p:cNvPr id="11" name="Slide Number Placeholder 10"/>
-          <p:cNvSpPr>
-            <a:spLocks noGrp="1"/>
-          </p:cNvSpPr>
-          <p:nvPr>
-            <p:ph type="sldNum" sz="quarter" idx="12"/>
-          </p:nvPr>
-        </p:nvSpPr>
-        <p:spPr/>
-        <p:txBody>
-          <a:bodyPr/>
-          <a:lstStyle/>
-          <a:p>
-            <a:fld id="{49F83D39-FACF-43C7-9C4E-3C002A13A54D}" type="slidenum">
-              <a:rPr lang="en-US" smtClean="0"/>
-              <a:pPr/>
-              <a:t>16</a:t>
-            </a:fld>
-            <a:r>
-              <a:rPr lang="en-US" smtClean="0"/>
-              <a:t>/17</a:t>
-            </a:r>
-            <a:endParaRPr lang="en-US" dirty="0"/>
           </a:p>
         </p:txBody>
       </p:sp>
@@ -18422,6 +18013,55 @@
           </a:p>
         </p:txBody>
       </p:sp>
+      <p:sp>
+        <p:nvSpPr>
+          <p:cNvPr id="131" name="Content Placeholder 130"/>
+          <p:cNvSpPr>
+            <a:spLocks noGrp="1"/>
+          </p:cNvSpPr>
+          <p:nvPr>
+            <p:ph idx="1"/>
+          </p:nvPr>
+        </p:nvSpPr>
+        <p:spPr/>
+        <p:txBody>
+          <a:bodyPr/>
+          <a:lstStyle/>
+          <a:p>
+            <a:endParaRPr lang="en-US"/>
+          </a:p>
+        </p:txBody>
+      </p:sp>
+      <p:sp>
+        <p:nvSpPr>
+          <p:cNvPr id="133" name="Slide Number Placeholder 132"/>
+          <p:cNvSpPr>
+            <a:spLocks noGrp="1"/>
+          </p:cNvSpPr>
+          <p:nvPr>
+            <p:ph type="sldNum" sz="quarter" idx="12"/>
+          </p:nvPr>
+        </p:nvSpPr>
+        <p:spPr/>
+        <p:txBody>
+          <a:bodyPr>
+            <a:normAutofit fontScale="70000" lnSpcReduction="20000"/>
+          </a:bodyPr>
+          <a:lstStyle/>
+          <a:p>
+            <a:fld id="{49F83D39-FACF-43C7-9C4E-3C002A13A54D}" type="slidenum">
+              <a:rPr lang="en-US" smtClean="0"/>
+              <a:pPr/>
+              <a:t>17</a:t>
+            </a:fld>
+            <a:r>
+              <a:rPr lang="en-US" smtClean="0"/>
+              <a:t>/17</a:t>
+            </a:r>
+            <a:endParaRPr lang="en-US" dirty="0"/>
+          </a:p>
+        </p:txBody>
+      </p:sp>
       <p:grpSp>
         <p:nvGrpSpPr>
           <p:cNvPr id="11" name="Group 10"/>
@@ -18430,8 +18070,8 @@
         </p:nvGrpSpPr>
         <p:grpSpPr>
           <a:xfrm>
-            <a:off x="5521542" y="3333805"/>
-            <a:ext cx="1871663" cy="1778198"/>
+            <a:off x="7045545" y="3333806"/>
+            <a:ext cx="1871663" cy="1778199"/>
             <a:chOff x="4625975" y="4156870"/>
             <a:chExt cx="2495550" cy="2370930"/>
           </a:xfrm>
@@ -18472,7 +18112,7 @@
             <a:lstStyle/>
             <a:p>
               <a:pPr algn="ctr"/>
-              <a:endParaRPr lang="en-US" sz="1350">
+              <a:endParaRPr lang="en-US" sz="1351">
                 <a:latin typeface="Calibri (Body)"/>
               </a:endParaRPr>
             </a:p>
@@ -18515,7 +18155,7 @@
             <a:p>
               <a:pPr algn="ctr"/>
               <a:r>
-                <a:rPr lang="en-US" sz="1350" dirty="0">
+                <a:rPr lang="en-US" sz="1351" dirty="0">
                   <a:latin typeface="Calibri (Body)"/>
                 </a:rPr>
                 <a:t>D</a:t>
@@ -18560,7 +18200,7 @@
             <a:p>
               <a:pPr algn="ctr"/>
               <a:r>
-                <a:rPr lang="en-US" sz="1350" dirty="0">
+                <a:rPr lang="en-US" sz="1351" dirty="0">
                   <a:latin typeface="Calibri (Body)"/>
                 </a:rPr>
                 <a:t>T</a:t>
@@ -18605,7 +18245,7 @@
             <a:p>
               <a:pPr algn="ctr"/>
               <a:r>
-                <a:rPr lang="en-US" sz="1350" dirty="0">
+                <a:rPr lang="en-US" sz="1351" dirty="0">
                   <a:latin typeface="Calibri (Body)"/>
                 </a:rPr>
                 <a:t>\</a:t>
@@ -18650,7 +18290,7 @@
             <a:p>
               <a:pPr algn="ctr"/>
               <a:r>
-                <a:rPr lang="en-US" sz="1350" dirty="0">
+                <a:rPr lang="en-US" sz="1351" dirty="0">
                   <a:latin typeface="Calibri (Body)"/>
                 </a:rPr>
                 <a:t>B</a:t>
@@ -18695,7 +18335,7 @@
             <a:p>
               <a:pPr algn="ctr"/>
               <a:r>
-                <a:rPr lang="en-US" sz="1350" dirty="0">
+                <a:rPr lang="en-US" sz="1351" dirty="0">
                   <a:latin typeface="Calibri (Body)"/>
                 </a:rPr>
                 <a:t>D</a:t>
@@ -18740,7 +18380,7 @@
             <a:p>
               <a:pPr algn="ctr"/>
               <a:r>
-                <a:rPr lang="en-US" sz="1350" dirty="0">
+                <a:rPr lang="en-US" sz="1351" dirty="0">
                   <a:latin typeface="Calibri (Body)"/>
                 </a:rPr>
                 <a:t>9</a:t>
@@ -18785,7 +18425,7 @@
             <a:p>
               <a:pPr algn="ctr"/>
               <a:r>
-                <a:rPr lang="en-US" sz="1350" dirty="0">
+                <a:rPr lang="en-US" sz="1351" dirty="0">
                   <a:latin typeface="Calibri (Body)"/>
                 </a:rPr>
                 <a:t>A</a:t>
@@ -18830,7 +18470,7 @@
             <a:p>
               <a:pPr algn="ctr"/>
               <a:r>
-                <a:rPr lang="en-US" sz="1350" dirty="0">
+                <a:rPr lang="en-US" sz="1351" dirty="0">
                   <a:latin typeface="Calibri (Body)"/>
                 </a:rPr>
                 <a:t>8</a:t>
@@ -18875,7 +18515,7 @@
             <a:p>
               <a:pPr algn="ctr"/>
               <a:r>
-                <a:rPr lang="en-US" sz="1350" dirty="0">
+                <a:rPr lang="en-US" sz="1351" dirty="0">
                   <a:latin typeface="Calibri (Body)"/>
                 </a:rPr>
                 <a:t>7</a:t>
@@ -18920,7 +18560,7 @@
             <a:p>
               <a:pPr algn="ctr"/>
               <a:r>
-                <a:rPr lang="en-US" sz="1350" dirty="0">
+                <a:rPr lang="en-US" sz="1351" dirty="0">
                   <a:latin typeface="Calibri (Body)"/>
                 </a:rPr>
                 <a:t>6</a:t>
@@ -18965,7 +18605,7 @@
             <a:p>
               <a:pPr algn="ctr"/>
               <a:r>
-                <a:rPr lang="en-US" sz="1350" dirty="0">
+                <a:rPr lang="en-US" sz="1351" dirty="0">
                   <a:latin typeface="Calibri (Body)"/>
                 </a:rPr>
                 <a:t>5</a:t>
@@ -19015,7 +18655,7 @@
             <a:lstStyle/>
             <a:p>
               <a:pPr algn="ctr"/>
-              <a:endParaRPr lang="en-US" sz="1350">
+              <a:endParaRPr lang="en-US" sz="1351">
                 <a:latin typeface="Calibri (Body)"/>
               </a:endParaRPr>
             </a:p>
@@ -19063,7 +18703,7 @@
             <a:lstStyle/>
             <a:p>
               <a:pPr algn="ctr"/>
-              <a:endParaRPr lang="en-US" sz="1350">
+              <a:endParaRPr lang="en-US" sz="1351">
                 <a:latin typeface="Calibri (Body)"/>
               </a:endParaRPr>
             </a:p>
@@ -19111,7 +18751,7 @@
             <a:lstStyle/>
             <a:p>
               <a:pPr algn="ctr"/>
-              <a:endParaRPr lang="en-US" sz="1350">
+              <a:endParaRPr lang="en-US" sz="1351">
                 <a:latin typeface="Calibri (Body)"/>
               </a:endParaRPr>
             </a:p>
@@ -19126,7 +18766,7 @@
         </p:nvSpPr>
         <p:spPr>
           <a:xfrm>
-            <a:off x="946404" y="3400425"/>
+            <a:off x="2470404" y="3400427"/>
             <a:ext cx="1828800" cy="1644959"/>
           </a:xfrm>
           <a:prstGeom prst="rect">
@@ -19155,7 +18795,7 @@
           <a:p>
             <a:pPr algn="ctr"/>
             <a:r>
-              <a:rPr lang="en-US" dirty="0" smtClean="0">
+              <a:rPr lang="en-US" dirty="0">
                 <a:latin typeface="Calibri (Body)"/>
               </a:rPr>
               <a:t>CPU</a:t>
@@ -19174,7 +18814,7 @@
         </p:nvGrpSpPr>
         <p:grpSpPr>
           <a:xfrm>
-            <a:off x="3119673" y="3400425"/>
+            <a:off x="4643673" y="3400425"/>
             <a:ext cx="2057400" cy="683976"/>
             <a:chOff x="3119673" y="3400425"/>
             <a:chExt cx="2057400" cy="683976"/>
@@ -19217,12 +18857,12 @@
             <a:p>
               <a:pPr algn="ctr"/>
               <a:r>
-                <a:rPr lang="en-US" sz="1350" dirty="0" smtClean="0">
+                <a:rPr lang="en-US" sz="1351" dirty="0">
                   <a:latin typeface="Calibri (Body)"/>
                 </a:rPr>
                 <a:t>Boot Block</a:t>
               </a:r>
-              <a:endParaRPr lang="en-US" sz="1350" dirty="0">
+              <a:endParaRPr lang="en-US" sz="1351" dirty="0">
                 <a:latin typeface="Calibri (Body)"/>
               </a:endParaRPr>
             </a:p>
@@ -19263,12 +18903,12 @@
             <a:p>
               <a:pPr algn="ctr"/>
               <a:r>
-                <a:rPr lang="en-US" sz="1350" dirty="0" smtClean="0">
+                <a:rPr lang="en-US" sz="1351" dirty="0">
                   <a:latin typeface="Calibri (Body)"/>
                 </a:rPr>
                 <a:t>Bootstrap</a:t>
               </a:r>
-              <a:endParaRPr lang="en-US" sz="1350" dirty="0">
+              <a:endParaRPr lang="en-US" sz="1351" dirty="0">
                 <a:latin typeface="Calibri (Body)"/>
               </a:endParaRPr>
             </a:p>
@@ -19286,8 +18926,8 @@
         </p:nvCxnSpPr>
         <p:spPr>
           <a:xfrm flipV="1">
-            <a:off x="2775204" y="4222904"/>
-            <a:ext cx="2746338" cy="1"/>
+            <a:off x="4299204" y="4222906"/>
+            <a:ext cx="2746339" cy="1"/>
           </a:xfrm>
           <a:prstGeom prst="line">
             <a:avLst/>
@@ -19317,7 +18957,7 @@
         </p:nvGrpSpPr>
         <p:grpSpPr>
           <a:xfrm>
-            <a:off x="3119673" y="3400425"/>
+            <a:off x="4643673" y="3400425"/>
             <a:ext cx="2057400" cy="683976"/>
             <a:chOff x="3119673" y="3400425"/>
             <a:chExt cx="2057400" cy="683976"/>
@@ -19360,12 +19000,12 @@
             <a:p>
               <a:pPr algn="ctr"/>
               <a:r>
-                <a:rPr lang="en-US" sz="1350" dirty="0" smtClean="0">
+                <a:rPr lang="en-US" sz="1351" dirty="0">
                   <a:latin typeface="Calibri (Body)"/>
                 </a:rPr>
                 <a:t>Table</a:t>
               </a:r>
-              <a:endParaRPr lang="en-US" sz="1350" dirty="0">
+              <a:endParaRPr lang="en-US" sz="1351" dirty="0">
                 <a:latin typeface="Calibri (Body)"/>
               </a:endParaRPr>
             </a:p>
@@ -19406,12 +19046,12 @@
             <a:p>
               <a:pPr algn="ctr"/>
               <a:r>
-                <a:rPr lang="en-US" sz="1350" dirty="0" smtClean="0">
+                <a:rPr lang="en-US" sz="1351" dirty="0">
                   <a:latin typeface="Calibri (Body)"/>
                 </a:rPr>
                 <a:t>Entry</a:t>
               </a:r>
-              <a:endParaRPr lang="en-US" sz="1350" dirty="0">
+              <a:endParaRPr lang="en-US" sz="1351" dirty="0">
                 <a:latin typeface="Calibri (Body)"/>
               </a:endParaRPr>
             </a:p>
@@ -19426,7 +19066,7 @@
         </p:nvGrpSpPr>
         <p:grpSpPr>
           <a:xfrm>
-            <a:off x="3119673" y="3400424"/>
+            <a:off x="4643673" y="3400424"/>
             <a:ext cx="2057400" cy="683976"/>
             <a:chOff x="3119673" y="3400425"/>
             <a:chExt cx="2057400" cy="683976"/>
@@ -19469,12 +19109,12 @@
             <a:p>
               <a:pPr algn="ctr"/>
               <a:r>
-                <a:rPr lang="en-US" sz="1350" dirty="0" smtClean="0">
+                <a:rPr lang="en-US" sz="1351" dirty="0">
                   <a:latin typeface="Calibri (Body)"/>
                 </a:rPr>
                 <a:t>\</a:t>
               </a:r>
-              <a:endParaRPr lang="en-US" sz="1350" dirty="0">
+              <a:endParaRPr lang="en-US" sz="1351" dirty="0">
                 <a:latin typeface="Calibri (Body)"/>
               </a:endParaRPr>
             </a:p>
@@ -19515,12 +19155,12 @@
             <a:p>
               <a:pPr algn="ctr"/>
               <a:r>
-                <a:rPr lang="en-US" sz="1350" dirty="0" smtClean="0">
+                <a:rPr lang="en-US" sz="1351" dirty="0">
                   <a:latin typeface="Calibri (Body)"/>
                 </a:rPr>
                 <a:t>FCB</a:t>
               </a:r>
-              <a:endParaRPr lang="en-US" sz="1350" dirty="0">
+              <a:endParaRPr lang="en-US" sz="1351" dirty="0">
                 <a:latin typeface="Calibri (Body)"/>
               </a:endParaRPr>
             </a:p>
@@ -19535,7 +19175,7 @@
         </p:nvSpPr>
         <p:spPr>
           <a:xfrm>
-            <a:off x="6287708" y="1467946"/>
+            <a:off x="7811710" y="1467949"/>
             <a:ext cx="428625" cy="428625"/>
           </a:xfrm>
           <a:prstGeom prst="ellipse">
@@ -19564,7 +19204,7 @@
           <a:p>
             <a:pPr algn="ctr"/>
             <a:r>
-              <a:rPr lang="en-US" sz="1350" dirty="0">
+              <a:rPr lang="en-US" sz="1351" dirty="0">
                 <a:latin typeface="Calibri (Body)"/>
               </a:rPr>
               <a:t>\</a:t>
@@ -19580,7 +19220,7 @@
         </p:nvSpPr>
         <p:spPr>
           <a:xfrm>
-            <a:off x="7002083" y="2203753"/>
+            <a:off x="8526085" y="2203756"/>
             <a:ext cx="428625" cy="428625"/>
           </a:xfrm>
           <a:prstGeom prst="ellipse">
@@ -19609,12 +19249,12 @@
           <a:p>
             <a:pPr algn="ctr"/>
             <a:r>
-              <a:rPr lang="en-US" sz="1350" dirty="0" smtClean="0">
+              <a:rPr lang="en-US" sz="1351" dirty="0">
                 <a:latin typeface="Calibri (Body)"/>
               </a:rPr>
               <a:t>f</a:t>
             </a:r>
-            <a:endParaRPr lang="en-US" sz="1350" dirty="0">
+            <a:endParaRPr lang="en-US" sz="1351" dirty="0">
               <a:latin typeface="Calibri (Body)"/>
             </a:endParaRPr>
           </a:p>
@@ -19631,8 +19271,8 @@
         </p:nvCxnSpPr>
         <p:spPr>
           <a:xfrm>
-            <a:off x="6653562" y="1833801"/>
-            <a:ext cx="411291" cy="432722"/>
+            <a:off x="8177564" y="1833801"/>
+            <a:ext cx="411291" cy="432723"/>
           </a:xfrm>
           <a:prstGeom prst="line">
             <a:avLst/>
@@ -19663,8 +19303,8 @@
         </p:nvCxnSpPr>
         <p:spPr>
           <a:xfrm flipH="1">
-            <a:off x="5960619" y="1833801"/>
-            <a:ext cx="389860" cy="432722"/>
+            <a:off x="7484619" y="1833801"/>
+            <a:ext cx="389860" cy="432723"/>
           </a:xfrm>
           <a:prstGeom prst="line">
             <a:avLst/>
@@ -19693,7 +19333,7 @@
         </p:nvSpPr>
         <p:spPr>
           <a:xfrm>
-            <a:off x="5738932" y="2088173"/>
+            <a:off x="7262932" y="2088173"/>
             <a:ext cx="377026" cy="369332"/>
           </a:xfrm>
           <a:prstGeom prst="rect">
@@ -19708,7 +19348,7 @@
           <a:lstStyle/>
           <a:p>
             <a:r>
-              <a:rPr lang="en-US" dirty="0" smtClean="0">
+              <a:rPr lang="en-US" dirty="0">
                 <a:latin typeface="Calibri (Body)"/>
               </a:rPr>
               <a:t>...</a:t>
@@ -19727,7 +19367,7 @@
         </p:nvGrpSpPr>
         <p:grpSpPr>
           <a:xfrm>
-            <a:off x="832104" y="5183887"/>
+            <a:off x="2356104" y="5183887"/>
             <a:ext cx="2057400" cy="683976"/>
             <a:chOff x="3119673" y="3400425"/>
             <a:chExt cx="2057400" cy="683976"/>
@@ -19770,12 +19410,12 @@
             <a:p>
               <a:pPr algn="ctr"/>
               <a:r>
-                <a:rPr lang="en-US" sz="1350" dirty="0" smtClean="0">
+                <a:rPr lang="en-US" sz="1351" dirty="0">
                   <a:latin typeface="Calibri (Body)"/>
                 </a:rPr>
                 <a:t>Table</a:t>
               </a:r>
-              <a:endParaRPr lang="en-US" sz="1350" dirty="0">
+              <a:endParaRPr lang="en-US" sz="1351" dirty="0">
                 <a:latin typeface="Calibri (Body)"/>
               </a:endParaRPr>
             </a:p>
@@ -19816,12 +19456,12 @@
             <a:p>
               <a:pPr algn="ctr"/>
               <a:r>
-                <a:rPr lang="en-US" sz="1350" dirty="0" smtClean="0">
+                <a:rPr lang="en-US" sz="1351" dirty="0">
                   <a:latin typeface="Calibri (Body)"/>
                 </a:rPr>
                 <a:t>Entry</a:t>
               </a:r>
-              <a:endParaRPr lang="en-US" sz="1350" dirty="0">
+              <a:endParaRPr lang="en-US" sz="1351" dirty="0">
                 <a:latin typeface="Calibri (Body)"/>
               </a:endParaRPr>
             </a:p>
@@ -19836,7 +19476,7 @@
         </p:nvGrpSpPr>
         <p:grpSpPr>
           <a:xfrm>
-            <a:off x="832104" y="5934483"/>
+            <a:off x="2356104" y="5934483"/>
             <a:ext cx="2057400" cy="683976"/>
             <a:chOff x="3119673" y="3400425"/>
             <a:chExt cx="2057400" cy="683976"/>
@@ -19879,12 +19519,12 @@
             <a:p>
               <a:pPr algn="ctr"/>
               <a:r>
-                <a:rPr lang="en-US" sz="1350" dirty="0" smtClean="0">
+                <a:rPr lang="en-US" sz="1351" dirty="0">
                   <a:latin typeface="Calibri (Body)"/>
                 </a:rPr>
                 <a:t>\</a:t>
               </a:r>
-              <a:endParaRPr lang="en-US" sz="1350" dirty="0">
+              <a:endParaRPr lang="en-US" sz="1351" dirty="0">
                 <a:latin typeface="Calibri (Body)"/>
               </a:endParaRPr>
             </a:p>
@@ -19925,12 +19565,12 @@
             <a:p>
               <a:pPr algn="ctr"/>
               <a:r>
-                <a:rPr lang="en-US" sz="1350" dirty="0" smtClean="0">
+                <a:rPr lang="en-US" sz="1351" dirty="0">
                   <a:latin typeface="Calibri (Body)"/>
                 </a:rPr>
                 <a:t>FCB</a:t>
               </a:r>
-              <a:endParaRPr lang="en-US" sz="1350" dirty="0">
+              <a:endParaRPr lang="en-US" sz="1351" dirty="0">
                 <a:latin typeface="Calibri (Body)"/>
               </a:endParaRPr>
             </a:p>
@@ -19948,8 +19588,8 @@
         </p:nvCxnSpPr>
         <p:spPr>
           <a:xfrm flipV="1">
-            <a:off x="2889504" y="4457579"/>
-            <a:ext cx="3126742" cy="1068296"/>
+            <a:off x="4413505" y="4457579"/>
+            <a:ext cx="3126743" cy="1068296"/>
           </a:xfrm>
           <a:prstGeom prst="straightConnector1">
             <a:avLst/>
@@ -19981,7 +19621,7 @@
         </p:nvSpPr>
         <p:spPr>
           <a:xfrm>
-            <a:off x="3113717" y="3400424"/>
+            <a:off x="4637717" y="3400424"/>
             <a:ext cx="2057400" cy="683976"/>
           </a:xfrm>
           <a:prstGeom prst="rect">
@@ -20010,12 +19650,12 @@
           <a:p>
             <a:pPr algn="ctr"/>
             <a:r>
-              <a:rPr lang="en-US" sz="1350" dirty="0" smtClean="0">
+              <a:rPr lang="en-US" sz="1351" dirty="0">
                 <a:latin typeface="Calibri (Body)"/>
               </a:rPr>
               <a:t>6</a:t>
             </a:r>
-            <a:endParaRPr lang="en-US" sz="1350" dirty="0">
+            <a:endParaRPr lang="en-US" sz="1351" dirty="0">
               <a:latin typeface="Calibri (Body)"/>
             </a:endParaRPr>
           </a:p>
@@ -20032,8 +19672,8 @@
         </p:nvCxnSpPr>
         <p:spPr>
           <a:xfrm flipV="1">
-            <a:off x="2889504" y="4460851"/>
-            <a:ext cx="3767894" cy="1065024"/>
+            <a:off x="4413505" y="4460851"/>
+            <a:ext cx="3767895" cy="1065024"/>
           </a:xfrm>
           <a:prstGeom prst="straightConnector1">
             <a:avLst/>
@@ -20065,7 +19705,7 @@
         </p:nvSpPr>
         <p:spPr>
           <a:xfrm>
-            <a:off x="3113717" y="3401973"/>
+            <a:off x="4637717" y="3401973"/>
             <a:ext cx="2057400" cy="683976"/>
           </a:xfrm>
           <a:prstGeom prst="rect">
@@ -20094,12 +19734,12 @@
           <a:p>
             <a:pPr algn="ctr"/>
             <a:r>
-              <a:rPr lang="en-US" sz="1350" dirty="0" smtClean="0">
+              <a:rPr lang="en-US" sz="1351" dirty="0">
                 <a:latin typeface="Calibri (Body)"/>
               </a:rPr>
               <a:t>8</a:t>
             </a:r>
-            <a:endParaRPr lang="en-US" sz="1350" dirty="0">
+            <a:endParaRPr lang="en-US" sz="1351" dirty="0">
               <a:latin typeface="Calibri (Body)"/>
             </a:endParaRPr>
           </a:p>
@@ -20116,7 +19756,7 @@
         </p:nvCxnSpPr>
         <p:spPr>
           <a:xfrm flipV="1">
-            <a:off x="1860804" y="2835334"/>
+            <a:off x="3384806" y="2835336"/>
             <a:ext cx="1961767" cy="565091"/>
           </a:xfrm>
           <a:prstGeom prst="straightConnector1">
@@ -20151,7 +19791,7 @@
         </p:nvSpPr>
         <p:spPr>
           <a:xfrm>
-            <a:off x="3822571" y="2577945"/>
+            <a:off x="5346571" y="2577948"/>
             <a:ext cx="651604" cy="514777"/>
           </a:xfrm>
           <a:prstGeom prst="actionButtonDocument">
@@ -20183,53 +19823,6 @@
           </a:p>
         </p:txBody>
       </p:sp>
-      <p:sp>
-        <p:nvSpPr>
-          <p:cNvPr id="131" name="Content Placeholder 130"/>
-          <p:cNvSpPr>
-            <a:spLocks noGrp="1"/>
-          </p:cNvSpPr>
-          <p:nvPr>
-            <p:ph idx="1"/>
-          </p:nvPr>
-        </p:nvSpPr>
-        <p:spPr/>
-        <p:txBody>
-          <a:bodyPr/>
-          <a:lstStyle/>
-          <a:p>
-            <a:endParaRPr lang="en-US"/>
-          </a:p>
-        </p:txBody>
-      </p:sp>
-      <p:sp>
-        <p:nvSpPr>
-          <p:cNvPr id="133" name="Slide Number Placeholder 132"/>
-          <p:cNvSpPr>
-            <a:spLocks noGrp="1"/>
-          </p:cNvSpPr>
-          <p:nvPr>
-            <p:ph type="sldNum" sz="quarter" idx="12"/>
-          </p:nvPr>
-        </p:nvSpPr>
-        <p:spPr/>
-        <p:txBody>
-          <a:bodyPr/>
-          <a:lstStyle/>
-          <a:p>
-            <a:fld id="{49F83D39-FACF-43C7-9C4E-3C002A13A54D}" type="slidenum">
-              <a:rPr lang="en-US" smtClean="0"/>
-              <a:pPr/>
-              <a:t>17</a:t>
-            </a:fld>
-            <a:r>
-              <a:rPr lang="en-US" smtClean="0"/>
-              <a:t>/17</a:t>
-            </a:r>
-            <a:endParaRPr lang="en-US" dirty="0"/>
-          </a:p>
-        </p:txBody>
-      </p:sp>
       <p:pic>
         <p:nvPicPr>
           <p:cNvPr id="134" name="Picture 133"/>
@@ -20246,8 +19839,8 @@
         </p:blipFill>
         <p:spPr>
           <a:xfrm>
-            <a:off x="-18512" y="0"/>
-            <a:ext cx="9199312" cy="6883400"/>
+            <a:off x="0" y="0"/>
+            <a:ext cx="12192000" cy="6883400"/>
           </a:xfrm>
           <a:prstGeom prst="rect">
             <a:avLst/>
@@ -21324,7 +20917,10 @@
             </a:r>
           </a:p>
           <a:p>
-            <a:pPr lvl="1"/>
+            <a:pPr lvl="1">
+              <a:buFont typeface="Wingdings" panose="05000000000000000000" pitchFamily="2" charset="2"/>
+              <a:buChar char="Ø"/>
+            </a:pPr>
             <a:r>
               <a:rPr lang="sr-Latn-RS" dirty="0" smtClean="0"/>
               <a:t>Šta je operativni s</a:t>
@@ -21343,7 +20939,10 @@
             </a:r>
           </a:p>
           <a:p>
-            <a:pPr lvl="1"/>
+            <a:pPr lvl="1">
+              <a:buFont typeface="Wingdings" panose="05000000000000000000" pitchFamily="2" charset="2"/>
+              <a:buChar char="Ø"/>
+            </a:pPr>
             <a:r>
               <a:rPr lang="sr-Latn-RS" dirty="0" smtClean="0"/>
               <a:t>Šta je fajl</a:t>
@@ -21355,7 +20954,10 @@
             <a:endParaRPr lang="sr-Latn-RS" dirty="0" smtClean="0"/>
           </a:p>
           <a:p>
-            <a:pPr lvl="1"/>
+            <a:pPr lvl="1">
+              <a:buFont typeface="Wingdings" panose="05000000000000000000" pitchFamily="2" charset="2"/>
+              <a:buChar char="Ø"/>
+            </a:pPr>
             <a:r>
               <a:rPr lang="sr-Latn-RS" dirty="0"/>
               <a:t>Šta je direktorijum i FCB</a:t>
@@ -21437,7 +21039,10 @@
             </a:r>
           </a:p>
           <a:p>
-            <a:pPr lvl="1"/>
+            <a:pPr lvl="1">
+              <a:buFont typeface="Wingdings" panose="05000000000000000000" pitchFamily="2" charset="2"/>
+              <a:buChar char="Ø"/>
+            </a:pPr>
             <a:r>
               <a:rPr lang="sr-Latn-RS" dirty="0" smtClean="0"/>
               <a:t>Struktura FAT</a:t>
@@ -21445,7 +21050,10 @@
             <a:endParaRPr lang="en-US" dirty="0" smtClean="0"/>
           </a:p>
           <a:p>
-            <a:pPr lvl="1"/>
+            <a:pPr lvl="1">
+              <a:buFont typeface="Wingdings" panose="05000000000000000000" pitchFamily="2" charset="2"/>
+              <a:buChar char="Ø"/>
+            </a:pPr>
             <a:r>
               <a:rPr lang="sr-Latn-RS" dirty="0" smtClean="0"/>
               <a:t>FAT 12, 16, 32</a:t>
@@ -21464,7 +21072,10 @@
             </a:r>
           </a:p>
           <a:p>
-            <a:pPr lvl="1"/>
+            <a:pPr lvl="1">
+              <a:buFont typeface="Wingdings" panose="05000000000000000000" pitchFamily="2" charset="2"/>
+              <a:buChar char="Ø"/>
+            </a:pPr>
             <a:r>
               <a:rPr lang="sr-Latn-RS" dirty="0" smtClean="0"/>
               <a:t>Struktura NTFS</a:t>
@@ -21495,7 +21106,9 @@
         </p:nvSpPr>
         <p:spPr/>
         <p:txBody>
-          <a:bodyPr/>
+          <a:bodyPr>
+            <a:normAutofit fontScale="92500" lnSpcReduction="10000"/>
+          </a:bodyPr>
           <a:lstStyle/>
           <a:p>
             <a:fld id="{49F83D39-FACF-43C7-9C4E-3C002A13A54D}" type="slidenum">
@@ -21603,7 +21216,7 @@
         </p:nvSpPr>
         <p:spPr>
           <a:xfrm>
-            <a:off x="946403" y="1828801"/>
+            <a:off x="1185732" y="1691322"/>
             <a:ext cx="6779343" cy="4351337"/>
           </a:xfrm>
         </p:spPr>
@@ -21626,7 +21239,10 @@
             <a:endParaRPr lang="en-US" b="1" dirty="0" smtClean="0"/>
           </a:p>
           <a:p>
-            <a:pPr lvl="1"/>
+            <a:pPr lvl="1">
+              <a:buFont typeface="Wingdings" panose="05000000000000000000" pitchFamily="2" charset="2"/>
+              <a:buChar char="Ø"/>
+            </a:pPr>
             <a:r>
               <a:rPr lang="en-US" dirty="0" smtClean="0"/>
               <a:t>program (</a:t>
@@ -21641,7 +21257,10 @@
             </a:r>
           </a:p>
           <a:p>
-            <a:pPr lvl="1"/>
+            <a:pPr lvl="1">
+              <a:buFont typeface="Wingdings" panose="05000000000000000000" pitchFamily="2" charset="2"/>
+              <a:buChar char="Ø"/>
+            </a:pPr>
             <a:r>
               <a:rPr lang="en-US" dirty="0" err="1" smtClean="0"/>
               <a:t>omogućava</a:t>
@@ -21692,7 +21311,10 @@
             </a:r>
           </a:p>
           <a:p>
-            <a:pPr lvl="1"/>
+            <a:pPr lvl="1">
+              <a:buFont typeface="Wingdings" panose="05000000000000000000" pitchFamily="2" charset="2"/>
+              <a:buChar char="Ø"/>
+            </a:pPr>
             <a:r>
               <a:rPr lang="en-US" dirty="0" err="1" smtClean="0"/>
               <a:t>posrednik</a:t>
@@ -21735,7 +21357,10 @@
             </a:r>
           </a:p>
           <a:p>
-            <a:pPr lvl="1"/>
+            <a:pPr lvl="1">
+              <a:buFont typeface="Wingdings" panose="05000000000000000000" pitchFamily="2" charset="2"/>
+              <a:buChar char="Ø"/>
+            </a:pPr>
             <a:r>
               <a:rPr lang="en-US" dirty="0" err="1" smtClean="0"/>
               <a:t>pruža</a:t>
@@ -21760,6 +21385,36 @@
           </a:p>
           <a:p>
             <a:pPr lvl="1"/>
+            <a:endParaRPr lang="en-US" dirty="0"/>
+          </a:p>
+        </p:txBody>
+      </p:sp>
+      <p:sp>
+        <p:nvSpPr>
+          <p:cNvPr id="7" name="Slide Number Placeholder 6"/>
+          <p:cNvSpPr>
+            <a:spLocks noGrp="1"/>
+          </p:cNvSpPr>
+          <p:nvPr>
+            <p:ph type="sldNum" sz="quarter" idx="12"/>
+          </p:nvPr>
+        </p:nvSpPr>
+        <p:spPr/>
+        <p:txBody>
+          <a:bodyPr>
+            <a:normAutofit fontScale="92500" lnSpcReduction="10000"/>
+          </a:bodyPr>
+          <a:lstStyle/>
+          <a:p>
+            <a:fld id="{49F83D39-FACF-43C7-9C4E-3C002A13A54D}" type="slidenum">
+              <a:rPr lang="en-US" smtClean="0"/>
+              <a:pPr/>
+              <a:t>3</a:t>
+            </a:fld>
+            <a:r>
+              <a:rPr lang="en-US" smtClean="0"/>
+              <a:t>/17</a:t>
+            </a:r>
             <a:endParaRPr lang="en-US" dirty="0"/>
           </a:p>
         </p:txBody>
@@ -21772,7 +21427,7 @@
         </p:nvSpPr>
         <p:spPr>
           <a:xfrm>
-            <a:off x="1309979" y="5315982"/>
+            <a:off x="2833981" y="5315984"/>
             <a:ext cx="5700713" cy="550069"/>
           </a:xfrm>
           <a:prstGeom prst="rect">
@@ -21801,12 +21456,12 @@
           <a:p>
             <a:pPr algn="ctr"/>
             <a:r>
-              <a:rPr lang="en-US" sz="1350" dirty="0" err="1">
+              <a:rPr lang="en-US" sz="1351" dirty="0" err="1">
                 <a:latin typeface="Calibri (Body)"/>
               </a:rPr>
               <a:t>Hardver</a:t>
             </a:r>
-            <a:endParaRPr lang="en-US" sz="1350" dirty="0">
+            <a:endParaRPr lang="en-US" sz="1351" dirty="0">
               <a:latin typeface="Calibri (Body)"/>
             </a:endParaRPr>
           </a:p>
@@ -21820,7 +21475,7 @@
         </p:nvSpPr>
         <p:spPr>
           <a:xfrm>
-            <a:off x="1309979" y="4765913"/>
+            <a:off x="2833981" y="4765915"/>
             <a:ext cx="5700713" cy="550069"/>
           </a:xfrm>
           <a:prstGeom prst="rect">
@@ -21847,24 +21502,24 @@
           <a:p>
             <a:pPr algn="ctr"/>
             <a:r>
-              <a:rPr lang="en-US" sz="1350" dirty="0" err="1">
+              <a:rPr lang="en-US" sz="1351" dirty="0" err="1">
                 <a:latin typeface="Calibri (Body)"/>
               </a:rPr>
               <a:t>Operativni</a:t>
             </a:r>
             <a:r>
-              <a:rPr lang="en-US" sz="1350" dirty="0">
+              <a:rPr lang="en-US" sz="1351" dirty="0">
                 <a:latin typeface="Calibri (Body)"/>
               </a:rPr>
               <a:t> </a:t>
             </a:r>
             <a:r>
-              <a:rPr lang="en-US" sz="1350" dirty="0" err="1">
+              <a:rPr lang="en-US" sz="1351" dirty="0" err="1">
                 <a:latin typeface="Calibri (Body)"/>
               </a:rPr>
               <a:t>sistem</a:t>
             </a:r>
-            <a:endParaRPr lang="en-US" sz="1350" dirty="0">
+            <a:endParaRPr lang="en-US" sz="1351" dirty="0">
               <a:latin typeface="Calibri (Body)"/>
             </a:endParaRPr>
           </a:p>
@@ -21878,7 +21533,7 @@
         </p:nvSpPr>
         <p:spPr>
           <a:xfrm>
-            <a:off x="1309979" y="4199890"/>
+            <a:off x="2833979" y="4199892"/>
             <a:ext cx="1666780" cy="550069"/>
           </a:xfrm>
           <a:prstGeom prst="rect">
@@ -21907,7 +21562,7 @@
           <a:p>
             <a:pPr algn="ctr"/>
             <a:r>
-              <a:rPr lang="en-US" sz="1350" dirty="0">
+              <a:rPr lang="en-US" sz="1351" dirty="0">
                 <a:latin typeface="Calibri (Body)"/>
               </a:rPr>
               <a:t>Program</a:t>
@@ -21923,7 +21578,7 @@
         </p:nvSpPr>
         <p:spPr>
           <a:xfrm>
-            <a:off x="5343912" y="4199889"/>
+            <a:off x="6867913" y="4199891"/>
             <a:ext cx="1666780" cy="550069"/>
           </a:xfrm>
           <a:prstGeom prst="rect">
@@ -21952,7 +21607,7 @@
           <a:p>
             <a:pPr algn="ctr"/>
             <a:r>
-              <a:rPr lang="en-US" sz="1350" dirty="0">
+              <a:rPr lang="en-US" sz="1351" dirty="0">
                 <a:latin typeface="Calibri (Body)"/>
               </a:rPr>
               <a:t>Program</a:t>
@@ -21968,7 +21623,7 @@
         </p:nvSpPr>
         <p:spPr>
           <a:xfrm>
-            <a:off x="3304227" y="4199888"/>
+            <a:off x="4828227" y="4199890"/>
             <a:ext cx="1666780" cy="550069"/>
           </a:xfrm>
           <a:prstGeom prst="rect">
@@ -21997,7 +21652,7 @@
           <a:p>
             <a:pPr algn="ctr"/>
             <a:r>
-              <a:rPr lang="en-US" sz="1350" dirty="0">
+              <a:rPr lang="en-US" sz="1351" dirty="0">
                 <a:latin typeface="Calibri (Body)"/>
               </a:rPr>
               <a:t>Program</a:t>
@@ -22013,7 +21668,7 @@
         </p:nvSpPr>
         <p:spPr>
           <a:xfrm>
-            <a:off x="1309979" y="3641842"/>
+            <a:off x="2833980" y="3641844"/>
             <a:ext cx="3661029" cy="550069"/>
           </a:xfrm>
           <a:prstGeom prst="rect">
@@ -22042,12 +21697,12 @@
           <a:p>
             <a:pPr algn="ctr"/>
             <a:r>
-              <a:rPr lang="en-US" sz="1350" dirty="0" err="1">
+              <a:rPr lang="en-US" sz="1351" dirty="0" err="1">
                 <a:latin typeface="Calibri (Body)"/>
               </a:rPr>
               <a:t>Korisnik</a:t>
             </a:r>
-            <a:endParaRPr lang="en-US" sz="1350" dirty="0">
+            <a:endParaRPr lang="en-US" sz="1351" dirty="0">
               <a:latin typeface="Calibri (Body)"/>
             </a:endParaRPr>
           </a:p>
@@ -22061,7 +21716,7 @@
         </p:nvSpPr>
         <p:spPr>
           <a:xfrm>
-            <a:off x="4971007" y="3641842"/>
+            <a:off x="6495007" y="3641844"/>
             <a:ext cx="2039684" cy="550069"/>
           </a:xfrm>
           <a:prstGeom prst="rect">
@@ -22090,42 +21745,14 @@
           <a:p>
             <a:pPr algn="ctr"/>
             <a:r>
-              <a:rPr lang="en-US" sz="1350" dirty="0" err="1">
+              <a:rPr lang="en-US" sz="1351" dirty="0" err="1">
                 <a:latin typeface="Calibri (Body)"/>
               </a:rPr>
               <a:t>Korisnik</a:t>
             </a:r>
-            <a:endParaRPr lang="en-US" sz="1350" dirty="0">
+            <a:endParaRPr lang="en-US" sz="1351" dirty="0">
               <a:latin typeface="Calibri (Body)"/>
             </a:endParaRPr>
-          </a:p>
-        </p:txBody>
-      </p:sp>
-      <p:sp>
-        <p:nvSpPr>
-          <p:cNvPr id="7" name="Slide Number Placeholder 6"/>
-          <p:cNvSpPr>
-            <a:spLocks noGrp="1"/>
-          </p:cNvSpPr>
-          <p:nvPr>
-            <p:ph type="sldNum" sz="quarter" idx="12"/>
-          </p:nvPr>
-        </p:nvSpPr>
-        <p:spPr/>
-        <p:txBody>
-          <a:bodyPr/>
-          <a:lstStyle/>
-          <a:p>
-            <a:fld id="{49F83D39-FACF-43C7-9C4E-3C002A13A54D}" type="slidenum">
-              <a:rPr lang="en-US" smtClean="0"/>
-              <a:pPr/>
-              <a:t>3</a:t>
-            </a:fld>
-            <a:r>
-              <a:rPr lang="en-US" smtClean="0"/>
-              <a:t>/17</a:t>
-            </a:r>
-            <a:endParaRPr lang="en-US" dirty="0"/>
           </a:p>
         </p:txBody>
       </p:sp>
@@ -22518,8 +22145,8 @@
         </p:nvSpPr>
         <p:spPr>
           <a:xfrm>
-            <a:off x="946404" y="2228852"/>
-            <a:ext cx="7269480" cy="4321238"/>
+            <a:off x="1261872" y="1691322"/>
+            <a:ext cx="7269480" cy="4321239"/>
           </a:xfrm>
         </p:spPr>
         <p:txBody>
@@ -22589,6 +22216,36 @@
             <a:r>
               <a:rPr lang="sr-Latn-RS" dirty="0" smtClean="0"/>
               <a:t>od različitosti u načinu smeštanja sadržaja.</a:t>
+            </a:r>
+            <a:endParaRPr lang="en-US" dirty="0"/>
+          </a:p>
+        </p:txBody>
+      </p:sp>
+      <p:sp>
+        <p:nvSpPr>
+          <p:cNvPr id="7" name="Slide Number Placeholder 6"/>
+          <p:cNvSpPr>
+            <a:spLocks noGrp="1"/>
+          </p:cNvSpPr>
+          <p:nvPr>
+            <p:ph type="sldNum" sz="quarter" idx="12"/>
+          </p:nvPr>
+        </p:nvSpPr>
+        <p:spPr/>
+        <p:txBody>
+          <a:bodyPr>
+            <a:normAutofit fontScale="85000" lnSpcReduction="10000"/>
+          </a:bodyPr>
+          <a:lstStyle/>
+          <a:p>
+            <a:fld id="{49F83D39-FACF-43C7-9C4E-3C002A13A54D}" type="slidenum">
+              <a:rPr lang="en-US" smtClean="0"/>
+              <a:pPr/>
+              <a:t>4</a:t>
+            </a:fld>
+            <a:r>
+              <a:rPr lang="en-US" smtClean="0"/>
+              <a:t>/17</a:t>
             </a:r>
             <a:endParaRPr lang="en-US" dirty="0"/>
           </a:p>
@@ -22610,42 +22267,14 @@
         </p:blipFill>
         <p:spPr>
           <a:xfrm>
-            <a:off x="5731752" y="4153724"/>
-            <a:ext cx="2214797" cy="2177098"/>
+            <a:off x="7255754" y="4153724"/>
+            <a:ext cx="2214797" cy="2177099"/>
           </a:xfrm>
           <a:prstGeom prst="rect">
             <a:avLst/>
           </a:prstGeom>
         </p:spPr>
       </p:pic>
-      <p:sp>
-        <p:nvSpPr>
-          <p:cNvPr id="7" name="Slide Number Placeholder 6"/>
-          <p:cNvSpPr>
-            <a:spLocks noGrp="1"/>
-          </p:cNvSpPr>
-          <p:nvPr>
-            <p:ph type="sldNum" sz="quarter" idx="12"/>
-          </p:nvPr>
-        </p:nvSpPr>
-        <p:spPr/>
-        <p:txBody>
-          <a:bodyPr/>
-          <a:lstStyle/>
-          <a:p>
-            <a:fld id="{49F83D39-FACF-43C7-9C4E-3C002A13A54D}" type="slidenum">
-              <a:rPr lang="en-US" smtClean="0"/>
-              <a:pPr/>
-              <a:t>4</a:t>
-            </a:fld>
-            <a:r>
-              <a:rPr lang="en-US" smtClean="0"/>
-              <a:t>/17</a:t>
-            </a:r>
-            <a:endParaRPr lang="en-US" dirty="0"/>
-          </a:p>
-        </p:txBody>
-      </p:sp>
     </p:spTree>
     <p:extLst>
       <p:ext uri="{BB962C8B-B14F-4D97-AF65-F5344CB8AC3E}">
@@ -22734,7 +22363,7 @@
         </p:nvSpPr>
         <p:spPr>
           <a:xfrm>
-            <a:off x="946403" y="1828801"/>
+            <a:off x="1261872" y="1691322"/>
             <a:ext cx="7423155" cy="4351337"/>
           </a:xfrm>
         </p:spPr>
@@ -22872,7 +22501,9 @@
         </p:nvSpPr>
         <p:spPr/>
         <p:txBody>
-          <a:bodyPr/>
+          <a:bodyPr>
+            <a:normAutofit fontScale="92500" lnSpcReduction="10000"/>
+          </a:bodyPr>
           <a:lstStyle/>
           <a:p>
             <a:fld id="{49F83D39-FACF-43C7-9C4E-3C002A13A54D}" type="slidenum">
@@ -22937,12 +22568,14 @@
         </p:nvSpPr>
         <p:spPr>
           <a:xfrm>
-            <a:off x="712852" y="5824168"/>
+            <a:off x="2236853" y="5824168"/>
             <a:ext cx="3360420" cy="548640"/>
           </a:xfrm>
         </p:spPr>
         <p:txBody>
-          <a:bodyPr/>
+          <a:bodyPr>
+            <a:normAutofit fontScale="92500" lnSpcReduction="20000"/>
+          </a:bodyPr>
           <a:lstStyle/>
           <a:p>
             <a:pPr algn="ctr"/>
@@ -22982,7 +22615,7 @@
         </p:nvSpPr>
         <p:spPr>
           <a:xfrm>
-            <a:off x="4795598" y="5824168"/>
+            <a:off x="6319599" y="5824168"/>
             <a:ext cx="3360420" cy="548640"/>
           </a:xfrm>
         </p:spPr>
@@ -23000,6 +22633,36 @@
             <a:endParaRPr lang="en-US" b="1" i="1" dirty="0">
               <a:latin typeface="Calibri (Body)"/>
             </a:endParaRPr>
+          </a:p>
+        </p:txBody>
+      </p:sp>
+      <p:sp>
+        <p:nvSpPr>
+          <p:cNvPr id="4" name="Slide Number Placeholder 3"/>
+          <p:cNvSpPr>
+            <a:spLocks noGrp="1"/>
+          </p:cNvSpPr>
+          <p:nvPr>
+            <p:ph type="sldNum" sz="quarter" idx="12"/>
+          </p:nvPr>
+        </p:nvSpPr>
+        <p:spPr/>
+        <p:txBody>
+          <a:bodyPr>
+            <a:normAutofit fontScale="85000" lnSpcReduction="10000"/>
+          </a:bodyPr>
+          <a:lstStyle/>
+          <a:p>
+            <a:fld id="{516B7588-0C4F-49E0-B1AB-2BC6867C93B8}" type="slidenum">
+              <a:rPr lang="en-US" smtClean="0"/>
+              <a:pPr/>
+              <a:t>6</a:t>
+            </a:fld>
+            <a:r>
+              <a:rPr lang="en-US" smtClean="0"/>
+              <a:t>/17</a:t>
+            </a:r>
+            <a:endParaRPr lang="en-US" dirty="0"/>
           </a:p>
         </p:txBody>
       </p:sp>
@@ -23011,7 +22674,7 @@
         </p:nvSpPr>
         <p:spPr>
           <a:xfrm>
-            <a:off x="2412302" y="1421606"/>
+            <a:off x="3936305" y="1421609"/>
             <a:ext cx="428625" cy="428625"/>
           </a:xfrm>
           <a:prstGeom prst="ellipse">
@@ -23040,7 +22703,7 @@
           <a:p>
             <a:pPr algn="ctr"/>
             <a:r>
-              <a:rPr lang="en-US" sz="1350" dirty="0">
+              <a:rPr lang="en-US" sz="1351" dirty="0">
                 <a:latin typeface="Calibri (Body)"/>
               </a:rPr>
               <a:t>\</a:t>
@@ -23056,7 +22719,7 @@
         </p:nvSpPr>
         <p:spPr>
           <a:xfrm>
-            <a:off x="1719358" y="2157413"/>
+            <a:off x="3243361" y="2157416"/>
             <a:ext cx="428625" cy="428625"/>
           </a:xfrm>
           <a:prstGeom prst="ellipse">
@@ -23085,7 +22748,7 @@
           <a:p>
             <a:pPr algn="ctr"/>
             <a:r>
-              <a:rPr lang="en-US" sz="1350" dirty="0">
+              <a:rPr lang="en-US" sz="1351" dirty="0">
                 <a:latin typeface="Calibri (Body)"/>
               </a:rPr>
               <a:t>A</a:t>
@@ -23101,7 +22764,7 @@
         </p:nvSpPr>
         <p:spPr>
           <a:xfrm>
-            <a:off x="3126677" y="2157413"/>
+            <a:off x="4650680" y="2157416"/>
             <a:ext cx="428625" cy="428625"/>
           </a:xfrm>
           <a:prstGeom prst="ellipse">
@@ -23130,7 +22793,7 @@
           <a:p>
             <a:pPr algn="ctr"/>
             <a:r>
-              <a:rPr lang="en-US" sz="1350" dirty="0">
+              <a:rPr lang="en-US" sz="1351" dirty="0">
                 <a:latin typeface="Calibri (Body)"/>
               </a:rPr>
               <a:t>B</a:t>
@@ -23146,7 +22809,7 @@
         </p:nvSpPr>
         <p:spPr>
           <a:xfrm>
-            <a:off x="2412302" y="2900363"/>
+            <a:off x="3936305" y="2900365"/>
             <a:ext cx="428625" cy="428625"/>
           </a:xfrm>
           <a:prstGeom prst="ellipse">
@@ -23175,7 +22838,7 @@
           <a:p>
             <a:pPr algn="ctr"/>
             <a:r>
-              <a:rPr lang="en-US" sz="1350" dirty="0">
+              <a:rPr lang="en-US" sz="1351" dirty="0">
                 <a:latin typeface="Calibri (Body)"/>
               </a:rPr>
               <a:t>C</a:t>
@@ -23191,7 +22854,7 @@
         </p:nvSpPr>
         <p:spPr>
           <a:xfrm>
-            <a:off x="1719358" y="3704749"/>
+            <a:off x="3243361" y="3704752"/>
             <a:ext cx="428625" cy="428625"/>
           </a:xfrm>
           <a:prstGeom prst="ellipse">
@@ -23220,12 +22883,12 @@
           <a:p>
             <a:pPr algn="ctr"/>
             <a:r>
-              <a:rPr lang="en-US" sz="1050" dirty="0">
+              <a:rPr lang="en-US" sz="1051" dirty="0">
                 <a:latin typeface="Calibri (Body)"/>
               </a:rPr>
               <a:t>f1</a:t>
             </a:r>
-            <a:endParaRPr lang="en-US" sz="1350" dirty="0">
+            <a:endParaRPr lang="en-US" sz="1351" dirty="0">
               <a:latin typeface="Calibri (Body)"/>
             </a:endParaRPr>
           </a:p>
@@ -23239,7 +22902,7 @@
         </p:nvSpPr>
         <p:spPr>
           <a:xfrm>
-            <a:off x="3126677" y="3704749"/>
+            <a:off x="4650680" y="3704752"/>
             <a:ext cx="428625" cy="428625"/>
           </a:xfrm>
           <a:prstGeom prst="ellipse">
@@ -23268,7 +22931,7 @@
           <a:p>
             <a:pPr algn="ctr"/>
             <a:r>
-              <a:rPr lang="en-US" sz="1050" dirty="0">
+              <a:rPr lang="en-US" sz="1051" dirty="0">
                 <a:latin typeface="Calibri (Body)"/>
               </a:rPr>
               <a:t>f2</a:t>
@@ -23287,8 +22950,8 @@
         </p:nvCxnSpPr>
         <p:spPr>
           <a:xfrm>
-            <a:off x="2778156" y="1787461"/>
-            <a:ext cx="411291" cy="432722"/>
+            <a:off x="4302157" y="1787461"/>
+            <a:ext cx="411291" cy="432723"/>
           </a:xfrm>
           <a:prstGeom prst="line">
             <a:avLst/>
@@ -23320,8 +22983,8 @@
         </p:nvCxnSpPr>
         <p:spPr>
           <a:xfrm flipH="1">
-            <a:off x="2778156" y="2523267"/>
-            <a:ext cx="411291" cy="439866"/>
+            <a:off x="4302157" y="2523267"/>
+            <a:ext cx="411291" cy="439867"/>
           </a:xfrm>
           <a:prstGeom prst="line">
             <a:avLst/>
@@ -23353,8 +23016,8 @@
         </p:nvCxnSpPr>
         <p:spPr>
           <a:xfrm>
-            <a:off x="2778156" y="3266218"/>
-            <a:ext cx="411291" cy="501302"/>
+            <a:off x="4302157" y="3266218"/>
+            <a:ext cx="411291" cy="501303"/>
           </a:xfrm>
           <a:prstGeom prst="line">
             <a:avLst/>
@@ -23386,8 +23049,8 @@
         </p:nvCxnSpPr>
         <p:spPr>
           <a:xfrm flipH="1">
-            <a:off x="2085213" y="3266218"/>
-            <a:ext cx="389860" cy="501302"/>
+            <a:off x="3609214" y="3266218"/>
+            <a:ext cx="389860" cy="501303"/>
           </a:xfrm>
           <a:prstGeom prst="line">
             <a:avLst/>
@@ -23419,8 +23082,8 @@
         </p:nvCxnSpPr>
         <p:spPr>
           <a:xfrm flipH="1">
-            <a:off x="2085213" y="1787461"/>
-            <a:ext cx="389860" cy="432722"/>
+            <a:off x="3609214" y="1787461"/>
+            <a:ext cx="389860" cy="432723"/>
           </a:xfrm>
           <a:prstGeom prst="line">
             <a:avLst/>
@@ -23449,7 +23112,7 @@
         </p:nvSpPr>
         <p:spPr>
           <a:xfrm>
-            <a:off x="5436394" y="1535907"/>
+            <a:off x="6960397" y="1535908"/>
             <a:ext cx="2078831" cy="314325"/>
           </a:xfrm>
           <a:prstGeom prst="rect">
@@ -23478,7 +23141,7 @@
           <a:p>
             <a:pPr algn="ctr"/>
             <a:r>
-              <a:rPr lang="en-US" sz="1350" dirty="0">
+              <a:rPr lang="en-US" sz="1351" dirty="0">
                 <a:latin typeface="Calibri (Body)"/>
               </a:rPr>
               <a:t>File permissions</a:t>
@@ -23496,7 +23159,7 @@
         </p:nvCxnSpPr>
         <p:spPr>
           <a:xfrm flipV="1">
-            <a:off x="1221581" y="4070604"/>
+            <a:off x="2745583" y="4070605"/>
             <a:ext cx="560547" cy="558547"/>
           </a:xfrm>
           <a:prstGeom prst="straightConnector1">
@@ -23532,7 +23195,7 @@
         </p:nvCxnSpPr>
         <p:spPr>
           <a:xfrm flipV="1">
-            <a:off x="1285875" y="4070603"/>
+            <a:off x="2809875" y="4070605"/>
             <a:ext cx="1903572" cy="608553"/>
           </a:xfrm>
           <a:prstGeom prst="straightConnector1">
@@ -23566,8 +23229,8 @@
         </p:nvSpPr>
         <p:spPr>
           <a:xfrm>
-            <a:off x="712852" y="4583608"/>
-            <a:ext cx="1069277" cy="300082"/>
+            <a:off x="2236854" y="4583608"/>
+            <a:ext cx="1069277" cy="300210"/>
           </a:xfrm>
           <a:prstGeom prst="rect">
             <a:avLst/>
@@ -23581,12 +23244,12 @@
           <a:lstStyle/>
           <a:p>
             <a:r>
-              <a:rPr lang="en-US" sz="1350" dirty="0" err="1">
+              <a:rPr lang="en-US" sz="1351" dirty="0" err="1">
                 <a:latin typeface="Calibri (Body)"/>
               </a:rPr>
               <a:t>Fajlovi</a:t>
             </a:r>
-            <a:endParaRPr lang="en-US" sz="1350" dirty="0">
+            <a:endParaRPr lang="en-US" sz="1351" dirty="0">
               <a:latin typeface="Calibri (Body)"/>
             </a:endParaRPr>
           </a:p>
@@ -23602,7 +23265,7 @@
         </p:nvCxnSpPr>
         <p:spPr>
           <a:xfrm flipH="1">
-            <a:off x="2778156" y="1200150"/>
+            <a:off x="4302157" y="1200152"/>
             <a:ext cx="411291" cy="284227"/>
           </a:xfrm>
           <a:prstGeom prst="straightConnector1">
@@ -23636,8 +23299,8 @@
         </p:nvSpPr>
         <p:spPr>
           <a:xfrm>
-            <a:off x="3189446" y="1100138"/>
-            <a:ext cx="1419875" cy="507831"/>
+            <a:off x="4713448" y="1100141"/>
+            <a:ext cx="1419875" cy="508088"/>
           </a:xfrm>
           <a:prstGeom prst="rect">
             <a:avLst/>
@@ -23651,24 +23314,24 @@
           <a:lstStyle/>
           <a:p>
             <a:r>
-              <a:rPr lang="en-US" sz="1350" dirty="0" err="1">
+              <a:rPr lang="en-US" sz="1351" dirty="0" err="1">
                 <a:latin typeface="Calibri (Body)"/>
               </a:rPr>
               <a:t>Koreni</a:t>
             </a:r>
             <a:r>
-              <a:rPr lang="en-US" sz="1350" dirty="0">
+              <a:rPr lang="en-US" sz="1351" dirty="0">
                 <a:latin typeface="Calibri (Body)"/>
               </a:rPr>
               <a:t> </a:t>
             </a:r>
             <a:r>
-              <a:rPr lang="en-US" sz="1350" dirty="0" err="1">
+              <a:rPr lang="en-US" sz="1351" dirty="0" err="1">
                 <a:latin typeface="Calibri (Body)"/>
               </a:rPr>
               <a:t>direktorijum</a:t>
             </a:r>
-            <a:endParaRPr lang="en-US" sz="1350" dirty="0">
+            <a:endParaRPr lang="en-US" sz="1351" dirty="0">
               <a:latin typeface="Calibri (Body)"/>
             </a:endParaRPr>
           </a:p>
@@ -23684,7 +23347,7 @@
         </p:nvCxnSpPr>
         <p:spPr>
           <a:xfrm>
-            <a:off x="1285876" y="1935957"/>
+            <a:off x="2809878" y="1935959"/>
             <a:ext cx="496253" cy="284227"/>
           </a:xfrm>
           <a:prstGeom prst="straightConnector1">
@@ -23720,7 +23383,7 @@
         </p:nvCxnSpPr>
         <p:spPr>
           <a:xfrm>
-            <a:off x="1221582" y="2064544"/>
+            <a:off x="2745584" y="2064546"/>
             <a:ext cx="1253491" cy="898589"/>
           </a:xfrm>
           <a:prstGeom prst="straightConnector1">
@@ -23756,8 +23419,8 @@
         </p:nvCxnSpPr>
         <p:spPr>
           <a:xfrm>
-            <a:off x="1350169" y="1850232"/>
-            <a:ext cx="1776508" cy="521494"/>
+            <a:off x="2874170" y="1850233"/>
+            <a:ext cx="1776508" cy="521495"/>
           </a:xfrm>
           <a:prstGeom prst="straightConnector1">
             <a:avLst/>
@@ -23792,8 +23455,8 @@
         </p:nvCxnSpPr>
         <p:spPr>
           <a:xfrm flipV="1">
-            <a:off x="1407319" y="1635919"/>
-            <a:ext cx="1004983" cy="151542"/>
+            <a:off x="2931322" y="1635919"/>
+            <a:ext cx="1004983" cy="151543"/>
           </a:xfrm>
           <a:prstGeom prst="straightConnector1">
             <a:avLst/>
@@ -23826,8 +23489,8 @@
         </p:nvSpPr>
         <p:spPr>
           <a:xfrm>
-            <a:off x="179932" y="1689386"/>
-            <a:ext cx="1242250" cy="300082"/>
+            <a:off x="1703932" y="1689387"/>
+            <a:ext cx="1242251" cy="300210"/>
           </a:xfrm>
           <a:prstGeom prst="rect">
             <a:avLst/>
@@ -23841,12 +23504,12 @@
           <a:lstStyle/>
           <a:p>
             <a:r>
-              <a:rPr lang="en-US" sz="1350" dirty="0" err="1">
+              <a:rPr lang="en-US" sz="1351" dirty="0" err="1">
                 <a:latin typeface="Calibri (Body)"/>
               </a:rPr>
               <a:t>Direktorijumi</a:t>
             </a:r>
-            <a:endParaRPr lang="en-US" sz="1350" dirty="0">
+            <a:endParaRPr lang="en-US" sz="1351" dirty="0">
               <a:latin typeface="Calibri (Body)"/>
             </a:endParaRPr>
           </a:p>
@@ -23860,7 +23523,7 @@
         </p:nvSpPr>
         <p:spPr>
           <a:xfrm>
-            <a:off x="5436394" y="1857376"/>
+            <a:off x="6960397" y="1857378"/>
             <a:ext cx="2078831" cy="314325"/>
           </a:xfrm>
           <a:prstGeom prst="rect">
@@ -23889,7 +23552,7 @@
           <a:p>
             <a:pPr algn="ctr"/>
             <a:r>
-              <a:rPr lang="en-US" sz="1350" dirty="0">
+              <a:rPr lang="en-US" sz="1351" dirty="0">
                 <a:latin typeface="Calibri (Body)"/>
               </a:rPr>
               <a:t>File dates</a:t>
@@ -23905,7 +23568,7 @@
         </p:nvSpPr>
         <p:spPr>
           <a:xfrm>
-            <a:off x="5436394" y="2178845"/>
+            <a:off x="6960397" y="2178847"/>
             <a:ext cx="2078831" cy="314325"/>
           </a:xfrm>
           <a:prstGeom prst="rect">
@@ -23934,7 +23597,7 @@
           <a:p>
             <a:pPr algn="ctr"/>
             <a:r>
-              <a:rPr lang="en-US" sz="1350" dirty="0">
+              <a:rPr lang="en-US" sz="1351" dirty="0">
                 <a:latin typeface="Calibri (Body)"/>
               </a:rPr>
               <a:t>File owner, group, ACL</a:t>
@@ -23950,7 +23613,7 @@
         </p:nvSpPr>
         <p:spPr>
           <a:xfrm>
-            <a:off x="5436394" y="2500313"/>
+            <a:off x="6960397" y="2500315"/>
             <a:ext cx="2078831" cy="314325"/>
           </a:xfrm>
           <a:prstGeom prst="rect">
@@ -23979,7 +23642,7 @@
           <a:p>
             <a:pPr algn="ctr"/>
             <a:r>
-              <a:rPr lang="en-US" sz="1350" dirty="0">
+              <a:rPr lang="en-US" sz="1351" dirty="0">
                 <a:latin typeface="Calibri (Body)"/>
               </a:rPr>
               <a:t>File size</a:t>
@@ -23995,7 +23658,7 @@
         </p:nvSpPr>
         <p:spPr>
           <a:xfrm>
-            <a:off x="5436394" y="2821782"/>
+            <a:off x="6960397" y="2821783"/>
             <a:ext cx="2078831" cy="1311592"/>
           </a:xfrm>
           <a:prstGeom prst="rect">
@@ -24024,7 +23687,7 @@
           <a:p>
             <a:pPr algn="ctr"/>
             <a:r>
-              <a:rPr lang="en-US" sz="1350" dirty="0">
+              <a:rPr lang="en-US" sz="1351" dirty="0">
                 <a:latin typeface="Calibri (Body)"/>
               </a:rPr>
               <a:t>File data</a:t>
@@ -24040,7 +23703,7 @@
         </p:nvSpPr>
         <p:spPr>
           <a:xfrm>
-            <a:off x="5436393" y="2821781"/>
+            <a:off x="6960395" y="2821783"/>
             <a:ext cx="2078831" cy="314325"/>
           </a:xfrm>
           <a:prstGeom prst="rect">
@@ -24069,7 +23732,7 @@
           <a:p>
             <a:pPr algn="ctr"/>
             <a:r>
-              <a:rPr lang="en-US" sz="1350" dirty="0">
+              <a:rPr lang="en-US" sz="1351" dirty="0">
                 <a:latin typeface="Calibri (Body)"/>
               </a:rPr>
               <a:t>***</a:t>
@@ -24082,13 +23745,14 @@
           <p:cNvPr id="64" name="Straight Arrow Connector 63"/>
           <p:cNvCxnSpPr>
             <a:stCxn id="62" idx="2"/>
+            <a:endCxn id="61" idx="2"/>
           </p:cNvCxnSpPr>
           <p:nvPr/>
         </p:nvCxnSpPr>
         <p:spPr>
           <a:xfrm>
-            <a:off x="6475808" y="3136106"/>
-            <a:ext cx="3573" cy="631413"/>
+            <a:off x="7999811" y="3136108"/>
+            <a:ext cx="2" cy="997267"/>
           </a:xfrm>
           <a:prstGeom prst="straightConnector1">
             <a:avLst/>
@@ -24112,34 +23776,6 @@
           </a:fontRef>
         </p:style>
       </p:cxnSp>
-      <p:sp>
-        <p:nvSpPr>
-          <p:cNvPr id="4" name="Slide Number Placeholder 3"/>
-          <p:cNvSpPr>
-            <a:spLocks noGrp="1"/>
-          </p:cNvSpPr>
-          <p:nvPr>
-            <p:ph type="sldNum" sz="quarter" idx="12"/>
-          </p:nvPr>
-        </p:nvSpPr>
-        <p:spPr/>
-        <p:txBody>
-          <a:bodyPr/>
-          <a:lstStyle/>
-          <a:p>
-            <a:fld id="{516B7588-0C4F-49E0-B1AB-2BC6867C93B8}" type="slidenum">
-              <a:rPr lang="en-US" smtClean="0"/>
-              <a:pPr/>
-              <a:t>6</a:t>
-            </a:fld>
-            <a:r>
-              <a:rPr lang="en-US" smtClean="0"/>
-              <a:t>/17</a:t>
-            </a:r>
-            <a:endParaRPr lang="en-US" dirty="0"/>
-          </a:p>
-        </p:txBody>
-      </p:sp>
     </p:spTree>
     <p:extLst>
       <p:ext uri="{BB962C8B-B14F-4D97-AF65-F5344CB8AC3E}">
@@ -24698,8 +24334,8 @@
         </p:nvSpPr>
         <p:spPr>
           <a:xfrm>
-            <a:off x="946404" y="1828801"/>
-            <a:ext cx="7376502" cy="4351337"/>
+            <a:off x="1261872" y="1704940"/>
+            <a:ext cx="7376503" cy="4351337"/>
           </a:xfrm>
         </p:spPr>
         <p:txBody>
@@ -24759,7 +24395,7 @@
             </a:r>
           </a:p>
           <a:p>
-            <a:pPr marL="274320" lvl="1" indent="0">
+            <a:pPr marL="274313" lvl="1" indent="0">
               <a:buNone/>
             </a:pPr>
             <a:endParaRPr lang="sr-Latn-RS" dirty="0" smtClean="0"/>
@@ -24788,6 +24424,36 @@
               <a:rPr lang="sr-Latn-RS" dirty="0" smtClean="0"/>
               <a:t>upis u blok</a:t>
             </a:r>
+          </a:p>
+        </p:txBody>
+      </p:sp>
+      <p:sp>
+        <p:nvSpPr>
+          <p:cNvPr id="6" name="Slide Number Placeholder 5"/>
+          <p:cNvSpPr>
+            <a:spLocks noGrp="1"/>
+          </p:cNvSpPr>
+          <p:nvPr>
+            <p:ph type="sldNum" sz="quarter" idx="12"/>
+          </p:nvPr>
+        </p:nvSpPr>
+        <p:spPr/>
+        <p:txBody>
+          <a:bodyPr>
+            <a:normAutofit fontScale="92500" lnSpcReduction="10000"/>
+          </a:bodyPr>
+          <a:lstStyle/>
+          <a:p>
+            <a:fld id="{49F83D39-FACF-43C7-9C4E-3C002A13A54D}" type="slidenum">
+              <a:rPr lang="en-US" smtClean="0"/>
+              <a:pPr/>
+              <a:t>7</a:t>
+            </a:fld>
+            <a:r>
+              <a:rPr lang="en-US" smtClean="0"/>
+              <a:t>/17</a:t>
+            </a:r>
+            <a:endParaRPr lang="en-US" dirty="0"/>
           </a:p>
         </p:txBody>
       </p:sp>
@@ -24799,8 +24465,8 @@
         </p:nvGrpSpPr>
         <p:grpSpPr>
           <a:xfrm>
-            <a:off x="3645312" y="4539419"/>
-            <a:ext cx="1871663" cy="1778198"/>
+            <a:off x="5169314" y="4539419"/>
+            <a:ext cx="1871663" cy="1778199"/>
             <a:chOff x="4625975" y="4156870"/>
             <a:chExt cx="2495550" cy="2370930"/>
           </a:xfrm>
@@ -24841,7 +24507,7 @@
             <a:lstStyle/>
             <a:p>
               <a:pPr algn="ctr"/>
-              <a:endParaRPr lang="en-US" sz="1350">
+              <a:endParaRPr lang="en-US" sz="1351">
                 <a:latin typeface="Calibri (Body)"/>
               </a:endParaRPr>
             </a:p>
@@ -24884,7 +24550,7 @@
             <a:p>
               <a:pPr algn="ctr"/>
               <a:r>
-                <a:rPr lang="en-US" sz="1350" dirty="0">
+                <a:rPr lang="en-US" sz="1351" dirty="0">
                   <a:latin typeface="Calibri (Body)"/>
                 </a:rPr>
                 <a:t>4</a:t>
@@ -24929,7 +24595,7 @@
             <a:p>
               <a:pPr algn="ctr"/>
               <a:r>
-                <a:rPr lang="en-US" sz="1350" dirty="0">
+                <a:rPr lang="en-US" sz="1351" dirty="0">
                   <a:latin typeface="Calibri (Body)"/>
                 </a:rPr>
                 <a:t>1</a:t>
@@ -24974,7 +24640,7 @@
             <a:p>
               <a:pPr algn="ctr"/>
               <a:r>
-                <a:rPr lang="en-US" sz="1350" dirty="0">
+                <a:rPr lang="en-US" sz="1351" dirty="0">
                   <a:latin typeface="Calibri (Body)"/>
                 </a:rPr>
                 <a:t>2</a:t>
@@ -25019,7 +24685,7 @@
             <a:p>
               <a:pPr algn="ctr"/>
               <a:r>
-                <a:rPr lang="en-US" sz="1350" dirty="0">
+                <a:rPr lang="en-US" sz="1351" dirty="0">
                   <a:latin typeface="Calibri (Body)"/>
                 </a:rPr>
                 <a:t>0</a:t>
@@ -25064,7 +24730,7 @@
             <a:p>
               <a:pPr algn="ctr"/>
               <a:r>
-                <a:rPr lang="en-US" sz="1350" dirty="0">
+                <a:rPr lang="en-US" sz="1351" dirty="0">
                   <a:latin typeface="Calibri (Body)"/>
                 </a:rPr>
                 <a:t>3</a:t>
@@ -25109,7 +24775,7 @@
             <a:p>
               <a:pPr algn="ctr"/>
               <a:r>
-                <a:rPr lang="en-US" sz="1350" dirty="0">
+                <a:rPr lang="en-US" sz="1351" dirty="0">
                   <a:latin typeface="Calibri (Body)"/>
                 </a:rPr>
                 <a:t>9</a:t>
@@ -25154,7 +24820,7 @@
             <a:p>
               <a:pPr algn="ctr"/>
               <a:r>
-                <a:rPr lang="en-US" sz="1350" dirty="0">
+                <a:rPr lang="en-US" sz="1351" dirty="0">
                   <a:latin typeface="Calibri (Body)"/>
                 </a:rPr>
                 <a:t>A</a:t>
@@ -25199,7 +24865,7 @@
             <a:p>
               <a:pPr algn="ctr"/>
               <a:r>
-                <a:rPr lang="en-US" sz="1350" dirty="0">
+                <a:rPr lang="en-US" sz="1351" dirty="0">
                   <a:latin typeface="Calibri (Body)"/>
                 </a:rPr>
                 <a:t>8</a:t>
@@ -25244,7 +24910,7 @@
             <a:p>
               <a:pPr algn="ctr"/>
               <a:r>
-                <a:rPr lang="en-US" sz="1350" dirty="0">
+                <a:rPr lang="en-US" sz="1351" dirty="0">
                   <a:latin typeface="Calibri (Body)"/>
                 </a:rPr>
                 <a:t>7</a:t>
@@ -25289,7 +24955,7 @@
             <a:p>
               <a:pPr algn="ctr"/>
               <a:r>
-                <a:rPr lang="en-US" sz="1350" dirty="0">
+                <a:rPr lang="en-US" sz="1351" dirty="0">
                   <a:latin typeface="Calibri (Body)"/>
                 </a:rPr>
                 <a:t>6</a:t>
@@ -25334,7 +25000,7 @@
             <a:p>
               <a:pPr algn="ctr"/>
               <a:r>
-                <a:rPr lang="en-US" sz="1350" dirty="0">
+                <a:rPr lang="en-US" sz="1351" dirty="0">
                   <a:latin typeface="Calibri (Body)"/>
                 </a:rPr>
                 <a:t>5</a:t>
@@ -25384,7 +25050,7 @@
             <a:lstStyle/>
             <a:p>
               <a:pPr algn="ctr"/>
-              <a:endParaRPr lang="en-US" sz="1350">
+              <a:endParaRPr lang="en-US" sz="1351">
                 <a:latin typeface="Calibri (Body)"/>
               </a:endParaRPr>
             </a:p>
@@ -25432,7 +25098,7 @@
             <a:lstStyle/>
             <a:p>
               <a:pPr algn="ctr"/>
-              <a:endParaRPr lang="en-US" sz="1350">
+              <a:endParaRPr lang="en-US" sz="1351">
                 <a:latin typeface="Calibri (Body)"/>
               </a:endParaRPr>
             </a:p>
@@ -25480,41 +25146,13 @@
             <a:lstStyle/>
             <a:p>
               <a:pPr algn="ctr"/>
-              <a:endParaRPr lang="en-US" sz="1350">
+              <a:endParaRPr lang="en-US" sz="1351">
                 <a:latin typeface="Calibri (Body)"/>
               </a:endParaRPr>
             </a:p>
           </p:txBody>
         </p:sp>
       </p:grpSp>
-      <p:sp>
-        <p:nvSpPr>
-          <p:cNvPr id="6" name="Slide Number Placeholder 5"/>
-          <p:cNvSpPr>
-            <a:spLocks noGrp="1"/>
-          </p:cNvSpPr>
-          <p:nvPr>
-            <p:ph type="sldNum" sz="quarter" idx="12"/>
-          </p:nvPr>
-        </p:nvSpPr>
-        <p:spPr/>
-        <p:txBody>
-          <a:bodyPr/>
-          <a:lstStyle/>
-          <a:p>
-            <a:fld id="{49F83D39-FACF-43C7-9C4E-3C002A13A54D}" type="slidenum">
-              <a:rPr lang="en-US" smtClean="0"/>
-              <a:pPr/>
-              <a:t>7</a:t>
-            </a:fld>
-            <a:r>
-              <a:rPr lang="en-US" smtClean="0"/>
-              <a:t>/17</a:t>
-            </a:r>
-            <a:endParaRPr lang="en-US" dirty="0"/>
-          </a:p>
-        </p:txBody>
-      </p:sp>
     </p:spTree>
     <p:extLst>
       <p:ext uri="{BB962C8B-B14F-4D97-AF65-F5344CB8AC3E}">
@@ -25611,6 +25249,36 @@
           </a:p>
         </p:txBody>
       </p:sp>
+      <p:sp>
+        <p:nvSpPr>
+          <p:cNvPr id="5" name="Slide Number Placeholder 4"/>
+          <p:cNvSpPr>
+            <a:spLocks noGrp="1"/>
+          </p:cNvSpPr>
+          <p:nvPr>
+            <p:ph type="sldNum" sz="quarter" idx="12"/>
+          </p:nvPr>
+        </p:nvSpPr>
+        <p:spPr/>
+        <p:txBody>
+          <a:bodyPr>
+            <a:normAutofit fontScale="85000" lnSpcReduction="10000"/>
+          </a:bodyPr>
+          <a:lstStyle/>
+          <a:p>
+            <a:fld id="{49F83D39-FACF-43C7-9C4E-3C002A13A54D}" type="slidenum">
+              <a:rPr lang="en-US" smtClean="0"/>
+              <a:pPr/>
+              <a:t>8</a:t>
+            </a:fld>
+            <a:r>
+              <a:rPr lang="en-US" smtClean="0"/>
+              <a:t>/17</a:t>
+            </a:r>
+            <a:endParaRPr lang="en-US" dirty="0"/>
+          </a:p>
+        </p:txBody>
+      </p:sp>
       <p:cxnSp>
         <p:nvCxnSpPr>
           <p:cNvPr id="15" name="Straight Arrow Connector 14"/>
@@ -25619,8 +25287,8 @@
         </p:nvCxnSpPr>
         <p:spPr>
           <a:xfrm>
-            <a:off x="1037844" y="2438997"/>
-            <a:ext cx="0" cy="3098602"/>
+            <a:off x="1272377" y="2448328"/>
+            <a:ext cx="0" cy="3098603"/>
           </a:xfrm>
           <a:prstGeom prst="straightConnector1">
             <a:avLst/>
@@ -25652,8 +25320,8 @@
         </p:nvSpPr>
         <p:spPr>
           <a:xfrm>
-            <a:off x="1048351" y="2438996"/>
-            <a:ext cx="3595921" cy="300082"/>
+            <a:off x="1282887" y="2448327"/>
+            <a:ext cx="3595793" cy="300210"/>
           </a:xfrm>
           <a:prstGeom prst="rect">
             <a:avLst/>
@@ -25667,7 +25335,7 @@
           <a:lstStyle/>
           <a:p>
             <a:r>
-              <a:rPr lang="en-US" sz="1350" b="1" dirty="0">
+              <a:rPr lang="en-US" sz="1351" b="1" dirty="0">
                 <a:latin typeface="Calibri (Body)"/>
               </a:rPr>
               <a:t>1980 - FAT12 – File Allocation Table 12-bit</a:t>
@@ -25683,8 +25351,8 @@
         </p:nvSpPr>
         <p:spPr>
           <a:xfrm>
-            <a:off x="1048350" y="2819105"/>
-            <a:ext cx="1229888" cy="300082"/>
+            <a:off x="1282884" y="2828436"/>
+            <a:ext cx="1229824" cy="300210"/>
           </a:xfrm>
           <a:prstGeom prst="rect">
             <a:avLst/>
@@ -25698,7 +25366,7 @@
           <a:lstStyle/>
           <a:p>
             <a:r>
-              <a:rPr lang="en-US" sz="1350" b="1" dirty="0">
+              <a:rPr lang="en-US" sz="1351" b="1" dirty="0">
                 <a:latin typeface="Calibri (Body)"/>
               </a:rPr>
               <a:t>1984 - FAT16</a:t>
@@ -25714,8 +25382,8 @@
         </p:nvSpPr>
         <p:spPr>
           <a:xfrm>
-            <a:off x="1048351" y="3098965"/>
-            <a:ext cx="4253087" cy="507831"/>
+            <a:off x="1282887" y="3108298"/>
+            <a:ext cx="4253087" cy="508088"/>
           </a:xfrm>
           <a:prstGeom prst="rect">
             <a:avLst/>
@@ -25729,7 +25397,7 @@
           <a:lstStyle/>
           <a:p>
             <a:r>
-              <a:rPr lang="en-US" sz="1350" dirty="0">
+              <a:rPr lang="en-US" sz="1351" dirty="0">
                 <a:latin typeface="Calibri (Body)"/>
               </a:rPr>
               <a:t>1988 - ISO 9660 / CDFS - Compact Disc File System</a:t>
@@ -25737,7 +25405,7 @@
           </a:p>
           <a:p>
             <a:r>
-              <a:rPr lang="en-US" sz="1350" dirty="0">
+              <a:rPr lang="en-US" sz="1351" dirty="0">
                 <a:latin typeface="Calibri (Body)"/>
               </a:rPr>
               <a:t>	 - HPFS - High Performance File System</a:t>
@@ -25753,8 +25421,8 @@
         </p:nvSpPr>
         <p:spPr>
           <a:xfrm>
-            <a:off x="1027339" y="3621949"/>
-            <a:ext cx="3740126" cy="300082"/>
+            <a:off x="1261874" y="3631280"/>
+            <a:ext cx="3740063" cy="300210"/>
           </a:xfrm>
           <a:prstGeom prst="rect">
             <a:avLst/>
@@ -25768,24 +25436,24 @@
           <a:lstStyle/>
           <a:p>
             <a:r>
-              <a:rPr lang="en-US" sz="1350" b="1" dirty="0">
+              <a:rPr lang="en-US" sz="1351" b="1" dirty="0">
                 <a:latin typeface="Calibri (Body)"/>
               </a:rPr>
               <a:t>1993 - </a:t>
             </a:r>
             <a:r>
-              <a:rPr lang="sr-Latn-RS" sz="1350" b="1" dirty="0">
+              <a:rPr lang="sr-Latn-RS" sz="1351" b="1" dirty="0">
                 <a:latin typeface="Calibri (Body)"/>
               </a:rPr>
               <a:t>NTFS </a:t>
             </a:r>
             <a:r>
-              <a:rPr lang="en-US" sz="1350" b="1" dirty="0">
+              <a:rPr lang="en-US" sz="1351" b="1" dirty="0">
                 <a:latin typeface="Calibri (Body)"/>
               </a:rPr>
               <a:t>– New Technology File System</a:t>
             </a:r>
-            <a:endParaRPr lang="sr-Latn-RS" sz="1350" b="1" dirty="0">
+            <a:endParaRPr lang="sr-Latn-RS" sz="1351" b="1" dirty="0">
               <a:latin typeface="Calibri (Body)"/>
             </a:endParaRPr>
           </a:p>
@@ -25799,8 +25467,8 @@
         </p:nvSpPr>
         <p:spPr>
           <a:xfrm>
-            <a:off x="1027338" y="4211891"/>
-            <a:ext cx="2246256" cy="300082"/>
+            <a:off x="1261872" y="4221223"/>
+            <a:ext cx="2246128" cy="300210"/>
           </a:xfrm>
           <a:prstGeom prst="rect">
             <a:avLst/>
@@ -25814,19 +25482,19 @@
           <a:lstStyle/>
           <a:p>
             <a:r>
-              <a:rPr lang="en-US" sz="1350" b="1" dirty="0">
+              <a:rPr lang="en-US" sz="1351" b="1" dirty="0">
                 <a:latin typeface="Calibri (Body)"/>
               </a:rPr>
               <a:t>1996 - </a:t>
             </a:r>
             <a:r>
-              <a:rPr lang="sr-Latn-RS" sz="1350" b="1" dirty="0">
+              <a:rPr lang="sr-Latn-RS" sz="1351" b="1" dirty="0">
                 <a:latin typeface="Calibri (Body)"/>
               </a:rPr>
               <a:t>FAT32</a:t>
             </a:r>
             <a:r>
-              <a:rPr lang="en-US" sz="1350" b="1" dirty="0">
+              <a:rPr lang="en-US" sz="1351" b="1" dirty="0">
                 <a:latin typeface="Calibri (Body)"/>
               </a:rPr>
               <a:t> – FAT 32-bit</a:t>
@@ -25842,8 +25510,8 @@
         </p:nvSpPr>
         <p:spPr>
           <a:xfrm>
-            <a:off x="1027338" y="4029925"/>
-            <a:ext cx="2973891" cy="300082"/>
+            <a:off x="1261872" y="4039256"/>
+            <a:ext cx="2973891" cy="300210"/>
           </a:xfrm>
           <a:prstGeom prst="rect">
             <a:avLst/>
@@ -25857,24 +25525,24 @@
           <a:lstStyle/>
           <a:p>
             <a:r>
-              <a:rPr lang="en-US" sz="1350" dirty="0">
+              <a:rPr lang="en-US" sz="1351" dirty="0">
                 <a:latin typeface="Calibri (Body)"/>
               </a:rPr>
               <a:t>1995 - </a:t>
             </a:r>
             <a:r>
-              <a:rPr lang="sr-Latn-RS" sz="1350" dirty="0">
+              <a:rPr lang="sr-Latn-RS" sz="1351" dirty="0">
                 <a:latin typeface="Calibri (Body)"/>
               </a:rPr>
               <a:t>UDF</a:t>
             </a:r>
             <a:r>
-              <a:rPr lang="en-US" sz="1350" dirty="0">
+              <a:rPr lang="en-US" sz="1351" dirty="0">
                 <a:latin typeface="Calibri (Body)"/>
               </a:rPr>
               <a:t> – Universal Disk Format</a:t>
             </a:r>
-            <a:endParaRPr lang="sr-Latn-RS" sz="1350" dirty="0">
+            <a:endParaRPr lang="sr-Latn-RS" sz="1351" dirty="0">
               <a:latin typeface="Calibri (Body)"/>
             </a:endParaRPr>
           </a:p>
@@ -25888,8 +25556,8 @@
         </p:nvSpPr>
         <p:spPr>
           <a:xfrm>
-            <a:off x="1041238" y="4645650"/>
-            <a:ext cx="3999878" cy="300082"/>
+            <a:off x="1275772" y="4654982"/>
+            <a:ext cx="3999749" cy="300210"/>
           </a:xfrm>
           <a:prstGeom prst="rect">
             <a:avLst/>
@@ -25903,24 +25571,24 @@
           <a:lstStyle/>
           <a:p>
             <a:r>
-              <a:rPr lang="en-US" sz="1350" b="1" dirty="0">
+              <a:rPr lang="en-US" sz="1351" b="1" dirty="0">
                 <a:latin typeface="Calibri (Body)"/>
               </a:rPr>
               <a:t>2006 - e</a:t>
             </a:r>
             <a:r>
-              <a:rPr lang="sr-Latn-RS" sz="1350" b="1" dirty="0">
+              <a:rPr lang="sr-Latn-RS" sz="1351" b="1" dirty="0">
                 <a:latin typeface="Calibri (Body)"/>
               </a:rPr>
               <a:t>xFAT</a:t>
             </a:r>
             <a:r>
-              <a:rPr lang="en-US" sz="1350" b="1" dirty="0">
+              <a:rPr lang="en-US" sz="1351" b="1" dirty="0">
                 <a:latin typeface="Calibri (Body)"/>
               </a:rPr>
               <a:t> – Extensible File Allocation Table</a:t>
             </a:r>
-            <a:endParaRPr lang="sr-Latn-RS" sz="1350" b="1" dirty="0">
+            <a:endParaRPr lang="sr-Latn-RS" sz="1351" b="1" dirty="0">
               <a:latin typeface="Calibri (Body)"/>
             </a:endParaRPr>
           </a:p>
@@ -25934,8 +25602,8 @@
         </p:nvSpPr>
         <p:spPr>
           <a:xfrm>
-            <a:off x="1050765" y="5152252"/>
-            <a:ext cx="2945037" cy="300082"/>
+            <a:off x="1285300" y="5161583"/>
+            <a:ext cx="2945037" cy="300210"/>
           </a:xfrm>
           <a:prstGeom prst="rect">
             <a:avLst/>
@@ -25949,24 +25617,24 @@
           <a:lstStyle/>
           <a:p>
             <a:r>
-              <a:rPr lang="en-US" sz="1350" dirty="0">
+              <a:rPr lang="en-US" sz="1351" dirty="0">
                 <a:latin typeface="Calibri (Body)"/>
               </a:rPr>
               <a:t>2012 - </a:t>
             </a:r>
             <a:r>
-              <a:rPr lang="en-US" sz="1350" dirty="0" err="1">
+              <a:rPr lang="en-US" sz="1351" dirty="0" err="1">
                 <a:latin typeface="Calibri (Body)"/>
               </a:rPr>
               <a:t>ReFS</a:t>
             </a:r>
             <a:r>
-              <a:rPr lang="en-US" sz="1350" dirty="0">
+              <a:rPr lang="en-US" sz="1351" dirty="0">
                 <a:latin typeface="Calibri (Body)"/>
               </a:rPr>
               <a:t> (Resilient File System)</a:t>
             </a:r>
-            <a:endParaRPr lang="sr-Latn-RS" sz="1350" dirty="0">
+            <a:endParaRPr lang="sr-Latn-RS" sz="1351" dirty="0">
               <a:latin typeface="Calibri (Body)"/>
             </a:endParaRPr>
           </a:p>
@@ -25980,8 +25648,8 @@
         </p:nvSpPr>
         <p:spPr>
           <a:xfrm>
-            <a:off x="6236494" y="2438996"/>
-            <a:ext cx="1811655" cy="507831"/>
+            <a:off x="6471030" y="2448328"/>
+            <a:ext cx="1811655" cy="508088"/>
           </a:xfrm>
           <a:prstGeom prst="rect">
             <a:avLst/>
@@ -25995,54 +25663,54 @@
           <a:lstStyle/>
           <a:p>
             <a:r>
-              <a:rPr lang="en-US" sz="1350" b="1" dirty="0" err="1">
+              <a:rPr lang="en-US" sz="1351" b="1" dirty="0" err="1">
                 <a:latin typeface="Calibri (Body)"/>
               </a:rPr>
               <a:t>Diskete</a:t>
             </a:r>
             <a:r>
-              <a:rPr lang="en-US" sz="1350" b="1" dirty="0">
+              <a:rPr lang="en-US" sz="1351" b="1" dirty="0">
                 <a:latin typeface="Calibri (Body)"/>
               </a:rPr>
               <a:t> </a:t>
             </a:r>
             <a:r>
-              <a:rPr lang="en-US" sz="1350" b="1" dirty="0" err="1">
+              <a:rPr lang="en-US" sz="1351" b="1" dirty="0" err="1">
                 <a:latin typeface="Calibri (Body)"/>
               </a:rPr>
               <a:t>i</a:t>
             </a:r>
             <a:r>
-              <a:rPr lang="en-US" sz="1350" b="1" dirty="0">
+              <a:rPr lang="en-US" sz="1351" b="1" dirty="0">
                 <a:latin typeface="Calibri (Body)"/>
               </a:rPr>
               <a:t> </a:t>
             </a:r>
             <a:r>
-              <a:rPr lang="en-US" sz="1350" b="1" dirty="0" err="1">
+              <a:rPr lang="en-US" sz="1351" b="1" dirty="0" err="1">
                 <a:latin typeface="Calibri (Body)"/>
               </a:rPr>
               <a:t>mali</a:t>
             </a:r>
             <a:r>
-              <a:rPr lang="en-US" sz="1350" b="1" dirty="0">
+              <a:rPr lang="en-US" sz="1351" b="1" dirty="0">
                 <a:latin typeface="Calibri (Body)"/>
               </a:rPr>
               <a:t> </a:t>
             </a:r>
             <a:r>
-              <a:rPr lang="en-US" sz="1350" b="1" dirty="0" err="1">
+              <a:rPr lang="en-US" sz="1351" b="1" dirty="0" err="1">
                 <a:latin typeface="Calibri (Body)"/>
               </a:rPr>
               <a:t>ure</a:t>
             </a:r>
             <a:r>
-              <a:rPr lang="sr-Latn-RS" sz="1350" b="1" dirty="0">
+              <a:rPr lang="sr-Latn-RS" sz="1351" b="1" dirty="0">
                 <a:latin typeface="Calibri (Body)"/>
               </a:rPr>
               <a:t>đaji</a:t>
             </a:r>
-            <a:endParaRPr lang="en-US" sz="1350" b="1" dirty="0">
+            <a:endParaRPr lang="en-US" sz="1351" b="1" dirty="0">
               <a:latin typeface="Calibri (Body)"/>
             </a:endParaRPr>
           </a:p>
@@ -26056,8 +25724,8 @@
         </p:nvSpPr>
         <p:spPr>
           <a:xfrm>
-            <a:off x="6236494" y="3096104"/>
-            <a:ext cx="1811655" cy="300082"/>
+            <a:off x="6471030" y="3105435"/>
+            <a:ext cx="1811655" cy="300210"/>
           </a:xfrm>
           <a:prstGeom prst="rect">
             <a:avLst/>
@@ -26071,7 +25739,7 @@
           <a:lstStyle/>
           <a:p>
             <a:r>
-              <a:rPr lang="en-US" sz="1350" dirty="0">
+              <a:rPr lang="en-US" sz="1351" dirty="0">
                 <a:latin typeface="Calibri (Body)"/>
               </a:rPr>
               <a:t>CD</a:t>
@@ -26087,8 +25755,8 @@
         </p:nvSpPr>
         <p:spPr>
           <a:xfrm>
-            <a:off x="6236494" y="4025311"/>
-            <a:ext cx="1811655" cy="300082"/>
+            <a:off x="6471030" y="4034643"/>
+            <a:ext cx="1811655" cy="300210"/>
           </a:xfrm>
           <a:prstGeom prst="rect">
             <a:avLst/>
@@ -26102,19 +25770,19 @@
           <a:lstStyle/>
           <a:p>
             <a:r>
-              <a:rPr lang="en-US" sz="1350" dirty="0">
+              <a:rPr lang="en-US" sz="1351" dirty="0">
                 <a:latin typeface="Calibri (Body)"/>
               </a:rPr>
               <a:t>DVD </a:t>
             </a:r>
             <a:r>
-              <a:rPr lang="en-US" sz="1350" dirty="0" err="1">
+              <a:rPr lang="en-US" sz="1351" dirty="0" err="1">
                 <a:latin typeface="Calibri (Body)"/>
               </a:rPr>
               <a:t>i</a:t>
             </a:r>
             <a:r>
-              <a:rPr lang="en-US" sz="1350" dirty="0">
+              <a:rPr lang="en-US" sz="1351" dirty="0">
                 <a:latin typeface="Calibri (Body)"/>
               </a:rPr>
               <a:t> Blu-ray</a:t>
@@ -26130,8 +25798,8 @@
         </p:nvSpPr>
         <p:spPr>
           <a:xfrm>
-            <a:off x="6236494" y="4645650"/>
-            <a:ext cx="1815824" cy="507831"/>
+            <a:off x="6471028" y="4654984"/>
+            <a:ext cx="1815824" cy="508088"/>
           </a:xfrm>
           <a:prstGeom prst="rect">
             <a:avLst/>
@@ -26145,48 +25813,48 @@
           <a:lstStyle/>
           <a:p>
             <a:r>
-              <a:rPr lang="en-US" sz="1350" b="1" dirty="0">
+              <a:rPr lang="en-US" sz="1351" b="1" dirty="0">
                 <a:latin typeface="Calibri (Body)"/>
               </a:rPr>
               <a:t>Flash </a:t>
             </a:r>
             <a:r>
-              <a:rPr lang="en-US" sz="1350" b="1" dirty="0" err="1">
+              <a:rPr lang="en-US" sz="1351" b="1" dirty="0" err="1">
                 <a:latin typeface="Calibri (Body)"/>
               </a:rPr>
               <a:t>i</a:t>
             </a:r>
             <a:r>
-              <a:rPr lang="en-US" sz="1350" b="1" dirty="0">
+              <a:rPr lang="en-US" sz="1351" b="1" dirty="0">
                 <a:latin typeface="Calibri (Body)"/>
               </a:rPr>
               <a:t> </a:t>
             </a:r>
             <a:r>
-              <a:rPr lang="en-US" sz="1350" b="1" dirty="0" err="1">
+              <a:rPr lang="en-US" sz="1351" b="1" dirty="0" err="1">
                 <a:latin typeface="Calibri (Body)"/>
               </a:rPr>
               <a:t>moderni</a:t>
             </a:r>
             <a:r>
-              <a:rPr lang="en-US" sz="1350" b="1" dirty="0">
+              <a:rPr lang="en-US" sz="1351" b="1" dirty="0">
                 <a:latin typeface="Calibri (Body)"/>
               </a:rPr>
               <a:t> </a:t>
             </a:r>
             <a:r>
-              <a:rPr lang="en-US" sz="1350" b="1" dirty="0" err="1">
+              <a:rPr lang="en-US" sz="1351" b="1" dirty="0" err="1">
                 <a:latin typeface="Calibri (Body)"/>
               </a:rPr>
               <a:t>ure</a:t>
             </a:r>
             <a:r>
-              <a:rPr lang="sr-Latn-RS" sz="1350" b="1" dirty="0">
+              <a:rPr lang="sr-Latn-RS" sz="1351" b="1" dirty="0">
                 <a:latin typeface="Calibri (Body)"/>
               </a:rPr>
               <a:t>đaji</a:t>
             </a:r>
-            <a:endParaRPr lang="en-US" sz="1350" b="1" dirty="0">
+            <a:endParaRPr lang="en-US" sz="1351" b="1" dirty="0">
               <a:latin typeface="Calibri (Body)"/>
             </a:endParaRPr>
           </a:p>
@@ -26200,8 +25868,8 @@
         </p:nvSpPr>
         <p:spPr>
           <a:xfrm>
-            <a:off x="6236494" y="5152252"/>
-            <a:ext cx="2328863" cy="300082"/>
+            <a:off x="6471030" y="5161583"/>
+            <a:ext cx="2328863" cy="300210"/>
           </a:xfrm>
           <a:prstGeom prst="rect">
             <a:avLst/>
@@ -26215,12 +25883,12 @@
           <a:lstStyle/>
           <a:p>
             <a:r>
-              <a:rPr lang="sr-Latn-RS" sz="1350" dirty="0">
+              <a:rPr lang="sr-Latn-RS" sz="1351" dirty="0">
                 <a:latin typeface="Calibri (Body)"/>
               </a:rPr>
               <a:t>Serveri i skladišni sistemi</a:t>
             </a:r>
-            <a:endParaRPr lang="en-US" sz="1350" dirty="0">
+            <a:endParaRPr lang="en-US" sz="1351" dirty="0">
               <a:latin typeface="Calibri (Body)"/>
             </a:endParaRPr>
           </a:p>
@@ -26234,8 +25902,8 @@
         </p:nvSpPr>
         <p:spPr>
           <a:xfrm>
-            <a:off x="6236494" y="4246090"/>
-            <a:ext cx="1811655" cy="507831"/>
+            <a:off x="6471030" y="4255424"/>
+            <a:ext cx="1811655" cy="508088"/>
           </a:xfrm>
           <a:prstGeom prst="rect">
             <a:avLst/>
@@ -26249,12 +25917,12 @@
           <a:lstStyle/>
           <a:p>
             <a:r>
-              <a:rPr lang="sr-Latn-RS" sz="1350" b="1" dirty="0">
+              <a:rPr lang="sr-Latn-RS" sz="1351" b="1" dirty="0">
                 <a:latin typeface="Calibri (Body)"/>
               </a:rPr>
               <a:t>USB i prenosivi uređaji</a:t>
             </a:r>
-            <a:endParaRPr lang="en-US" sz="1350" b="1" dirty="0">
+            <a:endParaRPr lang="en-US" sz="1351" b="1" dirty="0">
               <a:latin typeface="Calibri (Body)"/>
             </a:endParaRPr>
           </a:p>
@@ -26268,8 +25936,8 @@
         </p:nvSpPr>
         <p:spPr>
           <a:xfrm>
-            <a:off x="6236494" y="3616926"/>
-            <a:ext cx="1811655" cy="507831"/>
+            <a:off x="6471030" y="3626259"/>
+            <a:ext cx="1811655" cy="508088"/>
           </a:xfrm>
           <a:prstGeom prst="rect">
             <a:avLst/>
@@ -26283,12 +25951,12 @@
           <a:lstStyle/>
           <a:p>
             <a:r>
-              <a:rPr lang="sr-Latn-RS" sz="1350" b="1" dirty="0">
+              <a:rPr lang="sr-Latn-RS" sz="1351" b="1" dirty="0">
                 <a:latin typeface="Calibri (Body)"/>
               </a:rPr>
               <a:t>Glavni fajl sistem danas</a:t>
             </a:r>
-            <a:endParaRPr lang="en-US" sz="1350" b="1" dirty="0">
+            <a:endParaRPr lang="en-US" sz="1351" b="1" dirty="0">
               <a:latin typeface="Calibri (Body)"/>
             </a:endParaRPr>
           </a:p>
@@ -26302,8 +25970,8 @@
         </p:nvSpPr>
         <p:spPr>
           <a:xfrm>
-            <a:off x="6236494" y="2807099"/>
-            <a:ext cx="2233136" cy="300082"/>
+            <a:off x="6471028" y="2816431"/>
+            <a:ext cx="2233136" cy="300210"/>
           </a:xfrm>
           <a:prstGeom prst="rect">
             <a:avLst/>
@@ -26317,24 +25985,24 @@
           <a:lstStyle/>
           <a:p>
             <a:r>
-              <a:rPr lang="sr-Latn-RS" sz="1350" b="1" dirty="0">
+              <a:rPr lang="sr-Latn-RS" sz="1351" b="1" dirty="0">
                 <a:latin typeface="Calibri (Body)"/>
               </a:rPr>
               <a:t>Za starije </a:t>
             </a:r>
             <a:r>
-              <a:rPr lang="sr-Latn-RS" sz="1350" b="1" dirty="0" smtClean="0">
+              <a:rPr lang="sr-Latn-RS" sz="1351" b="1" dirty="0">
                 <a:latin typeface="Calibri (Body)"/>
               </a:rPr>
               <a:t>verzije</a:t>
             </a:r>
             <a:r>
-              <a:rPr lang="en-US" sz="1350" b="1" dirty="0" smtClean="0">
+              <a:rPr lang="en-US" sz="1351" b="1" dirty="0">
                 <a:latin typeface="Calibri (Body)"/>
               </a:rPr>
               <a:t> OS</a:t>
             </a:r>
-            <a:endParaRPr lang="en-US" sz="1350" b="1" dirty="0">
+            <a:endParaRPr lang="en-US" sz="1351" b="1" dirty="0">
               <a:latin typeface="Calibri (Body)"/>
             </a:endParaRPr>
           </a:p>
@@ -26348,8 +26016,8 @@
         </p:nvSpPr>
         <p:spPr>
           <a:xfrm>
-            <a:off x="6236493" y="3325708"/>
-            <a:ext cx="2178844" cy="300082"/>
+            <a:off x="6471027" y="3335039"/>
+            <a:ext cx="2178844" cy="300210"/>
           </a:xfrm>
           <a:prstGeom prst="rect">
             <a:avLst/>
@@ -26363,42 +26031,14 @@
           <a:lstStyle/>
           <a:p>
             <a:r>
-              <a:rPr lang="sr-Latn-RS" sz="1350" dirty="0">
+              <a:rPr lang="sr-Latn-RS" sz="1351" dirty="0">
                 <a:latin typeface="Calibri (Body)"/>
               </a:rPr>
               <a:t>Unapređenje FAT </a:t>
             </a:r>
-            <a:endParaRPr lang="en-US" sz="1350" dirty="0">
+            <a:endParaRPr lang="en-US" sz="1351" dirty="0">
               <a:latin typeface="Calibri (Body)"/>
             </a:endParaRPr>
-          </a:p>
-        </p:txBody>
-      </p:sp>
-      <p:sp>
-        <p:nvSpPr>
-          <p:cNvPr id="5" name="Slide Number Placeholder 4"/>
-          <p:cNvSpPr>
-            <a:spLocks noGrp="1"/>
-          </p:cNvSpPr>
-          <p:nvPr>
-            <p:ph type="sldNum" sz="quarter" idx="12"/>
-          </p:nvPr>
-        </p:nvSpPr>
-        <p:spPr/>
-        <p:txBody>
-          <a:bodyPr/>
-          <a:lstStyle/>
-          <a:p>
-            <a:fld id="{49F83D39-FACF-43C7-9C4E-3C002A13A54D}" type="slidenum">
-              <a:rPr lang="en-US" smtClean="0"/>
-              <a:pPr/>
-              <a:t>8</a:t>
-            </a:fld>
-            <a:r>
-              <a:rPr lang="en-US" smtClean="0"/>
-              <a:t>/17</a:t>
-            </a:r>
-            <a:endParaRPr lang="en-US" dirty="0"/>
           </a:p>
         </p:txBody>
       </p:sp>
@@ -27119,8 +26759,8 @@
         </p:nvSpPr>
         <p:spPr>
           <a:xfrm>
-            <a:off x="946403" y="2228852"/>
-            <a:ext cx="7059261" cy="3557586"/>
+            <a:off x="1261872" y="1691322"/>
+            <a:ext cx="7059261" cy="3557587"/>
           </a:xfrm>
         </p:spPr>
         <p:txBody>
@@ -27191,7 +26831,9 @@
         </p:nvSpPr>
         <p:spPr/>
         <p:txBody>
-          <a:bodyPr/>
+          <a:bodyPr>
+            <a:normAutofit fontScale="85000" lnSpcReduction="10000"/>
+          </a:bodyPr>
           <a:lstStyle/>
           <a:p>
             <a:fld id="{49F83D39-FACF-43C7-9C4E-3C002A13A54D}" type="slidenum">
